--- a/d2_tutorial.pptx
+++ b/d2_tutorial.pptx
@@ -5,15 +5,16 @@
     <p:sldMasterId id="2147483648" r:id="rId4"/>
   </p:sldMasterIdLst>
   <p:notesMasterIdLst>
-    <p:notesMasterId r:id="rId8"/>
+    <p:notesMasterId r:id="rId9"/>
   </p:notesMasterIdLst>
   <p:handoutMasterIdLst>
-    <p:handoutMasterId r:id="rId9"/>
+    <p:handoutMasterId r:id="rId10"/>
   </p:handoutMasterIdLst>
   <p:sldIdLst>
     <p:sldId id="256" r:id="rId5"/>
     <p:sldId id="265" r:id="rId6"/>
-    <p:sldId id="266" r:id="rId7"/>
+    <p:sldId id="267" r:id="rId7"/>
+    <p:sldId id="266" r:id="rId8"/>
   </p:sldIdLst>
   <p:sldSz cx="12188825" cy="6858000"/>
   <p:notesSz cx="6858000" cy="9144000"/>
@@ -4495,6 +4496,275 @@
 </file>
 
 <file path=ppt/slides/slide3.xml><?xml version="1.0" encoding="utf-8"?>
+<p:sld xmlns:a="http://schemas.openxmlformats.org/drawingml/2006/main" xmlns:r="http://schemas.openxmlformats.org/officeDocument/2006/relationships" xmlns:p="http://schemas.openxmlformats.org/presentationml/2006/main">
+  <p:cSld>
+    <p:spTree>
+      <p:nvGrpSpPr>
+        <p:cNvPr id="1" name="">
+          <a:extLst>
+            <a:ext uri="{FF2B5EF4-FFF2-40B4-BE49-F238E27FC236}">
+              <a16:creationId xmlns:a16="http://schemas.microsoft.com/office/drawing/2014/main" id="{8F1A024F-A5F8-AA6B-2FCF-E8E1EA803327}"/>
+            </a:ext>
+          </a:extLst>
+        </p:cNvPr>
+        <p:cNvGrpSpPr/>
+        <p:nvPr/>
+      </p:nvGrpSpPr>
+      <p:grpSpPr>
+        <a:xfrm>
+          <a:off x="0" y="0"/>
+          <a:ext cx="0" cy="0"/>
+          <a:chOff x="0" y="0"/>
+          <a:chExt cx="0" cy="0"/>
+        </a:xfrm>
+      </p:grpSpPr>
+      <p:sp>
+        <p:nvSpPr>
+          <p:cNvPr id="13" name="Title 12">
+            <a:extLst>
+              <a:ext uri="{FF2B5EF4-FFF2-40B4-BE49-F238E27FC236}">
+                <a16:creationId xmlns:a16="http://schemas.microsoft.com/office/drawing/2014/main" id="{C9E6657E-118A-C800-BBFB-56880D5A6425}"/>
+              </a:ext>
+            </a:extLst>
+          </p:cNvPr>
+          <p:cNvSpPr>
+            <a:spLocks noGrp="1"/>
+          </p:cNvSpPr>
+          <p:nvPr>
+            <p:ph type="title"/>
+          </p:nvPr>
+        </p:nvSpPr>
+        <p:spPr/>
+        <p:txBody>
+          <a:bodyPr/>
+          <a:lstStyle/>
+          <a:p>
+            <a:r>
+              <a:rPr lang="en-US" dirty="0"/>
+              <a:t>Get D2 and Make it Work</a:t>
+            </a:r>
+          </a:p>
+        </p:txBody>
+      </p:sp>
+      <p:pic>
+        <p:nvPicPr>
+          <p:cNvPr id="3" name="Picture 2">
+            <a:extLst>
+              <a:ext uri="{FF2B5EF4-FFF2-40B4-BE49-F238E27FC236}">
+                <a16:creationId xmlns:a16="http://schemas.microsoft.com/office/drawing/2014/main" id="{14A55EEC-DDB4-7B09-55C9-E75F2E7E4EA1}"/>
+              </a:ext>
+            </a:extLst>
+          </p:cNvPr>
+          <p:cNvPicPr>
+            <a:picLocks noChangeAspect="1"/>
+          </p:cNvPicPr>
+          <p:nvPr/>
+        </p:nvPicPr>
+        <p:blipFill>
+          <a:blip r:embed="rId2"/>
+          <a:stretch>
+            <a:fillRect/>
+          </a:stretch>
+        </p:blipFill>
+        <p:spPr>
+          <a:xfrm>
+            <a:off x="0" y="5664740"/>
+            <a:ext cx="1206819" cy="1193260"/>
+          </a:xfrm>
+          <a:prstGeom prst="rect">
+            <a:avLst/>
+          </a:prstGeom>
+          <a:ln>
+            <a:noFill/>
+          </a:ln>
+          <a:effectLst>
+            <a:outerShdw blurRad="292100" dist="139700" dir="2700000" algn="tl" rotWithShape="0">
+              <a:srgbClr val="333333">
+                <a:alpha val="65000"/>
+              </a:srgbClr>
+            </a:outerShdw>
+          </a:effectLst>
+        </p:spPr>
+      </p:pic>
+      <p:sp>
+        <p:nvSpPr>
+          <p:cNvPr id="4" name="Title 1">
+            <a:extLst>
+              <a:ext uri="{FF2B5EF4-FFF2-40B4-BE49-F238E27FC236}">
+                <a16:creationId xmlns:a16="http://schemas.microsoft.com/office/drawing/2014/main" id="{D02FDFEB-62DA-327C-D016-D2242D07B053}"/>
+              </a:ext>
+            </a:extLst>
+          </p:cNvPr>
+          <p:cNvSpPr txBox="1">
+            <a:spLocks/>
+          </p:cNvSpPr>
+          <p:nvPr/>
+        </p:nvSpPr>
+        <p:spPr>
+          <a:xfrm>
+            <a:off x="0" y="1"/>
+            <a:ext cx="1674812" cy="1066800"/>
+          </a:xfrm>
+          <a:prstGeom prst="rect">
+            <a:avLst/>
+          </a:prstGeom>
+        </p:spPr>
+        <p:txBody>
+          <a:bodyPr vert="horz" lIns="91440" tIns="45720" rIns="91440" bIns="45720" rtlCol="0" anchor="ctr">
+            <a:normAutofit/>
+          </a:bodyPr>
+          <a:lstStyle>
+            <a:lvl1pPr algn="l" defTabSz="914400" rtl="0" eaLnBrk="1" latinLnBrk="0" hangingPunct="1">
+              <a:lnSpc>
+                <a:spcPct val="80000"/>
+              </a:lnSpc>
+              <a:spcBef>
+                <a:spcPct val="0"/>
+              </a:spcBef>
+              <a:buNone/>
+              <a:defRPr sz="5400" b="1" kern="1200">
+                <a:solidFill>
+                  <a:schemeClr val="accent1">
+                    <a:lumMod val="75000"/>
+                  </a:schemeClr>
+                </a:solidFill>
+                <a:latin typeface="+mj-lt"/>
+                <a:ea typeface="+mj-ea"/>
+                <a:cs typeface="+mj-cs"/>
+              </a:defRPr>
+            </a:lvl1pPr>
+          </a:lstStyle>
+          <a:p>
+            <a:pPr algn="ctr"/>
+            <a:r>
+              <a:rPr lang="en-US" sz="6600" dirty="0"/>
+              <a:t>003</a:t>
+            </a:r>
+          </a:p>
+        </p:txBody>
+      </p:sp>
+      <p:pic>
+        <p:nvPicPr>
+          <p:cNvPr id="7" name="Content Placeholder 6">
+            <a:extLst>
+              <a:ext uri="{FF2B5EF4-FFF2-40B4-BE49-F238E27FC236}">
+                <a16:creationId xmlns:a16="http://schemas.microsoft.com/office/drawing/2014/main" id="{6B303225-E915-701D-0BA9-D92939331CD4}"/>
+              </a:ext>
+            </a:extLst>
+          </p:cNvPr>
+          <p:cNvPicPr>
+            <a:picLocks noGrp="1" noChangeAspect="1"/>
+          </p:cNvPicPr>
+          <p:nvPr>
+            <p:ph idx="1"/>
+          </p:nvPr>
+        </p:nvPicPr>
+        <p:blipFill>
+          <a:blip r:embed="rId3"/>
+          <a:stretch>
+            <a:fillRect/>
+          </a:stretch>
+        </p:blipFill>
+        <p:spPr>
+          <a:xfrm>
+            <a:off x="1065212" y="1596227"/>
+            <a:ext cx="9296399" cy="4369614"/>
+          </a:xfrm>
+          <a:prstGeom prst="rect">
+            <a:avLst/>
+          </a:prstGeom>
+          <a:ln>
+            <a:noFill/>
+          </a:ln>
+          <a:effectLst>
+            <a:outerShdw blurRad="292100" dist="139700" dir="2700000" algn="tl" rotWithShape="0">
+              <a:srgbClr val="333333">
+                <a:alpha val="65000"/>
+              </a:srgbClr>
+            </a:outerShdw>
+          </a:effectLst>
+        </p:spPr>
+      </p:pic>
+      <p:pic>
+        <p:nvPicPr>
+          <p:cNvPr id="11" name="Picture 10">
+            <a:extLst>
+              <a:ext uri="{FF2B5EF4-FFF2-40B4-BE49-F238E27FC236}">
+                <a16:creationId xmlns:a16="http://schemas.microsoft.com/office/drawing/2014/main" id="{D256EDB3-FFE7-83B1-C3AC-9D42F292CF72}"/>
+              </a:ext>
+            </a:extLst>
+          </p:cNvPr>
+          <p:cNvPicPr>
+            <a:picLocks noChangeAspect="1"/>
+          </p:cNvPicPr>
+          <p:nvPr/>
+        </p:nvPicPr>
+        <p:blipFill>
+          <a:blip r:embed="rId4"/>
+          <a:stretch>
+            <a:fillRect/>
+          </a:stretch>
+        </p:blipFill>
+        <p:spPr>
+          <a:xfrm>
+            <a:off x="9159706" y="2913867"/>
+            <a:ext cx="1201905" cy="3581400"/>
+          </a:xfrm>
+          <a:prstGeom prst="roundRect">
+            <a:avLst>
+              <a:gd name="adj" fmla="val 16667"/>
+            </a:avLst>
+          </a:prstGeom>
+          <a:ln>
+            <a:noFill/>
+          </a:ln>
+          <a:effectLst>
+            <a:outerShdw blurRad="152400" dist="12000" dir="900000" sy="98000" kx="110000" ky="200000" algn="tl" rotWithShape="0">
+              <a:srgbClr val="000000">
+                <a:alpha val="30000"/>
+              </a:srgbClr>
+            </a:outerShdw>
+          </a:effectLst>
+          <a:scene3d>
+            <a:camera prst="perspectiveRelaxed">
+              <a:rot lat="19800000" lon="1200000" rev="20820000"/>
+            </a:camera>
+            <a:lightRig rig="threePt" dir="t"/>
+          </a:scene3d>
+          <a:sp3d contourW="6350" prstMaterial="matte">
+            <a:bevelT w="101600" h="101600"/>
+            <a:contourClr>
+              <a:srgbClr val="969696"/>
+            </a:contourClr>
+          </a:sp3d>
+        </p:spPr>
+      </p:pic>
+    </p:spTree>
+    <p:extLst>
+      <p:ext uri="{BB962C8B-B14F-4D97-AF65-F5344CB8AC3E}">
+        <p14:creationId xmlns:p14="http://schemas.microsoft.com/office/powerpoint/2010/main" val="1414865922"/>
+      </p:ext>
+    </p:extLst>
+  </p:cSld>
+  <p:clrMapOvr>
+    <a:masterClrMapping/>
+  </p:clrMapOvr>
+  <mc:AlternateContent xmlns:mc="http://schemas.openxmlformats.org/markup-compatibility/2006" xmlns:p14="http://schemas.microsoft.com/office/powerpoint/2010/main">
+    <mc:Choice Requires="p14">
+      <p:transition spd="med" p14:dur="700">
+        <p:fade/>
+      </p:transition>
+    </mc:Choice>
+    <mc:Fallback xmlns="">
+      <p:transition spd="med">
+        <p:fade/>
+      </p:transition>
+    </mc:Fallback>
+  </mc:AlternateContent>
+</p:sld>
+</file>
+
+<file path=ppt/slides/slide4.xml><?xml version="1.0" encoding="utf-8"?>
 <p:sld xmlns:a="http://schemas.openxmlformats.org/drawingml/2006/main" xmlns:r="http://schemas.openxmlformats.org/officeDocument/2006/relationships" xmlns:p="http://schemas.openxmlformats.org/presentationml/2006/main">
   <p:cSld>
     <p:spTree>

--- a/d2_tutorial.pptx
+++ b/d2_tutorial.pptx
@@ -4269,11 +4269,13 @@
         </p:nvSpPr>
         <p:spPr/>
         <p:txBody>
-          <a:bodyPr/>
+          <a:bodyPr>
+            <a:normAutofit/>
+          </a:bodyPr>
           <a:lstStyle/>
           <a:p>
             <a:r>
-              <a:rPr lang="en-US" dirty="0"/>
+              <a:rPr lang="en-US" sz="4800" dirty="0"/>
               <a:t>D2 Introduction</a:t>
             </a:r>
           </a:p>
@@ -4789,10 +4791,10 @@
       </p:grpSpPr>
       <p:pic>
         <p:nvPicPr>
-          <p:cNvPr id="3" name="Picture 2">
+          <p:cNvPr id="12" name="Picture 11">
             <a:extLst>
               <a:ext uri="{FF2B5EF4-FFF2-40B4-BE49-F238E27FC236}">
-                <a16:creationId xmlns:a16="http://schemas.microsoft.com/office/drawing/2014/main" id="{1CEAFE43-52AC-F762-C45F-7EBF850B787E}"/>
+                <a16:creationId xmlns:a16="http://schemas.microsoft.com/office/drawing/2014/main" id="{C15F91F7-D5CF-43A6-CB95-C4F696BDC043}"/>
               </a:ext>
             </a:extLst>
           </p:cNvPr>
@@ -4809,22 +4811,12 @@
         </p:blipFill>
         <p:spPr>
           <a:xfrm>
-            <a:off x="8075612" y="1955942"/>
-            <a:ext cx="2286000" cy="2260315"/>
+            <a:off x="455612" y="0"/>
+            <a:ext cx="10384837" cy="6858000"/>
           </a:xfrm>
           <a:prstGeom prst="rect">
             <a:avLst/>
           </a:prstGeom>
-          <a:ln>
-            <a:noFill/>
-          </a:ln>
-          <a:effectLst>
-            <a:outerShdw blurRad="292100" dist="139700" dir="2700000" algn="tl" rotWithShape="0">
-              <a:srgbClr val="333333">
-                <a:alpha val="65000"/>
-              </a:srgbClr>
-            </a:outerShdw>
-          </a:effectLst>
         </p:spPr>
       </p:pic>
       <p:pic>
@@ -4848,13 +4840,17 @@
           </a:stretch>
         </p:blipFill>
         <p:spPr>
-          <a:xfrm>
-            <a:off x="5027612" y="418590"/>
-            <a:ext cx="2805280" cy="6020819"/>
+          <a:xfrm rot="21254893">
+            <a:off x="4872836" y="1426803"/>
+            <a:ext cx="4192810" cy="4004392"/>
           </a:xfrm>
           <a:prstGeom prst="rect">
             <a:avLst/>
           </a:prstGeom>
+          <a:scene3d>
+            <a:camera prst="isometricOffAxis2Left"/>
+            <a:lightRig rig="threePt" dir="t"/>
+          </a:scene3d>
         </p:spPr>
       </p:pic>
       <p:pic>
@@ -4886,8 +4882,8 @@
         </p:blipFill>
         <p:spPr bwMode="auto">
           <a:xfrm>
-            <a:off x="-77788" y="838200"/>
-            <a:ext cx="5245100" cy="4495800"/>
+            <a:off x="303212" y="1295400"/>
+            <a:ext cx="4445000" cy="3810000"/>
           </a:xfrm>
           <a:prstGeom prst="rect">
             <a:avLst/>
@@ -4902,6 +4898,46 @@
               </a14:hiddenFill>
             </a:ext>
           </a:extLst>
+        </p:spPr>
+      </p:pic>
+      <p:pic>
+        <p:nvPicPr>
+          <p:cNvPr id="3" name="Picture 2">
+            <a:extLst>
+              <a:ext uri="{FF2B5EF4-FFF2-40B4-BE49-F238E27FC236}">
+                <a16:creationId xmlns:a16="http://schemas.microsoft.com/office/drawing/2014/main" id="{1CEAFE43-52AC-F762-C45F-7EBF850B787E}"/>
+              </a:ext>
+            </a:extLst>
+          </p:cNvPr>
+          <p:cNvPicPr>
+            <a:picLocks noChangeAspect="1"/>
+          </p:cNvPicPr>
+          <p:nvPr/>
+        </p:nvPicPr>
+        <p:blipFill>
+          <a:blip r:embed="rId5"/>
+          <a:stretch>
+            <a:fillRect/>
+          </a:stretch>
+        </p:blipFill>
+        <p:spPr>
+          <a:xfrm>
+            <a:off x="7542212" y="2438400"/>
+            <a:ext cx="2286000" cy="2260315"/>
+          </a:xfrm>
+          <a:prstGeom prst="rect">
+            <a:avLst/>
+          </a:prstGeom>
+          <a:ln>
+            <a:noFill/>
+          </a:ln>
+          <a:effectLst>
+            <a:outerShdw blurRad="292100" dist="139700" dir="2700000" algn="tl" rotWithShape="0">
+              <a:srgbClr val="333333">
+                <a:alpha val="65000"/>
+              </a:srgbClr>
+            </a:outerShdw>
+          </a:effectLst>
         </p:spPr>
       </p:pic>
     </p:spTree>

--- a/d2_tutorial.pptx
+++ b/d2_tutorial.pptx
@@ -5,16 +5,17 @@
     <p:sldMasterId id="2147483648" r:id="rId4"/>
   </p:sldMasterIdLst>
   <p:notesMasterIdLst>
-    <p:notesMasterId r:id="rId9"/>
+    <p:notesMasterId r:id="rId10"/>
   </p:notesMasterIdLst>
   <p:handoutMasterIdLst>
-    <p:handoutMasterId r:id="rId10"/>
+    <p:handoutMasterId r:id="rId11"/>
   </p:handoutMasterIdLst>
   <p:sldIdLst>
     <p:sldId id="256" r:id="rId5"/>
     <p:sldId id="265" r:id="rId6"/>
     <p:sldId id="267" r:id="rId7"/>
-    <p:sldId id="266" r:id="rId8"/>
+    <p:sldId id="268" r:id="rId8"/>
+    <p:sldId id="266" r:id="rId9"/>
   </p:sldIdLst>
   <p:sldSz cx="12188825" cy="6858000"/>
   <p:notesSz cx="6858000" cy="9144000"/>
@@ -4774,6 +4775,277 @@
         <p:cNvPr id="1" name="">
           <a:extLst>
             <a:ext uri="{FF2B5EF4-FFF2-40B4-BE49-F238E27FC236}">
+              <a16:creationId xmlns:a16="http://schemas.microsoft.com/office/drawing/2014/main" id="{8940BD14-DBF0-5D31-B887-703B87AC3A65}"/>
+            </a:ext>
+          </a:extLst>
+        </p:cNvPr>
+        <p:cNvGrpSpPr/>
+        <p:nvPr/>
+      </p:nvGrpSpPr>
+      <p:grpSpPr>
+        <a:xfrm>
+          <a:off x="0" y="0"/>
+          <a:ext cx="0" cy="0"/>
+          <a:chOff x="0" y="0"/>
+          <a:chExt cx="0" cy="0"/>
+        </a:xfrm>
+      </p:grpSpPr>
+      <p:sp>
+        <p:nvSpPr>
+          <p:cNvPr id="13" name="Title 12">
+            <a:extLst>
+              <a:ext uri="{FF2B5EF4-FFF2-40B4-BE49-F238E27FC236}">
+                <a16:creationId xmlns:a16="http://schemas.microsoft.com/office/drawing/2014/main" id="{E95CE16B-665A-1966-6425-4DD0E3D7BF58}"/>
+              </a:ext>
+            </a:extLst>
+          </p:cNvPr>
+          <p:cNvSpPr>
+            <a:spLocks noGrp="1"/>
+          </p:cNvSpPr>
+          <p:nvPr>
+            <p:ph type="title"/>
+          </p:nvPr>
+        </p:nvSpPr>
+        <p:spPr/>
+        <p:txBody>
+          <a:bodyPr>
+            <a:normAutofit/>
+          </a:bodyPr>
+          <a:lstStyle/>
+          <a:p>
+            <a:r>
+              <a:rPr lang="en-US" sz="4800" dirty="0"/>
+              <a:t>Make your First D2 Diagram</a:t>
+            </a:r>
+          </a:p>
+        </p:txBody>
+      </p:sp>
+      <p:pic>
+        <p:nvPicPr>
+          <p:cNvPr id="3" name="Picture 2">
+            <a:extLst>
+              <a:ext uri="{FF2B5EF4-FFF2-40B4-BE49-F238E27FC236}">
+                <a16:creationId xmlns:a16="http://schemas.microsoft.com/office/drawing/2014/main" id="{DE152BA7-B51A-FCE7-4583-C914C0D0DA5C}"/>
+              </a:ext>
+            </a:extLst>
+          </p:cNvPr>
+          <p:cNvPicPr>
+            <a:picLocks noChangeAspect="1"/>
+          </p:cNvPicPr>
+          <p:nvPr/>
+        </p:nvPicPr>
+        <p:blipFill>
+          <a:blip r:embed="rId2"/>
+          <a:stretch>
+            <a:fillRect/>
+          </a:stretch>
+        </p:blipFill>
+        <p:spPr>
+          <a:xfrm>
+            <a:off x="0" y="5664740"/>
+            <a:ext cx="1206819" cy="1193260"/>
+          </a:xfrm>
+          <a:prstGeom prst="rect">
+            <a:avLst/>
+          </a:prstGeom>
+          <a:ln>
+            <a:noFill/>
+          </a:ln>
+          <a:effectLst>
+            <a:outerShdw blurRad="292100" dist="139700" dir="2700000" algn="tl" rotWithShape="0">
+              <a:srgbClr val="333333">
+                <a:alpha val="65000"/>
+              </a:srgbClr>
+            </a:outerShdw>
+          </a:effectLst>
+        </p:spPr>
+      </p:pic>
+      <p:sp>
+        <p:nvSpPr>
+          <p:cNvPr id="4" name="Title 1">
+            <a:extLst>
+              <a:ext uri="{FF2B5EF4-FFF2-40B4-BE49-F238E27FC236}">
+                <a16:creationId xmlns:a16="http://schemas.microsoft.com/office/drawing/2014/main" id="{BCED7FC5-515C-5974-DE14-7D65C38569B2}"/>
+              </a:ext>
+            </a:extLst>
+          </p:cNvPr>
+          <p:cNvSpPr txBox="1">
+            <a:spLocks/>
+          </p:cNvSpPr>
+          <p:nvPr/>
+        </p:nvSpPr>
+        <p:spPr>
+          <a:xfrm>
+            <a:off x="0" y="1"/>
+            <a:ext cx="1674812" cy="1066800"/>
+          </a:xfrm>
+          <a:prstGeom prst="rect">
+            <a:avLst/>
+          </a:prstGeom>
+        </p:spPr>
+        <p:txBody>
+          <a:bodyPr vert="horz" lIns="91440" tIns="45720" rIns="91440" bIns="45720" rtlCol="0" anchor="ctr">
+            <a:normAutofit/>
+          </a:bodyPr>
+          <a:lstStyle>
+            <a:lvl1pPr algn="l" defTabSz="914400" rtl="0" eaLnBrk="1" latinLnBrk="0" hangingPunct="1">
+              <a:lnSpc>
+                <a:spcPct val="80000"/>
+              </a:lnSpc>
+              <a:spcBef>
+                <a:spcPct val="0"/>
+              </a:spcBef>
+              <a:buNone/>
+              <a:defRPr sz="5400" b="1" kern="1200">
+                <a:solidFill>
+                  <a:schemeClr val="accent1">
+                    <a:lumMod val="75000"/>
+                  </a:schemeClr>
+                </a:solidFill>
+                <a:latin typeface="+mj-lt"/>
+                <a:ea typeface="+mj-ea"/>
+                <a:cs typeface="+mj-cs"/>
+              </a:defRPr>
+            </a:lvl1pPr>
+          </a:lstStyle>
+          <a:p>
+            <a:pPr algn="ctr"/>
+            <a:r>
+              <a:rPr lang="en-US" sz="6600" dirty="0"/>
+              <a:t>004</a:t>
+            </a:r>
+          </a:p>
+        </p:txBody>
+      </p:sp>
+      <p:pic>
+        <p:nvPicPr>
+          <p:cNvPr id="7" name="Content Placeholder 6">
+            <a:extLst>
+              <a:ext uri="{FF2B5EF4-FFF2-40B4-BE49-F238E27FC236}">
+                <a16:creationId xmlns:a16="http://schemas.microsoft.com/office/drawing/2014/main" id="{F6241548-1AA5-9556-E6D1-C1B124A48D44}"/>
+              </a:ext>
+            </a:extLst>
+          </p:cNvPr>
+          <p:cNvPicPr>
+            <a:picLocks noGrp="1" noChangeAspect="1"/>
+          </p:cNvPicPr>
+          <p:nvPr>
+            <p:ph idx="1"/>
+          </p:nvPr>
+        </p:nvPicPr>
+        <p:blipFill>
+          <a:blip r:embed="rId3"/>
+          <a:stretch>
+            <a:fillRect/>
+          </a:stretch>
+        </p:blipFill>
+        <p:spPr>
+          <a:xfrm>
+            <a:off x="1284657" y="1828800"/>
+            <a:ext cx="8247912" cy="4191000"/>
+          </a:xfrm>
+          <a:prstGeom prst="rect">
+            <a:avLst/>
+          </a:prstGeom>
+          <a:ln>
+            <a:noFill/>
+          </a:ln>
+          <a:effectLst>
+            <a:outerShdw blurRad="292100" dist="139700" dir="2700000" algn="tl" rotWithShape="0">
+              <a:srgbClr val="333333">
+                <a:alpha val="65000"/>
+              </a:srgbClr>
+            </a:outerShdw>
+          </a:effectLst>
+        </p:spPr>
+      </p:pic>
+      <p:pic>
+        <p:nvPicPr>
+          <p:cNvPr id="10" name="Picture 9">
+            <a:extLst>
+              <a:ext uri="{FF2B5EF4-FFF2-40B4-BE49-F238E27FC236}">
+                <a16:creationId xmlns:a16="http://schemas.microsoft.com/office/drawing/2014/main" id="{0B5C329A-0062-C81F-4C17-1A168BC3A8B5}"/>
+              </a:ext>
+            </a:extLst>
+          </p:cNvPr>
+          <p:cNvPicPr>
+            <a:picLocks noChangeAspect="1"/>
+          </p:cNvPicPr>
+          <p:nvPr/>
+        </p:nvPicPr>
+        <p:blipFill>
+          <a:blip r:embed="rId4"/>
+          <a:stretch>
+            <a:fillRect/>
+          </a:stretch>
+        </p:blipFill>
+        <p:spPr>
+          <a:xfrm>
+            <a:off x="9218612" y="2514600"/>
+            <a:ext cx="2010056" cy="4229912"/>
+          </a:xfrm>
+          <a:prstGeom prst="roundRect">
+            <a:avLst>
+              <a:gd name="adj" fmla="val 16667"/>
+            </a:avLst>
+          </a:prstGeom>
+          <a:ln>
+            <a:noFill/>
+          </a:ln>
+          <a:effectLst>
+            <a:outerShdw blurRad="152400" dist="12000" dir="900000" sy="98000" kx="110000" ky="200000" algn="tl" rotWithShape="0">
+              <a:srgbClr val="000000">
+                <a:alpha val="30000"/>
+              </a:srgbClr>
+            </a:outerShdw>
+          </a:effectLst>
+          <a:scene3d>
+            <a:camera prst="perspectiveRelaxed">
+              <a:rot lat="19800000" lon="1200000" rev="20820000"/>
+            </a:camera>
+            <a:lightRig rig="threePt" dir="t"/>
+          </a:scene3d>
+          <a:sp3d contourW="6350" prstMaterial="matte">
+            <a:bevelT w="101600" h="101600"/>
+            <a:contourClr>
+              <a:srgbClr val="969696"/>
+            </a:contourClr>
+          </a:sp3d>
+        </p:spPr>
+      </p:pic>
+    </p:spTree>
+    <p:extLst>
+      <p:ext uri="{BB962C8B-B14F-4D97-AF65-F5344CB8AC3E}">
+        <p14:creationId xmlns:p14="http://schemas.microsoft.com/office/powerpoint/2010/main" val="830415803"/>
+      </p:ext>
+    </p:extLst>
+  </p:cSld>
+  <p:clrMapOvr>
+    <a:masterClrMapping/>
+  </p:clrMapOvr>
+  <mc:AlternateContent xmlns:mc="http://schemas.openxmlformats.org/markup-compatibility/2006" xmlns:p14="http://schemas.microsoft.com/office/powerpoint/2010/main">
+    <mc:Choice Requires="p14">
+      <p:transition spd="med" p14:dur="700">
+        <p:fade/>
+      </p:transition>
+    </mc:Choice>
+    <mc:Fallback xmlns="">
+      <p:transition spd="med">
+        <p:fade/>
+      </p:transition>
+    </mc:Fallback>
+  </mc:AlternateContent>
+</p:sld>
+</file>
+
+<file path=ppt/slides/slide5.xml><?xml version="1.0" encoding="utf-8"?>
+<p:sld xmlns:a="http://schemas.openxmlformats.org/drawingml/2006/main" xmlns:r="http://schemas.openxmlformats.org/officeDocument/2006/relationships" xmlns:p="http://schemas.openxmlformats.org/presentationml/2006/main">
+  <p:cSld>
+    <p:spTree>
+      <p:nvGrpSpPr>
+        <p:cNvPr id="1" name="">
+          <a:extLst>
+            <a:ext uri="{FF2B5EF4-FFF2-40B4-BE49-F238E27FC236}">
               <a16:creationId xmlns:a16="http://schemas.microsoft.com/office/drawing/2014/main" id="{B8E6EC8F-A1D7-9DB5-DDB1-EBD89A7FE1D9}"/>
             </a:ext>
           </a:extLst>
@@ -4882,7 +5154,7 @@
         </p:blipFill>
         <p:spPr bwMode="auto">
           <a:xfrm>
-            <a:off x="303212" y="1295400"/>
+            <a:off x="383577" y="1295400"/>
             <a:ext cx="4445000" cy="3810000"/>
           </a:xfrm>
           <a:prstGeom prst="rect">

--- a/d2_tutorial.pptx
+++ b/d2_tutorial.pptx
@@ -5,17 +5,20 @@
     <p:sldMasterId id="2147483648" r:id="rId4"/>
   </p:sldMasterIdLst>
   <p:notesMasterIdLst>
-    <p:notesMasterId r:id="rId10"/>
+    <p:notesMasterId r:id="rId13"/>
   </p:notesMasterIdLst>
   <p:handoutMasterIdLst>
-    <p:handoutMasterId r:id="rId11"/>
+    <p:handoutMasterId r:id="rId14"/>
   </p:handoutMasterIdLst>
   <p:sldIdLst>
     <p:sldId id="256" r:id="rId5"/>
     <p:sldId id="265" r:id="rId6"/>
     <p:sldId id="267" r:id="rId7"/>
     <p:sldId id="268" r:id="rId8"/>
-    <p:sldId id="266" r:id="rId9"/>
+    <p:sldId id="269" r:id="rId9"/>
+    <p:sldId id="270" r:id="rId10"/>
+    <p:sldId id="271" r:id="rId11"/>
+    <p:sldId id="266" r:id="rId12"/>
   </p:sldIdLst>
   <p:sldSz cx="12188825" cy="6858000"/>
   <p:notesSz cx="6858000" cy="9144000"/>
@@ -5039,6 +5042,657 @@
 </file>
 
 <file path=ppt/slides/slide5.xml><?xml version="1.0" encoding="utf-8"?>
+<p:sld xmlns:a="http://schemas.openxmlformats.org/drawingml/2006/main" xmlns:r="http://schemas.openxmlformats.org/officeDocument/2006/relationships" xmlns:p="http://schemas.openxmlformats.org/presentationml/2006/main">
+  <p:cSld>
+    <p:spTree>
+      <p:nvGrpSpPr>
+        <p:cNvPr id="1" name="">
+          <a:extLst>
+            <a:ext uri="{FF2B5EF4-FFF2-40B4-BE49-F238E27FC236}">
+              <a16:creationId xmlns:a16="http://schemas.microsoft.com/office/drawing/2014/main" id="{6E10B572-24A5-67FB-CEAC-2FBDFC2F4A16}"/>
+            </a:ext>
+          </a:extLst>
+        </p:cNvPr>
+        <p:cNvGrpSpPr/>
+        <p:nvPr/>
+      </p:nvGrpSpPr>
+      <p:grpSpPr>
+        <a:xfrm>
+          <a:off x="0" y="0"/>
+          <a:ext cx="0" cy="0"/>
+          <a:chOff x="0" y="0"/>
+          <a:chExt cx="0" cy="0"/>
+        </a:xfrm>
+      </p:grpSpPr>
+      <p:sp>
+        <p:nvSpPr>
+          <p:cNvPr id="13" name="Title 12">
+            <a:extLst>
+              <a:ext uri="{FF2B5EF4-FFF2-40B4-BE49-F238E27FC236}">
+                <a16:creationId xmlns:a16="http://schemas.microsoft.com/office/drawing/2014/main" id="{F72A51F5-7CD0-E4AD-D1F4-4E1F8BC6DACE}"/>
+              </a:ext>
+            </a:extLst>
+          </p:cNvPr>
+          <p:cNvSpPr>
+            <a:spLocks noGrp="1"/>
+          </p:cNvSpPr>
+          <p:nvPr>
+            <p:ph type="title"/>
+          </p:nvPr>
+        </p:nvSpPr>
+        <p:spPr/>
+        <p:txBody>
+          <a:bodyPr>
+            <a:normAutofit/>
+          </a:bodyPr>
+          <a:lstStyle/>
+          <a:p>
+            <a:r>
+              <a:rPr lang="en-US" sz="4800" dirty="0"/>
+              <a:t>Getting Started: Shapes</a:t>
+            </a:r>
+          </a:p>
+        </p:txBody>
+      </p:sp>
+      <p:pic>
+        <p:nvPicPr>
+          <p:cNvPr id="3" name="Picture 2">
+            <a:extLst>
+              <a:ext uri="{FF2B5EF4-FFF2-40B4-BE49-F238E27FC236}">
+                <a16:creationId xmlns:a16="http://schemas.microsoft.com/office/drawing/2014/main" id="{CBAAF5C1-A6C4-3B79-C18B-179EFB2163BD}"/>
+              </a:ext>
+            </a:extLst>
+          </p:cNvPr>
+          <p:cNvPicPr>
+            <a:picLocks noChangeAspect="1"/>
+          </p:cNvPicPr>
+          <p:nvPr/>
+        </p:nvPicPr>
+        <p:blipFill>
+          <a:blip r:embed="rId2"/>
+          <a:stretch>
+            <a:fillRect/>
+          </a:stretch>
+        </p:blipFill>
+        <p:spPr>
+          <a:xfrm>
+            <a:off x="0" y="5664740"/>
+            <a:ext cx="1206819" cy="1193260"/>
+          </a:xfrm>
+          <a:prstGeom prst="rect">
+            <a:avLst/>
+          </a:prstGeom>
+          <a:ln>
+            <a:noFill/>
+          </a:ln>
+          <a:effectLst>
+            <a:outerShdw blurRad="292100" dist="139700" dir="2700000" algn="tl" rotWithShape="0">
+              <a:srgbClr val="333333">
+                <a:alpha val="65000"/>
+              </a:srgbClr>
+            </a:outerShdw>
+          </a:effectLst>
+        </p:spPr>
+      </p:pic>
+      <p:sp>
+        <p:nvSpPr>
+          <p:cNvPr id="4" name="Title 1">
+            <a:extLst>
+              <a:ext uri="{FF2B5EF4-FFF2-40B4-BE49-F238E27FC236}">
+                <a16:creationId xmlns:a16="http://schemas.microsoft.com/office/drawing/2014/main" id="{9E2FCACB-0EC7-1DBE-50DD-F533D453A368}"/>
+              </a:ext>
+            </a:extLst>
+          </p:cNvPr>
+          <p:cNvSpPr txBox="1">
+            <a:spLocks/>
+          </p:cNvSpPr>
+          <p:nvPr/>
+        </p:nvSpPr>
+        <p:spPr>
+          <a:xfrm>
+            <a:off x="0" y="1"/>
+            <a:ext cx="1674812" cy="1066800"/>
+          </a:xfrm>
+          <a:prstGeom prst="rect">
+            <a:avLst/>
+          </a:prstGeom>
+        </p:spPr>
+        <p:txBody>
+          <a:bodyPr vert="horz" lIns="91440" tIns="45720" rIns="91440" bIns="45720" rtlCol="0" anchor="ctr">
+            <a:normAutofit/>
+          </a:bodyPr>
+          <a:lstStyle>
+            <a:lvl1pPr algn="l" defTabSz="914400" rtl="0" eaLnBrk="1" latinLnBrk="0" hangingPunct="1">
+              <a:lnSpc>
+                <a:spcPct val="80000"/>
+              </a:lnSpc>
+              <a:spcBef>
+                <a:spcPct val="0"/>
+              </a:spcBef>
+              <a:buNone/>
+              <a:defRPr sz="5400" b="1" kern="1200">
+                <a:solidFill>
+                  <a:schemeClr val="accent1">
+                    <a:lumMod val="75000"/>
+                  </a:schemeClr>
+                </a:solidFill>
+                <a:latin typeface="+mj-lt"/>
+                <a:ea typeface="+mj-ea"/>
+                <a:cs typeface="+mj-cs"/>
+              </a:defRPr>
+            </a:lvl1pPr>
+          </a:lstStyle>
+          <a:p>
+            <a:pPr algn="ctr"/>
+            <a:r>
+              <a:rPr lang="en-US" sz="6600" dirty="0"/>
+              <a:t>005</a:t>
+            </a:r>
+          </a:p>
+        </p:txBody>
+      </p:sp>
+      <p:pic>
+        <p:nvPicPr>
+          <p:cNvPr id="8" name="Content Placeholder 7">
+            <a:extLst>
+              <a:ext uri="{FF2B5EF4-FFF2-40B4-BE49-F238E27FC236}">
+                <a16:creationId xmlns:a16="http://schemas.microsoft.com/office/drawing/2014/main" id="{3FD687FA-33C8-31F1-B155-3566E42ED7EC}"/>
+              </a:ext>
+            </a:extLst>
+          </p:cNvPr>
+          <p:cNvPicPr>
+            <a:picLocks noGrp="1" noChangeAspect="1"/>
+          </p:cNvPicPr>
+          <p:nvPr>
+            <p:ph idx="1"/>
+          </p:nvPr>
+        </p:nvPicPr>
+        <p:blipFill>
+          <a:blip r:embed="rId3"/>
+          <a:stretch>
+            <a:fillRect/>
+          </a:stretch>
+        </p:blipFill>
+        <p:spPr>
+          <a:xfrm>
+            <a:off x="1079323" y="1828800"/>
+            <a:ext cx="8658580" cy="4191000"/>
+          </a:xfrm>
+          <a:prstGeom prst="rect">
+            <a:avLst/>
+          </a:prstGeom>
+          <a:ln>
+            <a:noFill/>
+          </a:ln>
+          <a:effectLst>
+            <a:outerShdw blurRad="292100" dist="139700" dir="2700000" algn="tl" rotWithShape="0">
+              <a:srgbClr val="333333">
+                <a:alpha val="65000"/>
+              </a:srgbClr>
+            </a:outerShdw>
+          </a:effectLst>
+        </p:spPr>
+      </p:pic>
+    </p:spTree>
+    <p:extLst>
+      <p:ext uri="{BB962C8B-B14F-4D97-AF65-F5344CB8AC3E}">
+        <p14:creationId xmlns:p14="http://schemas.microsoft.com/office/powerpoint/2010/main" val="2183127475"/>
+      </p:ext>
+    </p:extLst>
+  </p:cSld>
+  <p:clrMapOvr>
+    <a:masterClrMapping/>
+  </p:clrMapOvr>
+  <mc:AlternateContent xmlns:mc="http://schemas.openxmlformats.org/markup-compatibility/2006" xmlns:p14="http://schemas.microsoft.com/office/powerpoint/2010/main">
+    <mc:Choice Requires="p14">
+      <p:transition spd="med" p14:dur="700">
+        <p:fade/>
+      </p:transition>
+    </mc:Choice>
+    <mc:Fallback xmlns="">
+      <p:transition spd="med">
+        <p:fade/>
+      </p:transition>
+    </mc:Fallback>
+  </mc:AlternateContent>
+</p:sld>
+</file>
+
+<file path=ppt/slides/slide6.xml><?xml version="1.0" encoding="utf-8"?>
+<p:sld xmlns:a="http://schemas.openxmlformats.org/drawingml/2006/main" xmlns:r="http://schemas.openxmlformats.org/officeDocument/2006/relationships" xmlns:p="http://schemas.openxmlformats.org/presentationml/2006/main">
+  <p:cSld>
+    <p:spTree>
+      <p:nvGrpSpPr>
+        <p:cNvPr id="1" name="">
+          <a:extLst>
+            <a:ext uri="{FF2B5EF4-FFF2-40B4-BE49-F238E27FC236}">
+              <a16:creationId xmlns:a16="http://schemas.microsoft.com/office/drawing/2014/main" id="{098B3005-B25A-19D8-44CD-A97B9771E24F}"/>
+            </a:ext>
+          </a:extLst>
+        </p:cNvPr>
+        <p:cNvGrpSpPr/>
+        <p:nvPr/>
+      </p:nvGrpSpPr>
+      <p:grpSpPr>
+        <a:xfrm>
+          <a:off x="0" y="0"/>
+          <a:ext cx="0" cy="0"/>
+          <a:chOff x="0" y="0"/>
+          <a:chExt cx="0" cy="0"/>
+        </a:xfrm>
+      </p:grpSpPr>
+      <p:sp>
+        <p:nvSpPr>
+          <p:cNvPr id="13" name="Title 12">
+            <a:extLst>
+              <a:ext uri="{FF2B5EF4-FFF2-40B4-BE49-F238E27FC236}">
+                <a16:creationId xmlns:a16="http://schemas.microsoft.com/office/drawing/2014/main" id="{10DD87F6-4439-F286-C4EA-942ACA24133C}"/>
+              </a:ext>
+            </a:extLst>
+          </p:cNvPr>
+          <p:cNvSpPr>
+            <a:spLocks noGrp="1"/>
+          </p:cNvSpPr>
+          <p:nvPr>
+            <p:ph type="title"/>
+          </p:nvPr>
+        </p:nvSpPr>
+        <p:spPr/>
+        <p:txBody>
+          <a:bodyPr>
+            <a:normAutofit/>
+          </a:bodyPr>
+          <a:lstStyle/>
+          <a:p>
+            <a:r>
+              <a:rPr lang="en-US" sz="4800" dirty="0"/>
+              <a:t>Getting Started: Connections</a:t>
+            </a:r>
+          </a:p>
+        </p:txBody>
+      </p:sp>
+      <p:pic>
+        <p:nvPicPr>
+          <p:cNvPr id="3" name="Picture 2">
+            <a:extLst>
+              <a:ext uri="{FF2B5EF4-FFF2-40B4-BE49-F238E27FC236}">
+                <a16:creationId xmlns:a16="http://schemas.microsoft.com/office/drawing/2014/main" id="{04184234-DDB2-3A34-FD15-633D449CE896}"/>
+              </a:ext>
+            </a:extLst>
+          </p:cNvPr>
+          <p:cNvPicPr>
+            <a:picLocks noChangeAspect="1"/>
+          </p:cNvPicPr>
+          <p:nvPr/>
+        </p:nvPicPr>
+        <p:blipFill>
+          <a:blip r:embed="rId2"/>
+          <a:stretch>
+            <a:fillRect/>
+          </a:stretch>
+        </p:blipFill>
+        <p:spPr>
+          <a:xfrm>
+            <a:off x="0" y="5664740"/>
+            <a:ext cx="1206819" cy="1193260"/>
+          </a:xfrm>
+          <a:prstGeom prst="rect">
+            <a:avLst/>
+          </a:prstGeom>
+          <a:ln>
+            <a:noFill/>
+          </a:ln>
+          <a:effectLst>
+            <a:outerShdw blurRad="292100" dist="139700" dir="2700000" algn="tl" rotWithShape="0">
+              <a:srgbClr val="333333">
+                <a:alpha val="65000"/>
+              </a:srgbClr>
+            </a:outerShdw>
+          </a:effectLst>
+        </p:spPr>
+      </p:pic>
+      <p:sp>
+        <p:nvSpPr>
+          <p:cNvPr id="4" name="Title 1">
+            <a:extLst>
+              <a:ext uri="{FF2B5EF4-FFF2-40B4-BE49-F238E27FC236}">
+                <a16:creationId xmlns:a16="http://schemas.microsoft.com/office/drawing/2014/main" id="{CE69637E-C18D-E8F6-65D4-1156C1D7A784}"/>
+              </a:ext>
+            </a:extLst>
+          </p:cNvPr>
+          <p:cNvSpPr txBox="1">
+            <a:spLocks/>
+          </p:cNvSpPr>
+          <p:nvPr/>
+        </p:nvSpPr>
+        <p:spPr>
+          <a:xfrm>
+            <a:off x="0" y="1"/>
+            <a:ext cx="1674812" cy="1066800"/>
+          </a:xfrm>
+          <a:prstGeom prst="rect">
+            <a:avLst/>
+          </a:prstGeom>
+        </p:spPr>
+        <p:txBody>
+          <a:bodyPr vert="horz" lIns="91440" tIns="45720" rIns="91440" bIns="45720" rtlCol="0" anchor="ctr">
+            <a:normAutofit/>
+          </a:bodyPr>
+          <a:lstStyle>
+            <a:lvl1pPr algn="l" defTabSz="914400" rtl="0" eaLnBrk="1" latinLnBrk="0" hangingPunct="1">
+              <a:lnSpc>
+                <a:spcPct val="80000"/>
+              </a:lnSpc>
+              <a:spcBef>
+                <a:spcPct val="0"/>
+              </a:spcBef>
+              <a:buNone/>
+              <a:defRPr sz="5400" b="1" kern="1200">
+                <a:solidFill>
+                  <a:schemeClr val="accent1">
+                    <a:lumMod val="75000"/>
+                  </a:schemeClr>
+                </a:solidFill>
+                <a:latin typeface="+mj-lt"/>
+                <a:ea typeface="+mj-ea"/>
+                <a:cs typeface="+mj-cs"/>
+              </a:defRPr>
+            </a:lvl1pPr>
+          </a:lstStyle>
+          <a:p>
+            <a:pPr algn="ctr"/>
+            <a:r>
+              <a:rPr lang="en-US" sz="6600" dirty="0"/>
+              <a:t>006</a:t>
+            </a:r>
+          </a:p>
+        </p:txBody>
+      </p:sp>
+      <p:pic>
+        <p:nvPicPr>
+          <p:cNvPr id="7" name="Content Placeholder 6">
+            <a:extLst>
+              <a:ext uri="{FF2B5EF4-FFF2-40B4-BE49-F238E27FC236}">
+                <a16:creationId xmlns:a16="http://schemas.microsoft.com/office/drawing/2014/main" id="{40A6B56A-D3F1-F201-E7D3-B18650DC7F30}"/>
+              </a:ext>
+            </a:extLst>
+          </p:cNvPr>
+          <p:cNvPicPr>
+            <a:picLocks noGrp="1" noChangeAspect="1"/>
+          </p:cNvPicPr>
+          <p:nvPr>
+            <p:ph idx="1"/>
+          </p:nvPr>
+        </p:nvPicPr>
+        <p:blipFill>
+          <a:blip r:embed="rId3"/>
+          <a:stretch>
+            <a:fillRect/>
+          </a:stretch>
+        </p:blipFill>
+        <p:spPr>
+          <a:xfrm>
+            <a:off x="1124660" y="1828799"/>
+            <a:ext cx="9236951" cy="4518265"/>
+          </a:xfrm>
+          <a:prstGeom prst="rect">
+            <a:avLst/>
+          </a:prstGeom>
+          <a:ln>
+            <a:noFill/>
+          </a:ln>
+          <a:effectLst>
+            <a:outerShdw blurRad="292100" dist="139700" dir="2700000" algn="tl" rotWithShape="0">
+              <a:srgbClr val="333333">
+                <a:alpha val="65000"/>
+              </a:srgbClr>
+            </a:outerShdw>
+          </a:effectLst>
+        </p:spPr>
+      </p:pic>
+    </p:spTree>
+    <p:extLst>
+      <p:ext uri="{BB962C8B-B14F-4D97-AF65-F5344CB8AC3E}">
+        <p14:creationId xmlns:p14="http://schemas.microsoft.com/office/powerpoint/2010/main" val="1842311122"/>
+      </p:ext>
+    </p:extLst>
+  </p:cSld>
+  <p:clrMapOvr>
+    <a:masterClrMapping/>
+  </p:clrMapOvr>
+  <mc:AlternateContent xmlns:mc="http://schemas.openxmlformats.org/markup-compatibility/2006" xmlns:p14="http://schemas.microsoft.com/office/powerpoint/2010/main">
+    <mc:Choice Requires="p14">
+      <p:transition spd="med" p14:dur="700">
+        <p:fade/>
+      </p:transition>
+    </mc:Choice>
+    <mc:Fallback xmlns="">
+      <p:transition spd="med">
+        <p:fade/>
+      </p:transition>
+    </mc:Fallback>
+  </mc:AlternateContent>
+</p:sld>
+</file>
+
+<file path=ppt/slides/slide7.xml><?xml version="1.0" encoding="utf-8"?>
+<p:sld xmlns:a="http://schemas.openxmlformats.org/drawingml/2006/main" xmlns:r="http://schemas.openxmlformats.org/officeDocument/2006/relationships" xmlns:p="http://schemas.openxmlformats.org/presentationml/2006/main">
+  <p:cSld>
+    <p:spTree>
+      <p:nvGrpSpPr>
+        <p:cNvPr id="1" name="">
+          <a:extLst>
+            <a:ext uri="{FF2B5EF4-FFF2-40B4-BE49-F238E27FC236}">
+              <a16:creationId xmlns:a16="http://schemas.microsoft.com/office/drawing/2014/main" id="{3A5D042B-D18C-A4CB-93B6-1D9505D805A4}"/>
+            </a:ext>
+          </a:extLst>
+        </p:cNvPr>
+        <p:cNvGrpSpPr/>
+        <p:nvPr/>
+      </p:nvGrpSpPr>
+      <p:grpSpPr>
+        <a:xfrm>
+          <a:off x="0" y="0"/>
+          <a:ext cx="0" cy="0"/>
+          <a:chOff x="0" y="0"/>
+          <a:chExt cx="0" cy="0"/>
+        </a:xfrm>
+      </p:grpSpPr>
+      <p:sp>
+        <p:nvSpPr>
+          <p:cNvPr id="13" name="Title 12">
+            <a:extLst>
+              <a:ext uri="{FF2B5EF4-FFF2-40B4-BE49-F238E27FC236}">
+                <a16:creationId xmlns:a16="http://schemas.microsoft.com/office/drawing/2014/main" id="{C8158982-5F04-4475-81AE-BA02A002B42C}"/>
+              </a:ext>
+            </a:extLst>
+          </p:cNvPr>
+          <p:cNvSpPr>
+            <a:spLocks noGrp="1"/>
+          </p:cNvSpPr>
+          <p:nvPr>
+            <p:ph type="title"/>
+          </p:nvPr>
+        </p:nvSpPr>
+        <p:spPr/>
+        <p:txBody>
+          <a:bodyPr>
+            <a:normAutofit/>
+          </a:bodyPr>
+          <a:lstStyle/>
+          <a:p>
+            <a:r>
+              <a:rPr lang="en-US" sz="4800" dirty="0"/>
+              <a:t>Getting Started: Containers</a:t>
+            </a:r>
+          </a:p>
+        </p:txBody>
+      </p:sp>
+      <p:pic>
+        <p:nvPicPr>
+          <p:cNvPr id="3" name="Picture 2">
+            <a:extLst>
+              <a:ext uri="{FF2B5EF4-FFF2-40B4-BE49-F238E27FC236}">
+                <a16:creationId xmlns:a16="http://schemas.microsoft.com/office/drawing/2014/main" id="{84001F2B-DE73-1D2A-B0B5-8A5B0EE57BD7}"/>
+              </a:ext>
+            </a:extLst>
+          </p:cNvPr>
+          <p:cNvPicPr>
+            <a:picLocks noChangeAspect="1"/>
+          </p:cNvPicPr>
+          <p:nvPr/>
+        </p:nvPicPr>
+        <p:blipFill>
+          <a:blip r:embed="rId2"/>
+          <a:stretch>
+            <a:fillRect/>
+          </a:stretch>
+        </p:blipFill>
+        <p:spPr>
+          <a:xfrm>
+            <a:off x="0" y="5664740"/>
+            <a:ext cx="1206819" cy="1193260"/>
+          </a:xfrm>
+          <a:prstGeom prst="rect">
+            <a:avLst/>
+          </a:prstGeom>
+          <a:ln>
+            <a:noFill/>
+          </a:ln>
+          <a:effectLst>
+            <a:outerShdw blurRad="292100" dist="139700" dir="2700000" algn="tl" rotWithShape="0">
+              <a:srgbClr val="333333">
+                <a:alpha val="65000"/>
+              </a:srgbClr>
+            </a:outerShdw>
+          </a:effectLst>
+        </p:spPr>
+      </p:pic>
+      <p:sp>
+        <p:nvSpPr>
+          <p:cNvPr id="4" name="Title 1">
+            <a:extLst>
+              <a:ext uri="{FF2B5EF4-FFF2-40B4-BE49-F238E27FC236}">
+                <a16:creationId xmlns:a16="http://schemas.microsoft.com/office/drawing/2014/main" id="{68CDF687-BF53-2547-7FF8-C5F48DCBBD93}"/>
+              </a:ext>
+            </a:extLst>
+          </p:cNvPr>
+          <p:cNvSpPr txBox="1">
+            <a:spLocks/>
+          </p:cNvSpPr>
+          <p:nvPr/>
+        </p:nvSpPr>
+        <p:spPr>
+          <a:xfrm>
+            <a:off x="0" y="1"/>
+            <a:ext cx="1674812" cy="1066800"/>
+          </a:xfrm>
+          <a:prstGeom prst="rect">
+            <a:avLst/>
+          </a:prstGeom>
+        </p:spPr>
+        <p:txBody>
+          <a:bodyPr vert="horz" lIns="91440" tIns="45720" rIns="91440" bIns="45720" rtlCol="0" anchor="ctr">
+            <a:normAutofit/>
+          </a:bodyPr>
+          <a:lstStyle>
+            <a:lvl1pPr algn="l" defTabSz="914400" rtl="0" eaLnBrk="1" latinLnBrk="0" hangingPunct="1">
+              <a:lnSpc>
+                <a:spcPct val="80000"/>
+              </a:lnSpc>
+              <a:spcBef>
+                <a:spcPct val="0"/>
+              </a:spcBef>
+              <a:buNone/>
+              <a:defRPr sz="5400" b="1" kern="1200">
+                <a:solidFill>
+                  <a:schemeClr val="accent1">
+                    <a:lumMod val="75000"/>
+                  </a:schemeClr>
+                </a:solidFill>
+                <a:latin typeface="+mj-lt"/>
+                <a:ea typeface="+mj-ea"/>
+                <a:cs typeface="+mj-cs"/>
+              </a:defRPr>
+            </a:lvl1pPr>
+          </a:lstStyle>
+          <a:p>
+            <a:pPr algn="ctr"/>
+            <a:r>
+              <a:rPr lang="en-US" sz="6600" dirty="0"/>
+              <a:t>007</a:t>
+            </a:r>
+          </a:p>
+        </p:txBody>
+      </p:sp>
+      <p:pic>
+        <p:nvPicPr>
+          <p:cNvPr id="7" name="Content Placeholder 6">
+            <a:extLst>
+              <a:ext uri="{FF2B5EF4-FFF2-40B4-BE49-F238E27FC236}">
+                <a16:creationId xmlns:a16="http://schemas.microsoft.com/office/drawing/2014/main" id="{67DE809E-C59E-1BCF-8134-379A9F69208F}"/>
+              </a:ext>
+            </a:extLst>
+          </p:cNvPr>
+          <p:cNvPicPr>
+            <a:picLocks noGrp="1" noChangeAspect="1"/>
+          </p:cNvPicPr>
+          <p:nvPr>
+            <p:ph idx="1"/>
+          </p:nvPr>
+        </p:nvPicPr>
+        <p:blipFill>
+          <a:blip r:embed="rId3"/>
+          <a:stretch>
+            <a:fillRect/>
+          </a:stretch>
+        </p:blipFill>
+        <p:spPr>
+          <a:xfrm>
+            <a:off x="1214445" y="1828800"/>
+            <a:ext cx="8845881" cy="4419600"/>
+          </a:xfrm>
+          <a:prstGeom prst="rect">
+            <a:avLst/>
+          </a:prstGeom>
+          <a:ln>
+            <a:noFill/>
+          </a:ln>
+          <a:effectLst>
+            <a:outerShdw blurRad="292100" dist="139700" dir="2700000" algn="tl" rotWithShape="0">
+              <a:srgbClr val="333333">
+                <a:alpha val="65000"/>
+              </a:srgbClr>
+            </a:outerShdw>
+          </a:effectLst>
+        </p:spPr>
+      </p:pic>
+    </p:spTree>
+    <p:extLst>
+      <p:ext uri="{BB962C8B-B14F-4D97-AF65-F5344CB8AC3E}">
+        <p14:creationId xmlns:p14="http://schemas.microsoft.com/office/powerpoint/2010/main" val="3591403836"/>
+      </p:ext>
+    </p:extLst>
+  </p:cSld>
+  <p:clrMapOvr>
+    <a:masterClrMapping/>
+  </p:clrMapOvr>
+  <mc:AlternateContent xmlns:mc="http://schemas.openxmlformats.org/markup-compatibility/2006" xmlns:p14="http://schemas.microsoft.com/office/powerpoint/2010/main">
+    <mc:Choice Requires="p14">
+      <p:transition spd="med" p14:dur="700">
+        <p:fade/>
+      </p:transition>
+    </mc:Choice>
+    <mc:Fallback xmlns="">
+      <p:transition spd="med">
+        <p:fade/>
+      </p:transition>
+    </mc:Fallback>
+  </mc:AlternateContent>
+</p:sld>
+</file>
+
+<file path=ppt/slides/slide8.xml><?xml version="1.0" encoding="utf-8"?>
 <p:sld xmlns:a="http://schemas.openxmlformats.org/drawingml/2006/main" xmlns:r="http://schemas.openxmlformats.org/officeDocument/2006/relationships" xmlns:p="http://schemas.openxmlformats.org/presentationml/2006/main">
   <p:cSld>
     <p:spTree>
@@ -6011,6 +6665,23 @@
 </file>
 
 <file path=customXml/item1.xml><?xml version="1.0" encoding="utf-8"?>
+<?mso-contentType ?>
+<FormTemplates xmlns="http://schemas.microsoft.com/sharepoint/v3/contenttype/forms">
+  <Display>DocumentLibraryForm</Display>
+  <Edit>DocumentLibraryForm</Edit>
+  <New>DocumentLibraryForm</New>
+</FormTemplates>
+</file>
+
+<file path=customXml/item2.xml><?xml version="1.0" encoding="utf-8"?>
+<p:properties xmlns:p="http://schemas.microsoft.com/office/2006/metadata/properties" xmlns:xsi="http://www.w3.org/2001/XMLSchema-instance" xmlns:pc="http://schemas.microsoft.com/office/infopath/2007/PartnerControls">
+  <documentManagement>
+    <MediaServiceKeyPoints xmlns="71af3243-3dd4-4a8d-8c0d-dd76da1f02a5" xsi:nil="true"/>
+  </documentManagement>
+</p:properties>
+</file>
+
+<file path=customXml/item3.xml><?xml version="1.0" encoding="utf-8"?>
 <ct:contentTypeSchema xmlns:ct="http://schemas.microsoft.com/office/2006/metadata/contentType" xmlns:ma="http://schemas.microsoft.com/office/2006/metadata/properties/metaAttributes" ct:_="" ma:_="" ma:contentTypeName="Document" ma:contentTypeID="0x01010079F111ED35F8CC479449609E8A0923A6" ma:contentTypeVersion="11" ma:contentTypeDescription="Create a new document." ma:contentTypeScope="" ma:versionID="96291512c1ee715ab617f4c07df79fc1">
   <xsd:schema xmlns:xsd="http://www.w3.org/2001/XMLSchema" xmlns:xs="http://www.w3.org/2001/XMLSchema" xmlns:p="http://schemas.microsoft.com/office/2006/metadata/properties" xmlns:ns2="71af3243-3dd4-4a8d-8c0d-dd76da1f02a5" xmlns:ns3="16c05727-aa75-4e4a-9b5f-8a80a1165891" targetNamespace="http://schemas.microsoft.com/office/2006/metadata/properties" ma:root="true" ma:fieldsID="8256c27c40ca5c40ce1cf6c44f0205df" ns2:_="" ns3:_="">
     <xsd:import namespace="71af3243-3dd4-4a8d-8c0d-dd76da1f02a5"/>
@@ -6221,24 +6892,25 @@
 </ct:contentTypeSchema>
 </file>
 
-<file path=customXml/item2.xml><?xml version="1.0" encoding="utf-8"?>
-<p:properties xmlns:p="http://schemas.microsoft.com/office/2006/metadata/properties" xmlns:xsi="http://www.w3.org/2001/XMLSchema-instance" xmlns:pc="http://schemas.microsoft.com/office/infopath/2007/PartnerControls">
-  <documentManagement>
-    <MediaServiceKeyPoints xmlns="71af3243-3dd4-4a8d-8c0d-dd76da1f02a5" xsi:nil="true"/>
-  </documentManagement>
-</p:properties>
+<file path=customXml/itemProps1.xml><?xml version="1.0" encoding="utf-8"?>
+<ds:datastoreItem xmlns:ds="http://schemas.openxmlformats.org/officeDocument/2006/customXml" ds:itemID="{BE7567CE-A543-444C-8597-EB2278491126}">
+  <ds:schemaRefs>
+    <ds:schemaRef ds:uri="http://schemas.microsoft.com/sharepoint/v3/contenttype/forms"/>
+  </ds:schemaRefs>
+</ds:datastoreItem>
 </file>
 
-<file path=customXml/item3.xml><?xml version="1.0" encoding="utf-8"?>
-<?mso-contentType ?>
-<FormTemplates xmlns="http://schemas.microsoft.com/sharepoint/v3/contenttype/forms">
-  <Display>DocumentLibraryForm</Display>
-  <Edit>DocumentLibraryForm</Edit>
-  <New>DocumentLibraryForm</New>
-</FormTemplates>
+<file path=customXml/itemProps2.xml><?xml version="1.0" encoding="utf-8"?>
+<ds:datastoreItem xmlns:ds="http://schemas.openxmlformats.org/officeDocument/2006/customXml" ds:itemID="{8A32D51B-405E-4F81-B5A9-F253CD7FC481}">
+  <ds:schemaRefs>
+    <ds:schemaRef ds:uri="http://schemas.microsoft.com/office/2006/metadata/properties"/>
+    <ds:schemaRef ds:uri="http://schemas.microsoft.com/office/infopath/2007/PartnerControls"/>
+    <ds:schemaRef ds:uri="71af3243-3dd4-4a8d-8c0d-dd76da1f02a5"/>
+  </ds:schemaRefs>
+</ds:datastoreItem>
 </file>
 
-<file path=customXml/itemProps1.xml><?xml version="1.0" encoding="utf-8"?>
+<file path=customXml/itemProps3.xml><?xml version="1.0" encoding="utf-8"?>
 <ds:datastoreItem xmlns:ds="http://schemas.openxmlformats.org/officeDocument/2006/customXml" ds:itemID="{44CEB76F-5C52-4F69-A3C1-2DBEA8CF7465}">
   <ds:schemaRefs>
     <ds:schemaRef ds:uri="http://schemas.microsoft.com/office/2006/metadata/contentType"/>
@@ -6255,22 +6927,4 @@
     <ds:schemaRef ds:uri="http://schemas.microsoft.com/internal/obd"/>
   </ds:schemaRefs>
 </ds:datastoreItem>
-</file>
-
-<file path=customXml/itemProps2.xml><?xml version="1.0" encoding="utf-8"?>
-<ds:datastoreItem xmlns:ds="http://schemas.openxmlformats.org/officeDocument/2006/customXml" ds:itemID="{8A32D51B-405E-4F81-B5A9-F253CD7FC481}">
-  <ds:schemaRefs>
-    <ds:schemaRef ds:uri="http://schemas.microsoft.com/office/2006/metadata/properties"/>
-    <ds:schemaRef ds:uri="http://schemas.microsoft.com/office/infopath/2007/PartnerControls"/>
-    <ds:schemaRef ds:uri="71af3243-3dd4-4a8d-8c0d-dd76da1f02a5"/>
-  </ds:schemaRefs>
-</ds:datastoreItem>
-</file>
-
-<file path=customXml/itemProps3.xml><?xml version="1.0" encoding="utf-8"?>
-<ds:datastoreItem xmlns:ds="http://schemas.openxmlformats.org/officeDocument/2006/customXml" ds:itemID="{BE7567CE-A543-444C-8597-EB2278491126}">
-  <ds:schemaRefs>
-    <ds:schemaRef ds:uri="http://schemas.microsoft.com/sharepoint/v3/contenttype/forms"/>
-  </ds:schemaRefs>
-</ds:datastoreItem>
 </file>
--- a/d2_tutorial.pptx
+++ b/d2_tutorial.pptx
@@ -5,10 +5,10 @@
     <p:sldMasterId id="2147483648" r:id="rId4"/>
   </p:sldMasterIdLst>
   <p:notesMasterIdLst>
-    <p:notesMasterId r:id="rId13"/>
+    <p:notesMasterId r:id="rId14"/>
   </p:notesMasterIdLst>
   <p:handoutMasterIdLst>
-    <p:handoutMasterId r:id="rId14"/>
+    <p:handoutMasterId r:id="rId15"/>
   </p:handoutMasterIdLst>
   <p:sldIdLst>
     <p:sldId id="256" r:id="rId5"/>
@@ -17,8 +17,9 @@
     <p:sldId id="268" r:id="rId8"/>
     <p:sldId id="269" r:id="rId9"/>
     <p:sldId id="270" r:id="rId10"/>
-    <p:sldId id="271" r:id="rId11"/>
-    <p:sldId id="266" r:id="rId12"/>
+    <p:sldId id="272" r:id="rId11"/>
+    <p:sldId id="271" r:id="rId12"/>
+    <p:sldId id="266" r:id="rId13"/>
   </p:sldIdLst>
   <p:sldSz cx="12188825" cy="6858000"/>
   <p:notesSz cx="6858000" cy="9144000"/>
@@ -5306,7 +5307,7 @@
           <a:p>
             <a:r>
               <a:rPr lang="en-US" sz="4800" dirty="0"/>
-              <a:t>Getting Started: Connections</a:t>
+              <a:t>Getting Started: Connections - 1</a:t>
             </a:r>
           </a:p>
         </p:txBody>
@@ -5432,8 +5433,48 @@
         </p:blipFill>
         <p:spPr>
           <a:xfrm>
-            <a:off x="1124660" y="1828799"/>
+            <a:off x="1206819" y="1757245"/>
             <a:ext cx="9236951" cy="4518265"/>
+          </a:xfrm>
+          <a:prstGeom prst="rect">
+            <a:avLst/>
+          </a:prstGeom>
+          <a:ln>
+            <a:noFill/>
+          </a:ln>
+          <a:effectLst>
+            <a:outerShdw blurRad="292100" dist="139700" dir="2700000" algn="tl" rotWithShape="0">
+              <a:srgbClr val="333333">
+                <a:alpha val="65000"/>
+              </a:srgbClr>
+            </a:outerShdw>
+          </a:effectLst>
+        </p:spPr>
+      </p:pic>
+      <p:pic>
+        <p:nvPicPr>
+          <p:cNvPr id="10" name="Picture 9">
+            <a:extLst>
+              <a:ext uri="{FF2B5EF4-FFF2-40B4-BE49-F238E27FC236}">
+                <a16:creationId xmlns:a16="http://schemas.microsoft.com/office/drawing/2014/main" id="{82D402D8-7643-DA96-585B-7D84EDBDBC76}"/>
+              </a:ext>
+            </a:extLst>
+          </p:cNvPr>
+          <p:cNvPicPr>
+            <a:picLocks noChangeAspect="1"/>
+          </p:cNvPicPr>
+          <p:nvPr/>
+        </p:nvPicPr>
+        <p:blipFill>
+          <a:blip r:embed="rId4"/>
+          <a:stretch>
+            <a:fillRect/>
+          </a:stretch>
+        </p:blipFill>
+        <p:spPr>
+          <a:xfrm>
+            <a:off x="6475412" y="4728012"/>
+            <a:ext cx="5408613" cy="1520789"/>
           </a:xfrm>
           <a:prstGeom prst="rect">
             <a:avLst/>
@@ -5483,6 +5524,277 @@
         <p:cNvPr id="1" name="">
           <a:extLst>
             <a:ext uri="{FF2B5EF4-FFF2-40B4-BE49-F238E27FC236}">
+              <a16:creationId xmlns:a16="http://schemas.microsoft.com/office/drawing/2014/main" id="{576A2F8B-B651-FD7B-8D7D-20D24FC0F679}"/>
+            </a:ext>
+          </a:extLst>
+        </p:cNvPr>
+        <p:cNvGrpSpPr/>
+        <p:nvPr/>
+      </p:nvGrpSpPr>
+      <p:grpSpPr>
+        <a:xfrm>
+          <a:off x="0" y="0"/>
+          <a:ext cx="0" cy="0"/>
+          <a:chOff x="0" y="0"/>
+          <a:chExt cx="0" cy="0"/>
+        </a:xfrm>
+      </p:grpSpPr>
+      <p:sp>
+        <p:nvSpPr>
+          <p:cNvPr id="13" name="Title 12">
+            <a:extLst>
+              <a:ext uri="{FF2B5EF4-FFF2-40B4-BE49-F238E27FC236}">
+                <a16:creationId xmlns:a16="http://schemas.microsoft.com/office/drawing/2014/main" id="{C812EB6B-4162-6D7F-B38E-79B53DF0C828}"/>
+              </a:ext>
+            </a:extLst>
+          </p:cNvPr>
+          <p:cNvSpPr>
+            <a:spLocks noGrp="1"/>
+          </p:cNvSpPr>
+          <p:nvPr>
+            <p:ph type="title"/>
+          </p:nvPr>
+        </p:nvSpPr>
+        <p:spPr/>
+        <p:txBody>
+          <a:bodyPr>
+            <a:normAutofit/>
+          </a:bodyPr>
+          <a:lstStyle/>
+          <a:p>
+            <a:r>
+              <a:rPr lang="en-US" sz="4800" dirty="0"/>
+              <a:t>Getting Started: Connections - 2</a:t>
+            </a:r>
+          </a:p>
+        </p:txBody>
+      </p:sp>
+      <p:pic>
+        <p:nvPicPr>
+          <p:cNvPr id="3" name="Picture 2">
+            <a:extLst>
+              <a:ext uri="{FF2B5EF4-FFF2-40B4-BE49-F238E27FC236}">
+                <a16:creationId xmlns:a16="http://schemas.microsoft.com/office/drawing/2014/main" id="{CC4DFBF0-A179-1440-61AD-4170DEF2FF5A}"/>
+              </a:ext>
+            </a:extLst>
+          </p:cNvPr>
+          <p:cNvPicPr>
+            <a:picLocks noChangeAspect="1"/>
+          </p:cNvPicPr>
+          <p:nvPr/>
+        </p:nvPicPr>
+        <p:blipFill>
+          <a:blip r:embed="rId2"/>
+          <a:stretch>
+            <a:fillRect/>
+          </a:stretch>
+        </p:blipFill>
+        <p:spPr>
+          <a:xfrm>
+            <a:off x="0" y="5664740"/>
+            <a:ext cx="1206819" cy="1193260"/>
+          </a:xfrm>
+          <a:prstGeom prst="rect">
+            <a:avLst/>
+          </a:prstGeom>
+          <a:ln>
+            <a:noFill/>
+          </a:ln>
+          <a:effectLst>
+            <a:outerShdw blurRad="292100" dist="139700" dir="2700000" algn="tl" rotWithShape="0">
+              <a:srgbClr val="333333">
+                <a:alpha val="65000"/>
+              </a:srgbClr>
+            </a:outerShdw>
+          </a:effectLst>
+        </p:spPr>
+      </p:pic>
+      <p:sp>
+        <p:nvSpPr>
+          <p:cNvPr id="4" name="Title 1">
+            <a:extLst>
+              <a:ext uri="{FF2B5EF4-FFF2-40B4-BE49-F238E27FC236}">
+                <a16:creationId xmlns:a16="http://schemas.microsoft.com/office/drawing/2014/main" id="{5E65EAF8-D70A-2A64-FFB7-0011AB2B16E8}"/>
+              </a:ext>
+            </a:extLst>
+          </p:cNvPr>
+          <p:cNvSpPr txBox="1">
+            <a:spLocks/>
+          </p:cNvSpPr>
+          <p:nvPr/>
+        </p:nvSpPr>
+        <p:spPr>
+          <a:xfrm>
+            <a:off x="0" y="1"/>
+            <a:ext cx="1674812" cy="1066800"/>
+          </a:xfrm>
+          <a:prstGeom prst="rect">
+            <a:avLst/>
+          </a:prstGeom>
+        </p:spPr>
+        <p:txBody>
+          <a:bodyPr vert="horz" lIns="91440" tIns="45720" rIns="91440" bIns="45720" rtlCol="0" anchor="ctr">
+            <a:normAutofit/>
+          </a:bodyPr>
+          <a:lstStyle>
+            <a:lvl1pPr algn="l" defTabSz="914400" rtl="0" eaLnBrk="1" latinLnBrk="0" hangingPunct="1">
+              <a:lnSpc>
+                <a:spcPct val="80000"/>
+              </a:lnSpc>
+              <a:spcBef>
+                <a:spcPct val="0"/>
+              </a:spcBef>
+              <a:buNone/>
+              <a:defRPr sz="5400" b="1" kern="1200">
+                <a:solidFill>
+                  <a:schemeClr val="accent1">
+                    <a:lumMod val="75000"/>
+                  </a:schemeClr>
+                </a:solidFill>
+                <a:latin typeface="+mj-lt"/>
+                <a:ea typeface="+mj-ea"/>
+                <a:cs typeface="+mj-cs"/>
+              </a:defRPr>
+            </a:lvl1pPr>
+          </a:lstStyle>
+          <a:p>
+            <a:pPr algn="ctr"/>
+            <a:r>
+              <a:rPr lang="en-US" sz="6600" dirty="0"/>
+              <a:t>007</a:t>
+            </a:r>
+          </a:p>
+        </p:txBody>
+      </p:sp>
+      <p:pic>
+        <p:nvPicPr>
+          <p:cNvPr id="7" name="Content Placeholder 6">
+            <a:extLst>
+              <a:ext uri="{FF2B5EF4-FFF2-40B4-BE49-F238E27FC236}">
+                <a16:creationId xmlns:a16="http://schemas.microsoft.com/office/drawing/2014/main" id="{5164C479-C365-018B-AFDC-8FE4AFBC04B9}"/>
+              </a:ext>
+            </a:extLst>
+          </p:cNvPr>
+          <p:cNvPicPr>
+            <a:picLocks noGrp="1" noChangeAspect="1"/>
+          </p:cNvPicPr>
+          <p:nvPr>
+            <p:ph idx="1"/>
+          </p:nvPr>
+        </p:nvPicPr>
+        <p:blipFill>
+          <a:blip r:embed="rId3"/>
+          <a:stretch>
+            <a:fillRect/>
+          </a:stretch>
+        </p:blipFill>
+        <p:spPr>
+          <a:xfrm>
+            <a:off x="1124660" y="1828799"/>
+            <a:ext cx="9236951" cy="4518265"/>
+          </a:xfrm>
+          <a:prstGeom prst="rect">
+            <a:avLst/>
+          </a:prstGeom>
+          <a:ln>
+            <a:noFill/>
+          </a:ln>
+          <a:effectLst>
+            <a:outerShdw blurRad="292100" dist="139700" dir="2700000" algn="tl" rotWithShape="0">
+              <a:srgbClr val="333333">
+                <a:alpha val="65000"/>
+              </a:srgbClr>
+            </a:outerShdw>
+          </a:effectLst>
+        </p:spPr>
+      </p:pic>
+      <p:pic>
+        <p:nvPicPr>
+          <p:cNvPr id="5" name="Picture 4">
+            <a:extLst>
+              <a:ext uri="{FF2B5EF4-FFF2-40B4-BE49-F238E27FC236}">
+                <a16:creationId xmlns:a16="http://schemas.microsoft.com/office/drawing/2014/main" id="{60ECC054-0D5F-5EDC-7547-BACFF96B2B11}"/>
+              </a:ext>
+            </a:extLst>
+          </p:cNvPr>
+          <p:cNvPicPr>
+            <a:picLocks noChangeAspect="1"/>
+          </p:cNvPicPr>
+          <p:nvPr/>
+        </p:nvPicPr>
+        <p:blipFill>
+          <a:blip r:embed="rId4"/>
+          <a:stretch>
+            <a:fillRect/>
+          </a:stretch>
+        </p:blipFill>
+        <p:spPr>
+          <a:xfrm>
+            <a:off x="8075612" y="2513831"/>
+            <a:ext cx="3627022" cy="3124200"/>
+          </a:xfrm>
+          <a:prstGeom prst="roundRect">
+            <a:avLst>
+              <a:gd name="adj" fmla="val 16667"/>
+            </a:avLst>
+          </a:prstGeom>
+          <a:ln>
+            <a:noFill/>
+          </a:ln>
+          <a:effectLst>
+            <a:outerShdw blurRad="152400" dist="12000" dir="900000" sy="98000" kx="110000" ky="200000" algn="tl" rotWithShape="0">
+              <a:srgbClr val="000000">
+                <a:alpha val="30000"/>
+              </a:srgbClr>
+            </a:outerShdw>
+          </a:effectLst>
+          <a:scene3d>
+            <a:camera prst="perspectiveRelaxed">
+              <a:rot lat="19800000" lon="1200000" rev="20820000"/>
+            </a:camera>
+            <a:lightRig rig="threePt" dir="t"/>
+          </a:scene3d>
+          <a:sp3d contourW="6350" prstMaterial="matte">
+            <a:bevelT w="101600" h="101600"/>
+            <a:contourClr>
+              <a:srgbClr val="969696"/>
+            </a:contourClr>
+          </a:sp3d>
+        </p:spPr>
+      </p:pic>
+    </p:spTree>
+    <p:extLst>
+      <p:ext uri="{BB962C8B-B14F-4D97-AF65-F5344CB8AC3E}">
+        <p14:creationId xmlns:p14="http://schemas.microsoft.com/office/powerpoint/2010/main" val="2476658005"/>
+      </p:ext>
+    </p:extLst>
+  </p:cSld>
+  <p:clrMapOvr>
+    <a:masterClrMapping/>
+  </p:clrMapOvr>
+  <mc:AlternateContent xmlns:mc="http://schemas.openxmlformats.org/markup-compatibility/2006" xmlns:p14="http://schemas.microsoft.com/office/powerpoint/2010/main">
+    <mc:Choice Requires="p14">
+      <p:transition spd="med" p14:dur="700">
+        <p:fade/>
+      </p:transition>
+    </mc:Choice>
+    <mc:Fallback xmlns="">
+      <p:transition spd="med">
+        <p:fade/>
+      </p:transition>
+    </mc:Fallback>
+  </mc:AlternateContent>
+</p:sld>
+</file>
+
+<file path=ppt/slides/slide8.xml><?xml version="1.0" encoding="utf-8"?>
+<p:sld xmlns:a="http://schemas.openxmlformats.org/drawingml/2006/main" xmlns:r="http://schemas.openxmlformats.org/officeDocument/2006/relationships" xmlns:p="http://schemas.openxmlformats.org/presentationml/2006/main">
+  <p:cSld>
+    <p:spTree>
+      <p:nvGrpSpPr>
+        <p:cNvPr id="1" name="">
+          <a:extLst>
+            <a:ext uri="{FF2B5EF4-FFF2-40B4-BE49-F238E27FC236}">
               <a16:creationId xmlns:a16="http://schemas.microsoft.com/office/drawing/2014/main" id="{3A5D042B-D18C-A4CB-93B6-1D9505D805A4}"/>
             </a:ext>
           </a:extLst>
@@ -5620,7 +5932,7 @@
             <a:pPr algn="ctr"/>
             <a:r>
               <a:rPr lang="en-US" sz="6600" dirty="0"/>
-              <a:t>007</a:t>
+              <a:t>008</a:t>
             </a:r>
           </a:p>
         </p:txBody>
@@ -5692,7 +6004,7 @@
 </p:sld>
 </file>
 
-<file path=ppt/slides/slide8.xml><?xml version="1.0" encoding="utf-8"?>
+<file path=ppt/slides/slide9.xml><?xml version="1.0" encoding="utf-8"?>
 <p:sld xmlns:a="http://schemas.openxmlformats.org/drawingml/2006/main" xmlns:r="http://schemas.openxmlformats.org/officeDocument/2006/relationships" xmlns:p="http://schemas.openxmlformats.org/presentationml/2006/main">
   <p:cSld>
     <p:spTree>

--- a/d2_tutorial.pptx
+++ b/d2_tutorial.pptx
@@ -5,10 +5,10 @@
     <p:sldMasterId id="2147483648" r:id="rId4"/>
   </p:sldMasterIdLst>
   <p:notesMasterIdLst>
-    <p:notesMasterId r:id="rId14"/>
+    <p:notesMasterId r:id="rId15"/>
   </p:notesMasterIdLst>
   <p:handoutMasterIdLst>
-    <p:handoutMasterId r:id="rId15"/>
+    <p:handoutMasterId r:id="rId16"/>
   </p:handoutMasterIdLst>
   <p:sldIdLst>
     <p:sldId id="256" r:id="rId5"/>
@@ -19,7 +19,8 @@
     <p:sldId id="270" r:id="rId10"/>
     <p:sldId id="272" r:id="rId11"/>
     <p:sldId id="271" r:id="rId12"/>
-    <p:sldId id="266" r:id="rId13"/>
+    <p:sldId id="273" r:id="rId13"/>
+    <p:sldId id="266" r:id="rId14"/>
   </p:sldIdLst>
   <p:sldSz cx="12188825" cy="6858000"/>
   <p:notesSz cx="6858000" cy="9144000"/>
@@ -119,6 +120,32 @@
     </a:lvl9pPr>
   </p:defaultTextStyle>
   <p:extLst>
+    <p:ext uri="{521415D9-36F7-43E2-AB2F-B90AF26B5E84}">
+      <p14:sectionLst xmlns:p14="http://schemas.microsoft.com/office/powerpoint/2010/main">
+        <p14:section name="Default Section" id="{9B8B73B5-928A-4CF9-AC10-8068C4372E93}">
+          <p14:sldIdLst>
+            <p14:sldId id="256"/>
+            <p14:sldId id="265"/>
+          </p14:sldIdLst>
+        </p14:section>
+        <p14:section name="02 Getting Started" id="{EED08255-1DB1-424C-8915-D1F7A6B1FFF2}">
+          <p14:sldIdLst>
+            <p14:sldId id="267"/>
+            <p14:sldId id="268"/>
+            <p14:sldId id="269"/>
+            <p14:sldId id="270"/>
+            <p14:sldId id="272"/>
+            <p14:sldId id="271"/>
+            <p14:sldId id="273"/>
+          </p14:sldIdLst>
+        </p14:section>
+        <p14:section name="03 Special Objects" id="{904D7B9D-F8FB-49F6-A0DA-830993B5A48B}">
+          <p14:sldIdLst>
+            <p14:sldId id="266"/>
+          </p14:sldIdLst>
+        </p14:section>
+      </p14:sectionLst>
+    </p:ext>
     <p:ext uri="{EFAFB233-063F-42B5-8137-9DF3F51BA10A}">
       <p15:sldGuideLst xmlns:p15="http://schemas.microsoft.com/office/powerpoint/2012/main">
         <p15:guide id="1" orient="horz" pos="2160">
@@ -4245,1766 +4272,7 @@
 </p:sld>
 </file>
 
-<file path=ppt/slides/slide2.xml><?xml version="1.0" encoding="utf-8"?>
-<p:sld xmlns:a="http://schemas.openxmlformats.org/drawingml/2006/main" xmlns:r="http://schemas.openxmlformats.org/officeDocument/2006/relationships" xmlns:p="http://schemas.openxmlformats.org/presentationml/2006/main">
-  <p:cSld>
-    <p:spTree>
-      <p:nvGrpSpPr>
-        <p:cNvPr id="1" name=""/>
-        <p:cNvGrpSpPr/>
-        <p:nvPr/>
-      </p:nvGrpSpPr>
-      <p:grpSpPr>
-        <a:xfrm>
-          <a:off x="0" y="0"/>
-          <a:ext cx="0" cy="0"/>
-          <a:chOff x="0" y="0"/>
-          <a:chExt cx="0" cy="0"/>
-        </a:xfrm>
-      </p:grpSpPr>
-      <p:sp>
-        <p:nvSpPr>
-          <p:cNvPr id="13" name="Title 12"/>
-          <p:cNvSpPr>
-            <a:spLocks noGrp="1"/>
-          </p:cNvSpPr>
-          <p:nvPr>
-            <p:ph type="title"/>
-          </p:nvPr>
-        </p:nvSpPr>
-        <p:spPr/>
-        <p:txBody>
-          <a:bodyPr>
-            <a:normAutofit/>
-          </a:bodyPr>
-          <a:lstStyle/>
-          <a:p>
-            <a:r>
-              <a:rPr lang="en-US" sz="4800" dirty="0"/>
-              <a:t>D2 Introduction</a:t>
-            </a:r>
-          </a:p>
-        </p:txBody>
-      </p:sp>
-      <p:pic>
-        <p:nvPicPr>
-          <p:cNvPr id="3" name="Picture 2">
-            <a:extLst>
-              <a:ext uri="{FF2B5EF4-FFF2-40B4-BE49-F238E27FC236}">
-                <a16:creationId xmlns:a16="http://schemas.microsoft.com/office/drawing/2014/main" id="{C3C6D4B4-A3A4-D7C2-8F1F-8453BAD4F58B}"/>
-              </a:ext>
-            </a:extLst>
-          </p:cNvPr>
-          <p:cNvPicPr>
-            <a:picLocks noChangeAspect="1"/>
-          </p:cNvPicPr>
-          <p:nvPr/>
-        </p:nvPicPr>
-        <p:blipFill>
-          <a:blip r:embed="rId2"/>
-          <a:stretch>
-            <a:fillRect/>
-          </a:stretch>
-        </p:blipFill>
-        <p:spPr>
-          <a:xfrm>
-            <a:off x="0" y="5664740"/>
-            <a:ext cx="1206819" cy="1193260"/>
-          </a:xfrm>
-          <a:prstGeom prst="rect">
-            <a:avLst/>
-          </a:prstGeom>
-          <a:ln>
-            <a:noFill/>
-          </a:ln>
-          <a:effectLst>
-            <a:outerShdw blurRad="292100" dist="139700" dir="2700000" algn="tl" rotWithShape="0">
-              <a:srgbClr val="333333">
-                <a:alpha val="65000"/>
-              </a:srgbClr>
-            </a:outerShdw>
-          </a:effectLst>
-        </p:spPr>
-      </p:pic>
-      <p:sp>
-        <p:nvSpPr>
-          <p:cNvPr id="4" name="Title 1">
-            <a:extLst>
-              <a:ext uri="{FF2B5EF4-FFF2-40B4-BE49-F238E27FC236}">
-                <a16:creationId xmlns:a16="http://schemas.microsoft.com/office/drawing/2014/main" id="{4FC4018B-8742-AF41-46E6-74A888E3EFA6}"/>
-              </a:ext>
-            </a:extLst>
-          </p:cNvPr>
-          <p:cNvSpPr txBox="1">
-            <a:spLocks/>
-          </p:cNvSpPr>
-          <p:nvPr/>
-        </p:nvSpPr>
-        <p:spPr>
-          <a:xfrm>
-            <a:off x="0" y="1"/>
-            <a:ext cx="1674812" cy="1066800"/>
-          </a:xfrm>
-          <a:prstGeom prst="rect">
-            <a:avLst/>
-          </a:prstGeom>
-        </p:spPr>
-        <p:txBody>
-          <a:bodyPr vert="horz" lIns="91440" tIns="45720" rIns="91440" bIns="45720" rtlCol="0" anchor="ctr">
-            <a:normAutofit/>
-          </a:bodyPr>
-          <a:lstStyle>
-            <a:lvl1pPr algn="l" defTabSz="914400" rtl="0" eaLnBrk="1" latinLnBrk="0" hangingPunct="1">
-              <a:lnSpc>
-                <a:spcPct val="80000"/>
-              </a:lnSpc>
-              <a:spcBef>
-                <a:spcPct val="0"/>
-              </a:spcBef>
-              <a:buNone/>
-              <a:defRPr sz="5400" b="1" kern="1200">
-                <a:solidFill>
-                  <a:schemeClr val="accent1">
-                    <a:lumMod val="75000"/>
-                  </a:schemeClr>
-                </a:solidFill>
-                <a:latin typeface="+mj-lt"/>
-                <a:ea typeface="+mj-ea"/>
-                <a:cs typeface="+mj-cs"/>
-              </a:defRPr>
-            </a:lvl1pPr>
-          </a:lstStyle>
-          <a:p>
-            <a:pPr algn="ctr"/>
-            <a:r>
-              <a:rPr lang="en-US" sz="6600" dirty="0"/>
-              <a:t>002</a:t>
-            </a:r>
-          </a:p>
-        </p:txBody>
-      </p:sp>
-      <p:pic>
-        <p:nvPicPr>
-          <p:cNvPr id="8" name="Content Placeholder 7">
-            <a:extLst>
-              <a:ext uri="{FF2B5EF4-FFF2-40B4-BE49-F238E27FC236}">
-                <a16:creationId xmlns:a16="http://schemas.microsoft.com/office/drawing/2014/main" id="{C7FAC0FE-74DC-4812-B1D4-E7D20532D065}"/>
-              </a:ext>
-            </a:extLst>
-          </p:cNvPr>
-          <p:cNvPicPr>
-            <a:picLocks noGrp="1" noChangeAspect="1"/>
-          </p:cNvPicPr>
-          <p:nvPr>
-            <p:ph idx="1"/>
-          </p:nvPr>
-        </p:nvPicPr>
-        <p:blipFill>
-          <a:blip r:embed="rId3">
-            <a:clrChange>
-              <a:clrFrom>
-                <a:srgbClr val="F5F5DC"/>
-              </a:clrFrom>
-              <a:clrTo>
-                <a:srgbClr val="F5F5DC">
-                  <a:alpha val="0"/>
-                </a:srgbClr>
-              </a:clrTo>
-            </a:clrChange>
-          </a:blip>
-          <a:stretch>
-            <a:fillRect/>
-          </a:stretch>
-        </p:blipFill>
-        <p:spPr>
-          <a:xfrm>
-            <a:off x="600200" y="990600"/>
-            <a:ext cx="9144000" cy="5545954"/>
-          </a:xfrm>
-        </p:spPr>
-      </p:pic>
-      <p:pic>
-        <p:nvPicPr>
-          <p:cNvPr id="10" name="Picture 9">
-            <a:extLst>
-              <a:ext uri="{FF2B5EF4-FFF2-40B4-BE49-F238E27FC236}">
-                <a16:creationId xmlns:a16="http://schemas.microsoft.com/office/drawing/2014/main" id="{CBD47E31-7F79-A291-22D5-357A285AEC34}"/>
-              </a:ext>
-            </a:extLst>
-          </p:cNvPr>
-          <p:cNvPicPr>
-            <a:picLocks noChangeAspect="1"/>
-          </p:cNvPicPr>
-          <p:nvPr/>
-        </p:nvPicPr>
-        <p:blipFill>
-          <a:blip r:embed="rId4"/>
-          <a:stretch>
-            <a:fillRect/>
-          </a:stretch>
-        </p:blipFill>
-        <p:spPr>
-          <a:xfrm>
-            <a:off x="9447212" y="2576208"/>
-            <a:ext cx="2010056" cy="4229912"/>
-          </a:xfrm>
-          <a:prstGeom prst="roundRect">
-            <a:avLst>
-              <a:gd name="adj" fmla="val 16667"/>
-            </a:avLst>
-          </a:prstGeom>
-          <a:ln>
-            <a:noFill/>
-          </a:ln>
-          <a:effectLst>
-            <a:outerShdw blurRad="152400" dist="12000" dir="900000" sy="98000" kx="110000" ky="200000" algn="tl" rotWithShape="0">
-              <a:srgbClr val="000000">
-                <a:alpha val="30000"/>
-              </a:srgbClr>
-            </a:outerShdw>
-          </a:effectLst>
-          <a:scene3d>
-            <a:camera prst="perspectiveRelaxed">
-              <a:rot lat="19800000" lon="1200000" rev="20820000"/>
-            </a:camera>
-            <a:lightRig rig="threePt" dir="t"/>
-          </a:scene3d>
-          <a:sp3d contourW="6350" prstMaterial="matte">
-            <a:bevelT w="101600" h="101600"/>
-            <a:contourClr>
-              <a:srgbClr val="969696"/>
-            </a:contourClr>
-          </a:sp3d>
-        </p:spPr>
-      </p:pic>
-    </p:spTree>
-    <p:extLst>
-      <p:ext uri="{BB962C8B-B14F-4D97-AF65-F5344CB8AC3E}">
-        <p14:creationId xmlns:p14="http://schemas.microsoft.com/office/powerpoint/2010/main" val="1437231395"/>
-      </p:ext>
-    </p:extLst>
-  </p:cSld>
-  <p:clrMapOvr>
-    <a:masterClrMapping/>
-  </p:clrMapOvr>
-  <mc:AlternateContent xmlns:mc="http://schemas.openxmlformats.org/markup-compatibility/2006" xmlns:p14="http://schemas.microsoft.com/office/powerpoint/2010/main">
-    <mc:Choice Requires="p14">
-      <p:transition spd="med" p14:dur="700">
-        <p:fade/>
-      </p:transition>
-    </mc:Choice>
-    <mc:Fallback xmlns="">
-      <p:transition spd="med">
-        <p:fade/>
-      </p:transition>
-    </mc:Fallback>
-  </mc:AlternateContent>
-</p:sld>
-</file>
-
-<file path=ppt/slides/slide3.xml><?xml version="1.0" encoding="utf-8"?>
-<p:sld xmlns:a="http://schemas.openxmlformats.org/drawingml/2006/main" xmlns:r="http://schemas.openxmlformats.org/officeDocument/2006/relationships" xmlns:p="http://schemas.openxmlformats.org/presentationml/2006/main">
-  <p:cSld>
-    <p:spTree>
-      <p:nvGrpSpPr>
-        <p:cNvPr id="1" name="">
-          <a:extLst>
-            <a:ext uri="{FF2B5EF4-FFF2-40B4-BE49-F238E27FC236}">
-              <a16:creationId xmlns:a16="http://schemas.microsoft.com/office/drawing/2014/main" id="{8F1A024F-A5F8-AA6B-2FCF-E8E1EA803327}"/>
-            </a:ext>
-          </a:extLst>
-        </p:cNvPr>
-        <p:cNvGrpSpPr/>
-        <p:nvPr/>
-      </p:nvGrpSpPr>
-      <p:grpSpPr>
-        <a:xfrm>
-          <a:off x="0" y="0"/>
-          <a:ext cx="0" cy="0"/>
-          <a:chOff x="0" y="0"/>
-          <a:chExt cx="0" cy="0"/>
-        </a:xfrm>
-      </p:grpSpPr>
-      <p:sp>
-        <p:nvSpPr>
-          <p:cNvPr id="13" name="Title 12">
-            <a:extLst>
-              <a:ext uri="{FF2B5EF4-FFF2-40B4-BE49-F238E27FC236}">
-                <a16:creationId xmlns:a16="http://schemas.microsoft.com/office/drawing/2014/main" id="{C9E6657E-118A-C800-BBFB-56880D5A6425}"/>
-              </a:ext>
-            </a:extLst>
-          </p:cNvPr>
-          <p:cNvSpPr>
-            <a:spLocks noGrp="1"/>
-          </p:cNvSpPr>
-          <p:nvPr>
-            <p:ph type="title"/>
-          </p:nvPr>
-        </p:nvSpPr>
-        <p:spPr/>
-        <p:txBody>
-          <a:bodyPr/>
-          <a:lstStyle/>
-          <a:p>
-            <a:r>
-              <a:rPr lang="en-US" dirty="0"/>
-              <a:t>Get D2 and Make it Work</a:t>
-            </a:r>
-          </a:p>
-        </p:txBody>
-      </p:sp>
-      <p:pic>
-        <p:nvPicPr>
-          <p:cNvPr id="3" name="Picture 2">
-            <a:extLst>
-              <a:ext uri="{FF2B5EF4-FFF2-40B4-BE49-F238E27FC236}">
-                <a16:creationId xmlns:a16="http://schemas.microsoft.com/office/drawing/2014/main" id="{14A55EEC-DDB4-7B09-55C9-E75F2E7E4EA1}"/>
-              </a:ext>
-            </a:extLst>
-          </p:cNvPr>
-          <p:cNvPicPr>
-            <a:picLocks noChangeAspect="1"/>
-          </p:cNvPicPr>
-          <p:nvPr/>
-        </p:nvPicPr>
-        <p:blipFill>
-          <a:blip r:embed="rId2"/>
-          <a:stretch>
-            <a:fillRect/>
-          </a:stretch>
-        </p:blipFill>
-        <p:spPr>
-          <a:xfrm>
-            <a:off x="0" y="5664740"/>
-            <a:ext cx="1206819" cy="1193260"/>
-          </a:xfrm>
-          <a:prstGeom prst="rect">
-            <a:avLst/>
-          </a:prstGeom>
-          <a:ln>
-            <a:noFill/>
-          </a:ln>
-          <a:effectLst>
-            <a:outerShdw blurRad="292100" dist="139700" dir="2700000" algn="tl" rotWithShape="0">
-              <a:srgbClr val="333333">
-                <a:alpha val="65000"/>
-              </a:srgbClr>
-            </a:outerShdw>
-          </a:effectLst>
-        </p:spPr>
-      </p:pic>
-      <p:sp>
-        <p:nvSpPr>
-          <p:cNvPr id="4" name="Title 1">
-            <a:extLst>
-              <a:ext uri="{FF2B5EF4-FFF2-40B4-BE49-F238E27FC236}">
-                <a16:creationId xmlns:a16="http://schemas.microsoft.com/office/drawing/2014/main" id="{D02FDFEB-62DA-327C-D016-D2242D07B053}"/>
-              </a:ext>
-            </a:extLst>
-          </p:cNvPr>
-          <p:cNvSpPr txBox="1">
-            <a:spLocks/>
-          </p:cNvSpPr>
-          <p:nvPr/>
-        </p:nvSpPr>
-        <p:spPr>
-          <a:xfrm>
-            <a:off x="0" y="1"/>
-            <a:ext cx="1674812" cy="1066800"/>
-          </a:xfrm>
-          <a:prstGeom prst="rect">
-            <a:avLst/>
-          </a:prstGeom>
-        </p:spPr>
-        <p:txBody>
-          <a:bodyPr vert="horz" lIns="91440" tIns="45720" rIns="91440" bIns="45720" rtlCol="0" anchor="ctr">
-            <a:normAutofit/>
-          </a:bodyPr>
-          <a:lstStyle>
-            <a:lvl1pPr algn="l" defTabSz="914400" rtl="0" eaLnBrk="1" latinLnBrk="0" hangingPunct="1">
-              <a:lnSpc>
-                <a:spcPct val="80000"/>
-              </a:lnSpc>
-              <a:spcBef>
-                <a:spcPct val="0"/>
-              </a:spcBef>
-              <a:buNone/>
-              <a:defRPr sz="5400" b="1" kern="1200">
-                <a:solidFill>
-                  <a:schemeClr val="accent1">
-                    <a:lumMod val="75000"/>
-                  </a:schemeClr>
-                </a:solidFill>
-                <a:latin typeface="+mj-lt"/>
-                <a:ea typeface="+mj-ea"/>
-                <a:cs typeface="+mj-cs"/>
-              </a:defRPr>
-            </a:lvl1pPr>
-          </a:lstStyle>
-          <a:p>
-            <a:pPr algn="ctr"/>
-            <a:r>
-              <a:rPr lang="en-US" sz="6600" dirty="0"/>
-              <a:t>003</a:t>
-            </a:r>
-          </a:p>
-        </p:txBody>
-      </p:sp>
-      <p:pic>
-        <p:nvPicPr>
-          <p:cNvPr id="7" name="Content Placeholder 6">
-            <a:extLst>
-              <a:ext uri="{FF2B5EF4-FFF2-40B4-BE49-F238E27FC236}">
-                <a16:creationId xmlns:a16="http://schemas.microsoft.com/office/drawing/2014/main" id="{6B303225-E915-701D-0BA9-D92939331CD4}"/>
-              </a:ext>
-            </a:extLst>
-          </p:cNvPr>
-          <p:cNvPicPr>
-            <a:picLocks noGrp="1" noChangeAspect="1"/>
-          </p:cNvPicPr>
-          <p:nvPr>
-            <p:ph idx="1"/>
-          </p:nvPr>
-        </p:nvPicPr>
-        <p:blipFill>
-          <a:blip r:embed="rId3"/>
-          <a:stretch>
-            <a:fillRect/>
-          </a:stretch>
-        </p:blipFill>
-        <p:spPr>
-          <a:xfrm>
-            <a:off x="1065212" y="1596227"/>
-            <a:ext cx="9296399" cy="4369614"/>
-          </a:xfrm>
-          <a:prstGeom prst="rect">
-            <a:avLst/>
-          </a:prstGeom>
-          <a:ln>
-            <a:noFill/>
-          </a:ln>
-          <a:effectLst>
-            <a:outerShdw blurRad="292100" dist="139700" dir="2700000" algn="tl" rotWithShape="0">
-              <a:srgbClr val="333333">
-                <a:alpha val="65000"/>
-              </a:srgbClr>
-            </a:outerShdw>
-          </a:effectLst>
-        </p:spPr>
-      </p:pic>
-      <p:pic>
-        <p:nvPicPr>
-          <p:cNvPr id="11" name="Picture 10">
-            <a:extLst>
-              <a:ext uri="{FF2B5EF4-FFF2-40B4-BE49-F238E27FC236}">
-                <a16:creationId xmlns:a16="http://schemas.microsoft.com/office/drawing/2014/main" id="{D256EDB3-FFE7-83B1-C3AC-9D42F292CF72}"/>
-              </a:ext>
-            </a:extLst>
-          </p:cNvPr>
-          <p:cNvPicPr>
-            <a:picLocks noChangeAspect="1"/>
-          </p:cNvPicPr>
-          <p:nvPr/>
-        </p:nvPicPr>
-        <p:blipFill>
-          <a:blip r:embed="rId4"/>
-          <a:stretch>
-            <a:fillRect/>
-          </a:stretch>
-        </p:blipFill>
-        <p:spPr>
-          <a:xfrm>
-            <a:off x="9159706" y="2913867"/>
-            <a:ext cx="1201905" cy="3581400"/>
-          </a:xfrm>
-          <a:prstGeom prst="roundRect">
-            <a:avLst>
-              <a:gd name="adj" fmla="val 16667"/>
-            </a:avLst>
-          </a:prstGeom>
-          <a:ln>
-            <a:noFill/>
-          </a:ln>
-          <a:effectLst>
-            <a:outerShdw blurRad="152400" dist="12000" dir="900000" sy="98000" kx="110000" ky="200000" algn="tl" rotWithShape="0">
-              <a:srgbClr val="000000">
-                <a:alpha val="30000"/>
-              </a:srgbClr>
-            </a:outerShdw>
-          </a:effectLst>
-          <a:scene3d>
-            <a:camera prst="perspectiveRelaxed">
-              <a:rot lat="19800000" lon="1200000" rev="20820000"/>
-            </a:camera>
-            <a:lightRig rig="threePt" dir="t"/>
-          </a:scene3d>
-          <a:sp3d contourW="6350" prstMaterial="matte">
-            <a:bevelT w="101600" h="101600"/>
-            <a:contourClr>
-              <a:srgbClr val="969696"/>
-            </a:contourClr>
-          </a:sp3d>
-        </p:spPr>
-      </p:pic>
-    </p:spTree>
-    <p:extLst>
-      <p:ext uri="{BB962C8B-B14F-4D97-AF65-F5344CB8AC3E}">
-        <p14:creationId xmlns:p14="http://schemas.microsoft.com/office/powerpoint/2010/main" val="1414865922"/>
-      </p:ext>
-    </p:extLst>
-  </p:cSld>
-  <p:clrMapOvr>
-    <a:masterClrMapping/>
-  </p:clrMapOvr>
-  <mc:AlternateContent xmlns:mc="http://schemas.openxmlformats.org/markup-compatibility/2006" xmlns:p14="http://schemas.microsoft.com/office/powerpoint/2010/main">
-    <mc:Choice Requires="p14">
-      <p:transition spd="med" p14:dur="700">
-        <p:fade/>
-      </p:transition>
-    </mc:Choice>
-    <mc:Fallback xmlns="">
-      <p:transition spd="med">
-        <p:fade/>
-      </p:transition>
-    </mc:Fallback>
-  </mc:AlternateContent>
-</p:sld>
-</file>
-
-<file path=ppt/slides/slide4.xml><?xml version="1.0" encoding="utf-8"?>
-<p:sld xmlns:a="http://schemas.openxmlformats.org/drawingml/2006/main" xmlns:r="http://schemas.openxmlformats.org/officeDocument/2006/relationships" xmlns:p="http://schemas.openxmlformats.org/presentationml/2006/main">
-  <p:cSld>
-    <p:spTree>
-      <p:nvGrpSpPr>
-        <p:cNvPr id="1" name="">
-          <a:extLst>
-            <a:ext uri="{FF2B5EF4-FFF2-40B4-BE49-F238E27FC236}">
-              <a16:creationId xmlns:a16="http://schemas.microsoft.com/office/drawing/2014/main" id="{8940BD14-DBF0-5D31-B887-703B87AC3A65}"/>
-            </a:ext>
-          </a:extLst>
-        </p:cNvPr>
-        <p:cNvGrpSpPr/>
-        <p:nvPr/>
-      </p:nvGrpSpPr>
-      <p:grpSpPr>
-        <a:xfrm>
-          <a:off x="0" y="0"/>
-          <a:ext cx="0" cy="0"/>
-          <a:chOff x="0" y="0"/>
-          <a:chExt cx="0" cy="0"/>
-        </a:xfrm>
-      </p:grpSpPr>
-      <p:sp>
-        <p:nvSpPr>
-          <p:cNvPr id="13" name="Title 12">
-            <a:extLst>
-              <a:ext uri="{FF2B5EF4-FFF2-40B4-BE49-F238E27FC236}">
-                <a16:creationId xmlns:a16="http://schemas.microsoft.com/office/drawing/2014/main" id="{E95CE16B-665A-1966-6425-4DD0E3D7BF58}"/>
-              </a:ext>
-            </a:extLst>
-          </p:cNvPr>
-          <p:cNvSpPr>
-            <a:spLocks noGrp="1"/>
-          </p:cNvSpPr>
-          <p:nvPr>
-            <p:ph type="title"/>
-          </p:nvPr>
-        </p:nvSpPr>
-        <p:spPr/>
-        <p:txBody>
-          <a:bodyPr>
-            <a:normAutofit/>
-          </a:bodyPr>
-          <a:lstStyle/>
-          <a:p>
-            <a:r>
-              <a:rPr lang="en-US" sz="4800" dirty="0"/>
-              <a:t>Make your First D2 Diagram</a:t>
-            </a:r>
-          </a:p>
-        </p:txBody>
-      </p:sp>
-      <p:pic>
-        <p:nvPicPr>
-          <p:cNvPr id="3" name="Picture 2">
-            <a:extLst>
-              <a:ext uri="{FF2B5EF4-FFF2-40B4-BE49-F238E27FC236}">
-                <a16:creationId xmlns:a16="http://schemas.microsoft.com/office/drawing/2014/main" id="{DE152BA7-B51A-FCE7-4583-C914C0D0DA5C}"/>
-              </a:ext>
-            </a:extLst>
-          </p:cNvPr>
-          <p:cNvPicPr>
-            <a:picLocks noChangeAspect="1"/>
-          </p:cNvPicPr>
-          <p:nvPr/>
-        </p:nvPicPr>
-        <p:blipFill>
-          <a:blip r:embed="rId2"/>
-          <a:stretch>
-            <a:fillRect/>
-          </a:stretch>
-        </p:blipFill>
-        <p:spPr>
-          <a:xfrm>
-            <a:off x="0" y="5664740"/>
-            <a:ext cx="1206819" cy="1193260"/>
-          </a:xfrm>
-          <a:prstGeom prst="rect">
-            <a:avLst/>
-          </a:prstGeom>
-          <a:ln>
-            <a:noFill/>
-          </a:ln>
-          <a:effectLst>
-            <a:outerShdw blurRad="292100" dist="139700" dir="2700000" algn="tl" rotWithShape="0">
-              <a:srgbClr val="333333">
-                <a:alpha val="65000"/>
-              </a:srgbClr>
-            </a:outerShdw>
-          </a:effectLst>
-        </p:spPr>
-      </p:pic>
-      <p:sp>
-        <p:nvSpPr>
-          <p:cNvPr id="4" name="Title 1">
-            <a:extLst>
-              <a:ext uri="{FF2B5EF4-FFF2-40B4-BE49-F238E27FC236}">
-                <a16:creationId xmlns:a16="http://schemas.microsoft.com/office/drawing/2014/main" id="{BCED7FC5-515C-5974-DE14-7D65C38569B2}"/>
-              </a:ext>
-            </a:extLst>
-          </p:cNvPr>
-          <p:cNvSpPr txBox="1">
-            <a:spLocks/>
-          </p:cNvSpPr>
-          <p:nvPr/>
-        </p:nvSpPr>
-        <p:spPr>
-          <a:xfrm>
-            <a:off x="0" y="1"/>
-            <a:ext cx="1674812" cy="1066800"/>
-          </a:xfrm>
-          <a:prstGeom prst="rect">
-            <a:avLst/>
-          </a:prstGeom>
-        </p:spPr>
-        <p:txBody>
-          <a:bodyPr vert="horz" lIns="91440" tIns="45720" rIns="91440" bIns="45720" rtlCol="0" anchor="ctr">
-            <a:normAutofit/>
-          </a:bodyPr>
-          <a:lstStyle>
-            <a:lvl1pPr algn="l" defTabSz="914400" rtl="0" eaLnBrk="1" latinLnBrk="0" hangingPunct="1">
-              <a:lnSpc>
-                <a:spcPct val="80000"/>
-              </a:lnSpc>
-              <a:spcBef>
-                <a:spcPct val="0"/>
-              </a:spcBef>
-              <a:buNone/>
-              <a:defRPr sz="5400" b="1" kern="1200">
-                <a:solidFill>
-                  <a:schemeClr val="accent1">
-                    <a:lumMod val="75000"/>
-                  </a:schemeClr>
-                </a:solidFill>
-                <a:latin typeface="+mj-lt"/>
-                <a:ea typeface="+mj-ea"/>
-                <a:cs typeface="+mj-cs"/>
-              </a:defRPr>
-            </a:lvl1pPr>
-          </a:lstStyle>
-          <a:p>
-            <a:pPr algn="ctr"/>
-            <a:r>
-              <a:rPr lang="en-US" sz="6600" dirty="0"/>
-              <a:t>004</a:t>
-            </a:r>
-          </a:p>
-        </p:txBody>
-      </p:sp>
-      <p:pic>
-        <p:nvPicPr>
-          <p:cNvPr id="7" name="Content Placeholder 6">
-            <a:extLst>
-              <a:ext uri="{FF2B5EF4-FFF2-40B4-BE49-F238E27FC236}">
-                <a16:creationId xmlns:a16="http://schemas.microsoft.com/office/drawing/2014/main" id="{F6241548-1AA5-9556-E6D1-C1B124A48D44}"/>
-              </a:ext>
-            </a:extLst>
-          </p:cNvPr>
-          <p:cNvPicPr>
-            <a:picLocks noGrp="1" noChangeAspect="1"/>
-          </p:cNvPicPr>
-          <p:nvPr>
-            <p:ph idx="1"/>
-          </p:nvPr>
-        </p:nvPicPr>
-        <p:blipFill>
-          <a:blip r:embed="rId3"/>
-          <a:stretch>
-            <a:fillRect/>
-          </a:stretch>
-        </p:blipFill>
-        <p:spPr>
-          <a:xfrm>
-            <a:off x="1284657" y="1828800"/>
-            <a:ext cx="8247912" cy="4191000"/>
-          </a:xfrm>
-          <a:prstGeom prst="rect">
-            <a:avLst/>
-          </a:prstGeom>
-          <a:ln>
-            <a:noFill/>
-          </a:ln>
-          <a:effectLst>
-            <a:outerShdw blurRad="292100" dist="139700" dir="2700000" algn="tl" rotWithShape="0">
-              <a:srgbClr val="333333">
-                <a:alpha val="65000"/>
-              </a:srgbClr>
-            </a:outerShdw>
-          </a:effectLst>
-        </p:spPr>
-      </p:pic>
-      <p:pic>
-        <p:nvPicPr>
-          <p:cNvPr id="10" name="Picture 9">
-            <a:extLst>
-              <a:ext uri="{FF2B5EF4-FFF2-40B4-BE49-F238E27FC236}">
-                <a16:creationId xmlns:a16="http://schemas.microsoft.com/office/drawing/2014/main" id="{0B5C329A-0062-C81F-4C17-1A168BC3A8B5}"/>
-              </a:ext>
-            </a:extLst>
-          </p:cNvPr>
-          <p:cNvPicPr>
-            <a:picLocks noChangeAspect="1"/>
-          </p:cNvPicPr>
-          <p:nvPr/>
-        </p:nvPicPr>
-        <p:blipFill>
-          <a:blip r:embed="rId4"/>
-          <a:stretch>
-            <a:fillRect/>
-          </a:stretch>
-        </p:blipFill>
-        <p:spPr>
-          <a:xfrm>
-            <a:off x="9218612" y="2514600"/>
-            <a:ext cx="2010056" cy="4229912"/>
-          </a:xfrm>
-          <a:prstGeom prst="roundRect">
-            <a:avLst>
-              <a:gd name="adj" fmla="val 16667"/>
-            </a:avLst>
-          </a:prstGeom>
-          <a:ln>
-            <a:noFill/>
-          </a:ln>
-          <a:effectLst>
-            <a:outerShdw blurRad="152400" dist="12000" dir="900000" sy="98000" kx="110000" ky="200000" algn="tl" rotWithShape="0">
-              <a:srgbClr val="000000">
-                <a:alpha val="30000"/>
-              </a:srgbClr>
-            </a:outerShdw>
-          </a:effectLst>
-          <a:scene3d>
-            <a:camera prst="perspectiveRelaxed">
-              <a:rot lat="19800000" lon="1200000" rev="20820000"/>
-            </a:camera>
-            <a:lightRig rig="threePt" dir="t"/>
-          </a:scene3d>
-          <a:sp3d contourW="6350" prstMaterial="matte">
-            <a:bevelT w="101600" h="101600"/>
-            <a:contourClr>
-              <a:srgbClr val="969696"/>
-            </a:contourClr>
-          </a:sp3d>
-        </p:spPr>
-      </p:pic>
-    </p:spTree>
-    <p:extLst>
-      <p:ext uri="{BB962C8B-B14F-4D97-AF65-F5344CB8AC3E}">
-        <p14:creationId xmlns:p14="http://schemas.microsoft.com/office/powerpoint/2010/main" val="830415803"/>
-      </p:ext>
-    </p:extLst>
-  </p:cSld>
-  <p:clrMapOvr>
-    <a:masterClrMapping/>
-  </p:clrMapOvr>
-  <mc:AlternateContent xmlns:mc="http://schemas.openxmlformats.org/markup-compatibility/2006" xmlns:p14="http://schemas.microsoft.com/office/powerpoint/2010/main">
-    <mc:Choice Requires="p14">
-      <p:transition spd="med" p14:dur="700">
-        <p:fade/>
-      </p:transition>
-    </mc:Choice>
-    <mc:Fallback xmlns="">
-      <p:transition spd="med">
-        <p:fade/>
-      </p:transition>
-    </mc:Fallback>
-  </mc:AlternateContent>
-</p:sld>
-</file>
-
-<file path=ppt/slides/slide5.xml><?xml version="1.0" encoding="utf-8"?>
-<p:sld xmlns:a="http://schemas.openxmlformats.org/drawingml/2006/main" xmlns:r="http://schemas.openxmlformats.org/officeDocument/2006/relationships" xmlns:p="http://schemas.openxmlformats.org/presentationml/2006/main">
-  <p:cSld>
-    <p:spTree>
-      <p:nvGrpSpPr>
-        <p:cNvPr id="1" name="">
-          <a:extLst>
-            <a:ext uri="{FF2B5EF4-FFF2-40B4-BE49-F238E27FC236}">
-              <a16:creationId xmlns:a16="http://schemas.microsoft.com/office/drawing/2014/main" id="{6E10B572-24A5-67FB-CEAC-2FBDFC2F4A16}"/>
-            </a:ext>
-          </a:extLst>
-        </p:cNvPr>
-        <p:cNvGrpSpPr/>
-        <p:nvPr/>
-      </p:nvGrpSpPr>
-      <p:grpSpPr>
-        <a:xfrm>
-          <a:off x="0" y="0"/>
-          <a:ext cx="0" cy="0"/>
-          <a:chOff x="0" y="0"/>
-          <a:chExt cx="0" cy="0"/>
-        </a:xfrm>
-      </p:grpSpPr>
-      <p:sp>
-        <p:nvSpPr>
-          <p:cNvPr id="13" name="Title 12">
-            <a:extLst>
-              <a:ext uri="{FF2B5EF4-FFF2-40B4-BE49-F238E27FC236}">
-                <a16:creationId xmlns:a16="http://schemas.microsoft.com/office/drawing/2014/main" id="{F72A51F5-7CD0-E4AD-D1F4-4E1F8BC6DACE}"/>
-              </a:ext>
-            </a:extLst>
-          </p:cNvPr>
-          <p:cNvSpPr>
-            <a:spLocks noGrp="1"/>
-          </p:cNvSpPr>
-          <p:nvPr>
-            <p:ph type="title"/>
-          </p:nvPr>
-        </p:nvSpPr>
-        <p:spPr/>
-        <p:txBody>
-          <a:bodyPr>
-            <a:normAutofit/>
-          </a:bodyPr>
-          <a:lstStyle/>
-          <a:p>
-            <a:r>
-              <a:rPr lang="en-US" sz="4800" dirty="0"/>
-              <a:t>Getting Started: Shapes</a:t>
-            </a:r>
-          </a:p>
-        </p:txBody>
-      </p:sp>
-      <p:pic>
-        <p:nvPicPr>
-          <p:cNvPr id="3" name="Picture 2">
-            <a:extLst>
-              <a:ext uri="{FF2B5EF4-FFF2-40B4-BE49-F238E27FC236}">
-                <a16:creationId xmlns:a16="http://schemas.microsoft.com/office/drawing/2014/main" id="{CBAAF5C1-A6C4-3B79-C18B-179EFB2163BD}"/>
-              </a:ext>
-            </a:extLst>
-          </p:cNvPr>
-          <p:cNvPicPr>
-            <a:picLocks noChangeAspect="1"/>
-          </p:cNvPicPr>
-          <p:nvPr/>
-        </p:nvPicPr>
-        <p:blipFill>
-          <a:blip r:embed="rId2"/>
-          <a:stretch>
-            <a:fillRect/>
-          </a:stretch>
-        </p:blipFill>
-        <p:spPr>
-          <a:xfrm>
-            <a:off x="0" y="5664740"/>
-            <a:ext cx="1206819" cy="1193260"/>
-          </a:xfrm>
-          <a:prstGeom prst="rect">
-            <a:avLst/>
-          </a:prstGeom>
-          <a:ln>
-            <a:noFill/>
-          </a:ln>
-          <a:effectLst>
-            <a:outerShdw blurRad="292100" dist="139700" dir="2700000" algn="tl" rotWithShape="0">
-              <a:srgbClr val="333333">
-                <a:alpha val="65000"/>
-              </a:srgbClr>
-            </a:outerShdw>
-          </a:effectLst>
-        </p:spPr>
-      </p:pic>
-      <p:sp>
-        <p:nvSpPr>
-          <p:cNvPr id="4" name="Title 1">
-            <a:extLst>
-              <a:ext uri="{FF2B5EF4-FFF2-40B4-BE49-F238E27FC236}">
-                <a16:creationId xmlns:a16="http://schemas.microsoft.com/office/drawing/2014/main" id="{9E2FCACB-0EC7-1DBE-50DD-F533D453A368}"/>
-              </a:ext>
-            </a:extLst>
-          </p:cNvPr>
-          <p:cNvSpPr txBox="1">
-            <a:spLocks/>
-          </p:cNvSpPr>
-          <p:nvPr/>
-        </p:nvSpPr>
-        <p:spPr>
-          <a:xfrm>
-            <a:off x="0" y="1"/>
-            <a:ext cx="1674812" cy="1066800"/>
-          </a:xfrm>
-          <a:prstGeom prst="rect">
-            <a:avLst/>
-          </a:prstGeom>
-        </p:spPr>
-        <p:txBody>
-          <a:bodyPr vert="horz" lIns="91440" tIns="45720" rIns="91440" bIns="45720" rtlCol="0" anchor="ctr">
-            <a:normAutofit/>
-          </a:bodyPr>
-          <a:lstStyle>
-            <a:lvl1pPr algn="l" defTabSz="914400" rtl="0" eaLnBrk="1" latinLnBrk="0" hangingPunct="1">
-              <a:lnSpc>
-                <a:spcPct val="80000"/>
-              </a:lnSpc>
-              <a:spcBef>
-                <a:spcPct val="0"/>
-              </a:spcBef>
-              <a:buNone/>
-              <a:defRPr sz="5400" b="1" kern="1200">
-                <a:solidFill>
-                  <a:schemeClr val="accent1">
-                    <a:lumMod val="75000"/>
-                  </a:schemeClr>
-                </a:solidFill>
-                <a:latin typeface="+mj-lt"/>
-                <a:ea typeface="+mj-ea"/>
-                <a:cs typeface="+mj-cs"/>
-              </a:defRPr>
-            </a:lvl1pPr>
-          </a:lstStyle>
-          <a:p>
-            <a:pPr algn="ctr"/>
-            <a:r>
-              <a:rPr lang="en-US" sz="6600" dirty="0"/>
-              <a:t>005</a:t>
-            </a:r>
-          </a:p>
-        </p:txBody>
-      </p:sp>
-      <p:pic>
-        <p:nvPicPr>
-          <p:cNvPr id="8" name="Content Placeholder 7">
-            <a:extLst>
-              <a:ext uri="{FF2B5EF4-FFF2-40B4-BE49-F238E27FC236}">
-                <a16:creationId xmlns:a16="http://schemas.microsoft.com/office/drawing/2014/main" id="{3FD687FA-33C8-31F1-B155-3566E42ED7EC}"/>
-              </a:ext>
-            </a:extLst>
-          </p:cNvPr>
-          <p:cNvPicPr>
-            <a:picLocks noGrp="1" noChangeAspect="1"/>
-          </p:cNvPicPr>
-          <p:nvPr>
-            <p:ph idx="1"/>
-          </p:nvPr>
-        </p:nvPicPr>
-        <p:blipFill>
-          <a:blip r:embed="rId3"/>
-          <a:stretch>
-            <a:fillRect/>
-          </a:stretch>
-        </p:blipFill>
-        <p:spPr>
-          <a:xfrm>
-            <a:off x="1079323" y="1828800"/>
-            <a:ext cx="8658580" cy="4191000"/>
-          </a:xfrm>
-          <a:prstGeom prst="rect">
-            <a:avLst/>
-          </a:prstGeom>
-          <a:ln>
-            <a:noFill/>
-          </a:ln>
-          <a:effectLst>
-            <a:outerShdw blurRad="292100" dist="139700" dir="2700000" algn="tl" rotWithShape="0">
-              <a:srgbClr val="333333">
-                <a:alpha val="65000"/>
-              </a:srgbClr>
-            </a:outerShdw>
-          </a:effectLst>
-        </p:spPr>
-      </p:pic>
-    </p:spTree>
-    <p:extLst>
-      <p:ext uri="{BB962C8B-B14F-4D97-AF65-F5344CB8AC3E}">
-        <p14:creationId xmlns:p14="http://schemas.microsoft.com/office/powerpoint/2010/main" val="2183127475"/>
-      </p:ext>
-    </p:extLst>
-  </p:cSld>
-  <p:clrMapOvr>
-    <a:masterClrMapping/>
-  </p:clrMapOvr>
-  <mc:AlternateContent xmlns:mc="http://schemas.openxmlformats.org/markup-compatibility/2006" xmlns:p14="http://schemas.microsoft.com/office/powerpoint/2010/main">
-    <mc:Choice Requires="p14">
-      <p:transition spd="med" p14:dur="700">
-        <p:fade/>
-      </p:transition>
-    </mc:Choice>
-    <mc:Fallback xmlns="">
-      <p:transition spd="med">
-        <p:fade/>
-      </p:transition>
-    </mc:Fallback>
-  </mc:AlternateContent>
-</p:sld>
-</file>
-
-<file path=ppt/slides/slide6.xml><?xml version="1.0" encoding="utf-8"?>
-<p:sld xmlns:a="http://schemas.openxmlformats.org/drawingml/2006/main" xmlns:r="http://schemas.openxmlformats.org/officeDocument/2006/relationships" xmlns:p="http://schemas.openxmlformats.org/presentationml/2006/main">
-  <p:cSld>
-    <p:spTree>
-      <p:nvGrpSpPr>
-        <p:cNvPr id="1" name="">
-          <a:extLst>
-            <a:ext uri="{FF2B5EF4-FFF2-40B4-BE49-F238E27FC236}">
-              <a16:creationId xmlns:a16="http://schemas.microsoft.com/office/drawing/2014/main" id="{098B3005-B25A-19D8-44CD-A97B9771E24F}"/>
-            </a:ext>
-          </a:extLst>
-        </p:cNvPr>
-        <p:cNvGrpSpPr/>
-        <p:nvPr/>
-      </p:nvGrpSpPr>
-      <p:grpSpPr>
-        <a:xfrm>
-          <a:off x="0" y="0"/>
-          <a:ext cx="0" cy="0"/>
-          <a:chOff x="0" y="0"/>
-          <a:chExt cx="0" cy="0"/>
-        </a:xfrm>
-      </p:grpSpPr>
-      <p:sp>
-        <p:nvSpPr>
-          <p:cNvPr id="13" name="Title 12">
-            <a:extLst>
-              <a:ext uri="{FF2B5EF4-FFF2-40B4-BE49-F238E27FC236}">
-                <a16:creationId xmlns:a16="http://schemas.microsoft.com/office/drawing/2014/main" id="{10DD87F6-4439-F286-C4EA-942ACA24133C}"/>
-              </a:ext>
-            </a:extLst>
-          </p:cNvPr>
-          <p:cNvSpPr>
-            <a:spLocks noGrp="1"/>
-          </p:cNvSpPr>
-          <p:nvPr>
-            <p:ph type="title"/>
-          </p:nvPr>
-        </p:nvSpPr>
-        <p:spPr/>
-        <p:txBody>
-          <a:bodyPr>
-            <a:normAutofit/>
-          </a:bodyPr>
-          <a:lstStyle/>
-          <a:p>
-            <a:r>
-              <a:rPr lang="en-US" sz="4800" dirty="0"/>
-              <a:t>Getting Started: Connections - 1</a:t>
-            </a:r>
-          </a:p>
-        </p:txBody>
-      </p:sp>
-      <p:pic>
-        <p:nvPicPr>
-          <p:cNvPr id="3" name="Picture 2">
-            <a:extLst>
-              <a:ext uri="{FF2B5EF4-FFF2-40B4-BE49-F238E27FC236}">
-                <a16:creationId xmlns:a16="http://schemas.microsoft.com/office/drawing/2014/main" id="{04184234-DDB2-3A34-FD15-633D449CE896}"/>
-              </a:ext>
-            </a:extLst>
-          </p:cNvPr>
-          <p:cNvPicPr>
-            <a:picLocks noChangeAspect="1"/>
-          </p:cNvPicPr>
-          <p:nvPr/>
-        </p:nvPicPr>
-        <p:blipFill>
-          <a:blip r:embed="rId2"/>
-          <a:stretch>
-            <a:fillRect/>
-          </a:stretch>
-        </p:blipFill>
-        <p:spPr>
-          <a:xfrm>
-            <a:off x="0" y="5664740"/>
-            <a:ext cx="1206819" cy="1193260"/>
-          </a:xfrm>
-          <a:prstGeom prst="rect">
-            <a:avLst/>
-          </a:prstGeom>
-          <a:ln>
-            <a:noFill/>
-          </a:ln>
-          <a:effectLst>
-            <a:outerShdw blurRad="292100" dist="139700" dir="2700000" algn="tl" rotWithShape="0">
-              <a:srgbClr val="333333">
-                <a:alpha val="65000"/>
-              </a:srgbClr>
-            </a:outerShdw>
-          </a:effectLst>
-        </p:spPr>
-      </p:pic>
-      <p:sp>
-        <p:nvSpPr>
-          <p:cNvPr id="4" name="Title 1">
-            <a:extLst>
-              <a:ext uri="{FF2B5EF4-FFF2-40B4-BE49-F238E27FC236}">
-                <a16:creationId xmlns:a16="http://schemas.microsoft.com/office/drawing/2014/main" id="{CE69637E-C18D-E8F6-65D4-1156C1D7A784}"/>
-              </a:ext>
-            </a:extLst>
-          </p:cNvPr>
-          <p:cNvSpPr txBox="1">
-            <a:spLocks/>
-          </p:cNvSpPr>
-          <p:nvPr/>
-        </p:nvSpPr>
-        <p:spPr>
-          <a:xfrm>
-            <a:off x="0" y="1"/>
-            <a:ext cx="1674812" cy="1066800"/>
-          </a:xfrm>
-          <a:prstGeom prst="rect">
-            <a:avLst/>
-          </a:prstGeom>
-        </p:spPr>
-        <p:txBody>
-          <a:bodyPr vert="horz" lIns="91440" tIns="45720" rIns="91440" bIns="45720" rtlCol="0" anchor="ctr">
-            <a:normAutofit/>
-          </a:bodyPr>
-          <a:lstStyle>
-            <a:lvl1pPr algn="l" defTabSz="914400" rtl="0" eaLnBrk="1" latinLnBrk="0" hangingPunct="1">
-              <a:lnSpc>
-                <a:spcPct val="80000"/>
-              </a:lnSpc>
-              <a:spcBef>
-                <a:spcPct val="0"/>
-              </a:spcBef>
-              <a:buNone/>
-              <a:defRPr sz="5400" b="1" kern="1200">
-                <a:solidFill>
-                  <a:schemeClr val="accent1">
-                    <a:lumMod val="75000"/>
-                  </a:schemeClr>
-                </a:solidFill>
-                <a:latin typeface="+mj-lt"/>
-                <a:ea typeface="+mj-ea"/>
-                <a:cs typeface="+mj-cs"/>
-              </a:defRPr>
-            </a:lvl1pPr>
-          </a:lstStyle>
-          <a:p>
-            <a:pPr algn="ctr"/>
-            <a:r>
-              <a:rPr lang="en-US" sz="6600" dirty="0"/>
-              <a:t>006</a:t>
-            </a:r>
-          </a:p>
-        </p:txBody>
-      </p:sp>
-      <p:pic>
-        <p:nvPicPr>
-          <p:cNvPr id="7" name="Content Placeholder 6">
-            <a:extLst>
-              <a:ext uri="{FF2B5EF4-FFF2-40B4-BE49-F238E27FC236}">
-                <a16:creationId xmlns:a16="http://schemas.microsoft.com/office/drawing/2014/main" id="{40A6B56A-D3F1-F201-E7D3-B18650DC7F30}"/>
-              </a:ext>
-            </a:extLst>
-          </p:cNvPr>
-          <p:cNvPicPr>
-            <a:picLocks noGrp="1" noChangeAspect="1"/>
-          </p:cNvPicPr>
-          <p:nvPr>
-            <p:ph idx="1"/>
-          </p:nvPr>
-        </p:nvPicPr>
-        <p:blipFill>
-          <a:blip r:embed="rId3"/>
-          <a:stretch>
-            <a:fillRect/>
-          </a:stretch>
-        </p:blipFill>
-        <p:spPr>
-          <a:xfrm>
-            <a:off x="1206819" y="1757245"/>
-            <a:ext cx="9236951" cy="4518265"/>
-          </a:xfrm>
-          <a:prstGeom prst="rect">
-            <a:avLst/>
-          </a:prstGeom>
-          <a:ln>
-            <a:noFill/>
-          </a:ln>
-          <a:effectLst>
-            <a:outerShdw blurRad="292100" dist="139700" dir="2700000" algn="tl" rotWithShape="0">
-              <a:srgbClr val="333333">
-                <a:alpha val="65000"/>
-              </a:srgbClr>
-            </a:outerShdw>
-          </a:effectLst>
-        </p:spPr>
-      </p:pic>
-      <p:pic>
-        <p:nvPicPr>
-          <p:cNvPr id="10" name="Picture 9">
-            <a:extLst>
-              <a:ext uri="{FF2B5EF4-FFF2-40B4-BE49-F238E27FC236}">
-                <a16:creationId xmlns:a16="http://schemas.microsoft.com/office/drawing/2014/main" id="{82D402D8-7643-DA96-585B-7D84EDBDBC76}"/>
-              </a:ext>
-            </a:extLst>
-          </p:cNvPr>
-          <p:cNvPicPr>
-            <a:picLocks noChangeAspect="1"/>
-          </p:cNvPicPr>
-          <p:nvPr/>
-        </p:nvPicPr>
-        <p:blipFill>
-          <a:blip r:embed="rId4"/>
-          <a:stretch>
-            <a:fillRect/>
-          </a:stretch>
-        </p:blipFill>
-        <p:spPr>
-          <a:xfrm>
-            <a:off x="6475412" y="4728012"/>
-            <a:ext cx="5408613" cy="1520789"/>
-          </a:xfrm>
-          <a:prstGeom prst="rect">
-            <a:avLst/>
-          </a:prstGeom>
-          <a:ln>
-            <a:noFill/>
-          </a:ln>
-          <a:effectLst>
-            <a:outerShdw blurRad="292100" dist="139700" dir="2700000" algn="tl" rotWithShape="0">
-              <a:srgbClr val="333333">
-                <a:alpha val="65000"/>
-              </a:srgbClr>
-            </a:outerShdw>
-          </a:effectLst>
-        </p:spPr>
-      </p:pic>
-    </p:spTree>
-    <p:extLst>
-      <p:ext uri="{BB962C8B-B14F-4D97-AF65-F5344CB8AC3E}">
-        <p14:creationId xmlns:p14="http://schemas.microsoft.com/office/powerpoint/2010/main" val="1842311122"/>
-      </p:ext>
-    </p:extLst>
-  </p:cSld>
-  <p:clrMapOvr>
-    <a:masterClrMapping/>
-  </p:clrMapOvr>
-  <mc:AlternateContent xmlns:mc="http://schemas.openxmlformats.org/markup-compatibility/2006" xmlns:p14="http://schemas.microsoft.com/office/powerpoint/2010/main">
-    <mc:Choice Requires="p14">
-      <p:transition spd="med" p14:dur="700">
-        <p:fade/>
-      </p:transition>
-    </mc:Choice>
-    <mc:Fallback xmlns="">
-      <p:transition spd="med">
-        <p:fade/>
-      </p:transition>
-    </mc:Fallback>
-  </mc:AlternateContent>
-</p:sld>
-</file>
-
-<file path=ppt/slides/slide7.xml><?xml version="1.0" encoding="utf-8"?>
-<p:sld xmlns:a="http://schemas.openxmlformats.org/drawingml/2006/main" xmlns:r="http://schemas.openxmlformats.org/officeDocument/2006/relationships" xmlns:p="http://schemas.openxmlformats.org/presentationml/2006/main">
-  <p:cSld>
-    <p:spTree>
-      <p:nvGrpSpPr>
-        <p:cNvPr id="1" name="">
-          <a:extLst>
-            <a:ext uri="{FF2B5EF4-FFF2-40B4-BE49-F238E27FC236}">
-              <a16:creationId xmlns:a16="http://schemas.microsoft.com/office/drawing/2014/main" id="{576A2F8B-B651-FD7B-8D7D-20D24FC0F679}"/>
-            </a:ext>
-          </a:extLst>
-        </p:cNvPr>
-        <p:cNvGrpSpPr/>
-        <p:nvPr/>
-      </p:nvGrpSpPr>
-      <p:grpSpPr>
-        <a:xfrm>
-          <a:off x="0" y="0"/>
-          <a:ext cx="0" cy="0"/>
-          <a:chOff x="0" y="0"/>
-          <a:chExt cx="0" cy="0"/>
-        </a:xfrm>
-      </p:grpSpPr>
-      <p:sp>
-        <p:nvSpPr>
-          <p:cNvPr id="13" name="Title 12">
-            <a:extLst>
-              <a:ext uri="{FF2B5EF4-FFF2-40B4-BE49-F238E27FC236}">
-                <a16:creationId xmlns:a16="http://schemas.microsoft.com/office/drawing/2014/main" id="{C812EB6B-4162-6D7F-B38E-79B53DF0C828}"/>
-              </a:ext>
-            </a:extLst>
-          </p:cNvPr>
-          <p:cNvSpPr>
-            <a:spLocks noGrp="1"/>
-          </p:cNvSpPr>
-          <p:nvPr>
-            <p:ph type="title"/>
-          </p:nvPr>
-        </p:nvSpPr>
-        <p:spPr/>
-        <p:txBody>
-          <a:bodyPr>
-            <a:normAutofit/>
-          </a:bodyPr>
-          <a:lstStyle/>
-          <a:p>
-            <a:r>
-              <a:rPr lang="en-US" sz="4800" dirty="0"/>
-              <a:t>Getting Started: Connections - 2</a:t>
-            </a:r>
-          </a:p>
-        </p:txBody>
-      </p:sp>
-      <p:pic>
-        <p:nvPicPr>
-          <p:cNvPr id="3" name="Picture 2">
-            <a:extLst>
-              <a:ext uri="{FF2B5EF4-FFF2-40B4-BE49-F238E27FC236}">
-                <a16:creationId xmlns:a16="http://schemas.microsoft.com/office/drawing/2014/main" id="{CC4DFBF0-A179-1440-61AD-4170DEF2FF5A}"/>
-              </a:ext>
-            </a:extLst>
-          </p:cNvPr>
-          <p:cNvPicPr>
-            <a:picLocks noChangeAspect="1"/>
-          </p:cNvPicPr>
-          <p:nvPr/>
-        </p:nvPicPr>
-        <p:blipFill>
-          <a:blip r:embed="rId2"/>
-          <a:stretch>
-            <a:fillRect/>
-          </a:stretch>
-        </p:blipFill>
-        <p:spPr>
-          <a:xfrm>
-            <a:off x="0" y="5664740"/>
-            <a:ext cx="1206819" cy="1193260"/>
-          </a:xfrm>
-          <a:prstGeom prst="rect">
-            <a:avLst/>
-          </a:prstGeom>
-          <a:ln>
-            <a:noFill/>
-          </a:ln>
-          <a:effectLst>
-            <a:outerShdw blurRad="292100" dist="139700" dir="2700000" algn="tl" rotWithShape="0">
-              <a:srgbClr val="333333">
-                <a:alpha val="65000"/>
-              </a:srgbClr>
-            </a:outerShdw>
-          </a:effectLst>
-        </p:spPr>
-      </p:pic>
-      <p:sp>
-        <p:nvSpPr>
-          <p:cNvPr id="4" name="Title 1">
-            <a:extLst>
-              <a:ext uri="{FF2B5EF4-FFF2-40B4-BE49-F238E27FC236}">
-                <a16:creationId xmlns:a16="http://schemas.microsoft.com/office/drawing/2014/main" id="{5E65EAF8-D70A-2A64-FFB7-0011AB2B16E8}"/>
-              </a:ext>
-            </a:extLst>
-          </p:cNvPr>
-          <p:cNvSpPr txBox="1">
-            <a:spLocks/>
-          </p:cNvSpPr>
-          <p:nvPr/>
-        </p:nvSpPr>
-        <p:spPr>
-          <a:xfrm>
-            <a:off x="0" y="1"/>
-            <a:ext cx="1674812" cy="1066800"/>
-          </a:xfrm>
-          <a:prstGeom prst="rect">
-            <a:avLst/>
-          </a:prstGeom>
-        </p:spPr>
-        <p:txBody>
-          <a:bodyPr vert="horz" lIns="91440" tIns="45720" rIns="91440" bIns="45720" rtlCol="0" anchor="ctr">
-            <a:normAutofit/>
-          </a:bodyPr>
-          <a:lstStyle>
-            <a:lvl1pPr algn="l" defTabSz="914400" rtl="0" eaLnBrk="1" latinLnBrk="0" hangingPunct="1">
-              <a:lnSpc>
-                <a:spcPct val="80000"/>
-              </a:lnSpc>
-              <a:spcBef>
-                <a:spcPct val="0"/>
-              </a:spcBef>
-              <a:buNone/>
-              <a:defRPr sz="5400" b="1" kern="1200">
-                <a:solidFill>
-                  <a:schemeClr val="accent1">
-                    <a:lumMod val="75000"/>
-                  </a:schemeClr>
-                </a:solidFill>
-                <a:latin typeface="+mj-lt"/>
-                <a:ea typeface="+mj-ea"/>
-                <a:cs typeface="+mj-cs"/>
-              </a:defRPr>
-            </a:lvl1pPr>
-          </a:lstStyle>
-          <a:p>
-            <a:pPr algn="ctr"/>
-            <a:r>
-              <a:rPr lang="en-US" sz="6600" dirty="0"/>
-              <a:t>007</a:t>
-            </a:r>
-          </a:p>
-        </p:txBody>
-      </p:sp>
-      <p:pic>
-        <p:nvPicPr>
-          <p:cNvPr id="7" name="Content Placeholder 6">
-            <a:extLst>
-              <a:ext uri="{FF2B5EF4-FFF2-40B4-BE49-F238E27FC236}">
-                <a16:creationId xmlns:a16="http://schemas.microsoft.com/office/drawing/2014/main" id="{5164C479-C365-018B-AFDC-8FE4AFBC04B9}"/>
-              </a:ext>
-            </a:extLst>
-          </p:cNvPr>
-          <p:cNvPicPr>
-            <a:picLocks noGrp="1" noChangeAspect="1"/>
-          </p:cNvPicPr>
-          <p:nvPr>
-            <p:ph idx="1"/>
-          </p:nvPr>
-        </p:nvPicPr>
-        <p:blipFill>
-          <a:blip r:embed="rId3"/>
-          <a:stretch>
-            <a:fillRect/>
-          </a:stretch>
-        </p:blipFill>
-        <p:spPr>
-          <a:xfrm>
-            <a:off x="1124660" y="1828799"/>
-            <a:ext cx="9236951" cy="4518265"/>
-          </a:xfrm>
-          <a:prstGeom prst="rect">
-            <a:avLst/>
-          </a:prstGeom>
-          <a:ln>
-            <a:noFill/>
-          </a:ln>
-          <a:effectLst>
-            <a:outerShdw blurRad="292100" dist="139700" dir="2700000" algn="tl" rotWithShape="0">
-              <a:srgbClr val="333333">
-                <a:alpha val="65000"/>
-              </a:srgbClr>
-            </a:outerShdw>
-          </a:effectLst>
-        </p:spPr>
-      </p:pic>
-      <p:pic>
-        <p:nvPicPr>
-          <p:cNvPr id="5" name="Picture 4">
-            <a:extLst>
-              <a:ext uri="{FF2B5EF4-FFF2-40B4-BE49-F238E27FC236}">
-                <a16:creationId xmlns:a16="http://schemas.microsoft.com/office/drawing/2014/main" id="{60ECC054-0D5F-5EDC-7547-BACFF96B2B11}"/>
-              </a:ext>
-            </a:extLst>
-          </p:cNvPr>
-          <p:cNvPicPr>
-            <a:picLocks noChangeAspect="1"/>
-          </p:cNvPicPr>
-          <p:nvPr/>
-        </p:nvPicPr>
-        <p:blipFill>
-          <a:blip r:embed="rId4"/>
-          <a:stretch>
-            <a:fillRect/>
-          </a:stretch>
-        </p:blipFill>
-        <p:spPr>
-          <a:xfrm>
-            <a:off x="8075612" y="2513831"/>
-            <a:ext cx="3627022" cy="3124200"/>
-          </a:xfrm>
-          <a:prstGeom prst="roundRect">
-            <a:avLst>
-              <a:gd name="adj" fmla="val 16667"/>
-            </a:avLst>
-          </a:prstGeom>
-          <a:ln>
-            <a:noFill/>
-          </a:ln>
-          <a:effectLst>
-            <a:outerShdw blurRad="152400" dist="12000" dir="900000" sy="98000" kx="110000" ky="200000" algn="tl" rotWithShape="0">
-              <a:srgbClr val="000000">
-                <a:alpha val="30000"/>
-              </a:srgbClr>
-            </a:outerShdw>
-          </a:effectLst>
-          <a:scene3d>
-            <a:camera prst="perspectiveRelaxed">
-              <a:rot lat="19800000" lon="1200000" rev="20820000"/>
-            </a:camera>
-            <a:lightRig rig="threePt" dir="t"/>
-          </a:scene3d>
-          <a:sp3d contourW="6350" prstMaterial="matte">
-            <a:bevelT w="101600" h="101600"/>
-            <a:contourClr>
-              <a:srgbClr val="969696"/>
-            </a:contourClr>
-          </a:sp3d>
-        </p:spPr>
-      </p:pic>
-    </p:spTree>
-    <p:extLst>
-      <p:ext uri="{BB962C8B-B14F-4D97-AF65-F5344CB8AC3E}">
-        <p14:creationId xmlns:p14="http://schemas.microsoft.com/office/powerpoint/2010/main" val="2476658005"/>
-      </p:ext>
-    </p:extLst>
-  </p:cSld>
-  <p:clrMapOvr>
-    <a:masterClrMapping/>
-  </p:clrMapOvr>
-  <mc:AlternateContent xmlns:mc="http://schemas.openxmlformats.org/markup-compatibility/2006" xmlns:p14="http://schemas.microsoft.com/office/powerpoint/2010/main">
-    <mc:Choice Requires="p14">
-      <p:transition spd="med" p14:dur="700">
-        <p:fade/>
-      </p:transition>
-    </mc:Choice>
-    <mc:Fallback xmlns="">
-      <p:transition spd="med">
-        <p:fade/>
-      </p:transition>
-    </mc:Fallback>
-  </mc:AlternateContent>
-</p:sld>
-</file>
-
-<file path=ppt/slides/slide8.xml><?xml version="1.0" encoding="utf-8"?>
-<p:sld xmlns:a="http://schemas.openxmlformats.org/drawingml/2006/main" xmlns:r="http://schemas.openxmlformats.org/officeDocument/2006/relationships" xmlns:p="http://schemas.openxmlformats.org/presentationml/2006/main">
-  <p:cSld>
-    <p:spTree>
-      <p:nvGrpSpPr>
-        <p:cNvPr id="1" name="">
-          <a:extLst>
-            <a:ext uri="{FF2B5EF4-FFF2-40B4-BE49-F238E27FC236}">
-              <a16:creationId xmlns:a16="http://schemas.microsoft.com/office/drawing/2014/main" id="{3A5D042B-D18C-A4CB-93B6-1D9505D805A4}"/>
-            </a:ext>
-          </a:extLst>
-        </p:cNvPr>
-        <p:cNvGrpSpPr/>
-        <p:nvPr/>
-      </p:nvGrpSpPr>
-      <p:grpSpPr>
-        <a:xfrm>
-          <a:off x="0" y="0"/>
-          <a:ext cx="0" cy="0"/>
-          <a:chOff x="0" y="0"/>
-          <a:chExt cx="0" cy="0"/>
-        </a:xfrm>
-      </p:grpSpPr>
-      <p:sp>
-        <p:nvSpPr>
-          <p:cNvPr id="13" name="Title 12">
-            <a:extLst>
-              <a:ext uri="{FF2B5EF4-FFF2-40B4-BE49-F238E27FC236}">
-                <a16:creationId xmlns:a16="http://schemas.microsoft.com/office/drawing/2014/main" id="{C8158982-5F04-4475-81AE-BA02A002B42C}"/>
-              </a:ext>
-            </a:extLst>
-          </p:cNvPr>
-          <p:cNvSpPr>
-            <a:spLocks noGrp="1"/>
-          </p:cNvSpPr>
-          <p:nvPr>
-            <p:ph type="title"/>
-          </p:nvPr>
-        </p:nvSpPr>
-        <p:spPr/>
-        <p:txBody>
-          <a:bodyPr>
-            <a:normAutofit/>
-          </a:bodyPr>
-          <a:lstStyle/>
-          <a:p>
-            <a:r>
-              <a:rPr lang="en-US" sz="4800" dirty="0"/>
-              <a:t>Getting Started: Containers</a:t>
-            </a:r>
-          </a:p>
-        </p:txBody>
-      </p:sp>
-      <p:pic>
-        <p:nvPicPr>
-          <p:cNvPr id="3" name="Picture 2">
-            <a:extLst>
-              <a:ext uri="{FF2B5EF4-FFF2-40B4-BE49-F238E27FC236}">
-                <a16:creationId xmlns:a16="http://schemas.microsoft.com/office/drawing/2014/main" id="{84001F2B-DE73-1D2A-B0B5-8A5B0EE57BD7}"/>
-              </a:ext>
-            </a:extLst>
-          </p:cNvPr>
-          <p:cNvPicPr>
-            <a:picLocks noChangeAspect="1"/>
-          </p:cNvPicPr>
-          <p:nvPr/>
-        </p:nvPicPr>
-        <p:blipFill>
-          <a:blip r:embed="rId2"/>
-          <a:stretch>
-            <a:fillRect/>
-          </a:stretch>
-        </p:blipFill>
-        <p:spPr>
-          <a:xfrm>
-            <a:off x="0" y="5664740"/>
-            <a:ext cx="1206819" cy="1193260"/>
-          </a:xfrm>
-          <a:prstGeom prst="rect">
-            <a:avLst/>
-          </a:prstGeom>
-          <a:ln>
-            <a:noFill/>
-          </a:ln>
-          <a:effectLst>
-            <a:outerShdw blurRad="292100" dist="139700" dir="2700000" algn="tl" rotWithShape="0">
-              <a:srgbClr val="333333">
-                <a:alpha val="65000"/>
-              </a:srgbClr>
-            </a:outerShdw>
-          </a:effectLst>
-        </p:spPr>
-      </p:pic>
-      <p:sp>
-        <p:nvSpPr>
-          <p:cNvPr id="4" name="Title 1">
-            <a:extLst>
-              <a:ext uri="{FF2B5EF4-FFF2-40B4-BE49-F238E27FC236}">
-                <a16:creationId xmlns:a16="http://schemas.microsoft.com/office/drawing/2014/main" id="{68CDF687-BF53-2547-7FF8-C5F48DCBBD93}"/>
-              </a:ext>
-            </a:extLst>
-          </p:cNvPr>
-          <p:cNvSpPr txBox="1">
-            <a:spLocks/>
-          </p:cNvSpPr>
-          <p:nvPr/>
-        </p:nvSpPr>
-        <p:spPr>
-          <a:xfrm>
-            <a:off x="0" y="1"/>
-            <a:ext cx="1674812" cy="1066800"/>
-          </a:xfrm>
-          <a:prstGeom prst="rect">
-            <a:avLst/>
-          </a:prstGeom>
-        </p:spPr>
-        <p:txBody>
-          <a:bodyPr vert="horz" lIns="91440" tIns="45720" rIns="91440" bIns="45720" rtlCol="0" anchor="ctr">
-            <a:normAutofit/>
-          </a:bodyPr>
-          <a:lstStyle>
-            <a:lvl1pPr algn="l" defTabSz="914400" rtl="0" eaLnBrk="1" latinLnBrk="0" hangingPunct="1">
-              <a:lnSpc>
-                <a:spcPct val="80000"/>
-              </a:lnSpc>
-              <a:spcBef>
-                <a:spcPct val="0"/>
-              </a:spcBef>
-              <a:buNone/>
-              <a:defRPr sz="5400" b="1" kern="1200">
-                <a:solidFill>
-                  <a:schemeClr val="accent1">
-                    <a:lumMod val="75000"/>
-                  </a:schemeClr>
-                </a:solidFill>
-                <a:latin typeface="+mj-lt"/>
-                <a:ea typeface="+mj-ea"/>
-                <a:cs typeface="+mj-cs"/>
-              </a:defRPr>
-            </a:lvl1pPr>
-          </a:lstStyle>
-          <a:p>
-            <a:pPr algn="ctr"/>
-            <a:r>
-              <a:rPr lang="en-US" sz="6600" dirty="0"/>
-              <a:t>008</a:t>
-            </a:r>
-          </a:p>
-        </p:txBody>
-      </p:sp>
-      <p:pic>
-        <p:nvPicPr>
-          <p:cNvPr id="7" name="Content Placeholder 6">
-            <a:extLst>
-              <a:ext uri="{FF2B5EF4-FFF2-40B4-BE49-F238E27FC236}">
-                <a16:creationId xmlns:a16="http://schemas.microsoft.com/office/drawing/2014/main" id="{67DE809E-C59E-1BCF-8134-379A9F69208F}"/>
-              </a:ext>
-            </a:extLst>
-          </p:cNvPr>
-          <p:cNvPicPr>
-            <a:picLocks noGrp="1" noChangeAspect="1"/>
-          </p:cNvPicPr>
-          <p:nvPr>
-            <p:ph idx="1"/>
-          </p:nvPr>
-        </p:nvPicPr>
-        <p:blipFill>
-          <a:blip r:embed="rId3"/>
-          <a:stretch>
-            <a:fillRect/>
-          </a:stretch>
-        </p:blipFill>
-        <p:spPr>
-          <a:xfrm>
-            <a:off x="1214445" y="1828800"/>
-            <a:ext cx="8845881" cy="4419600"/>
-          </a:xfrm>
-          <a:prstGeom prst="rect">
-            <a:avLst/>
-          </a:prstGeom>
-          <a:ln>
-            <a:noFill/>
-          </a:ln>
-          <a:effectLst>
-            <a:outerShdw blurRad="292100" dist="139700" dir="2700000" algn="tl" rotWithShape="0">
-              <a:srgbClr val="333333">
-                <a:alpha val="65000"/>
-              </a:srgbClr>
-            </a:outerShdw>
-          </a:effectLst>
-        </p:spPr>
-      </p:pic>
-    </p:spTree>
-    <p:extLst>
-      <p:ext uri="{BB962C8B-B14F-4D97-AF65-F5344CB8AC3E}">
-        <p14:creationId xmlns:p14="http://schemas.microsoft.com/office/powerpoint/2010/main" val="3591403836"/>
-      </p:ext>
-    </p:extLst>
-  </p:cSld>
-  <p:clrMapOvr>
-    <a:masterClrMapping/>
-  </p:clrMapOvr>
-  <mc:AlternateContent xmlns:mc="http://schemas.openxmlformats.org/markup-compatibility/2006" xmlns:p14="http://schemas.microsoft.com/office/powerpoint/2010/main">
-    <mc:Choice Requires="p14">
-      <p:transition spd="med" p14:dur="700">
-        <p:fade/>
-      </p:transition>
-    </mc:Choice>
-    <mc:Fallback xmlns="">
-      <p:transition spd="med">
-        <p:fade/>
-      </p:transition>
-    </mc:Fallback>
-  </mc:AlternateContent>
-</p:sld>
-</file>
-
-<file path=ppt/slides/slide9.xml><?xml version="1.0" encoding="utf-8"?>
+<file path=ppt/slides/slide10.xml><?xml version="1.0" encoding="utf-8"?>
 <p:sld xmlns:a="http://schemas.openxmlformats.org/drawingml/2006/main" xmlns:r="http://schemas.openxmlformats.org/officeDocument/2006/relationships" xmlns:p="http://schemas.openxmlformats.org/presentationml/2006/main">
   <p:cSld>
     <p:spTree>
@@ -6182,6 +4450,1982 @@
     <p:extLst>
       <p:ext uri="{BB962C8B-B14F-4D97-AF65-F5344CB8AC3E}">
         <p14:creationId xmlns:p14="http://schemas.microsoft.com/office/powerpoint/2010/main" val="2315678800"/>
+      </p:ext>
+    </p:extLst>
+  </p:cSld>
+  <p:clrMapOvr>
+    <a:masterClrMapping/>
+  </p:clrMapOvr>
+  <mc:AlternateContent xmlns:mc="http://schemas.openxmlformats.org/markup-compatibility/2006" xmlns:p14="http://schemas.microsoft.com/office/powerpoint/2010/main">
+    <mc:Choice Requires="p14">
+      <p:transition spd="med" p14:dur="700">
+        <p:fade/>
+      </p:transition>
+    </mc:Choice>
+    <mc:Fallback xmlns="">
+      <p:transition spd="med">
+        <p:fade/>
+      </p:transition>
+    </mc:Fallback>
+  </mc:AlternateContent>
+</p:sld>
+</file>
+
+<file path=ppt/slides/slide2.xml><?xml version="1.0" encoding="utf-8"?>
+<p:sld xmlns:a="http://schemas.openxmlformats.org/drawingml/2006/main" xmlns:r="http://schemas.openxmlformats.org/officeDocument/2006/relationships" xmlns:p="http://schemas.openxmlformats.org/presentationml/2006/main">
+  <p:cSld>
+    <p:spTree>
+      <p:nvGrpSpPr>
+        <p:cNvPr id="1" name=""/>
+        <p:cNvGrpSpPr/>
+        <p:nvPr/>
+      </p:nvGrpSpPr>
+      <p:grpSpPr>
+        <a:xfrm>
+          <a:off x="0" y="0"/>
+          <a:ext cx="0" cy="0"/>
+          <a:chOff x="0" y="0"/>
+          <a:chExt cx="0" cy="0"/>
+        </a:xfrm>
+      </p:grpSpPr>
+      <p:sp>
+        <p:nvSpPr>
+          <p:cNvPr id="13" name="Title 12"/>
+          <p:cNvSpPr>
+            <a:spLocks noGrp="1"/>
+          </p:cNvSpPr>
+          <p:nvPr>
+            <p:ph type="title"/>
+          </p:nvPr>
+        </p:nvSpPr>
+        <p:spPr/>
+        <p:txBody>
+          <a:bodyPr>
+            <a:normAutofit/>
+          </a:bodyPr>
+          <a:lstStyle/>
+          <a:p>
+            <a:r>
+              <a:rPr lang="en-US" sz="4800" dirty="0"/>
+              <a:t>D2 Introduction</a:t>
+            </a:r>
+          </a:p>
+        </p:txBody>
+      </p:sp>
+      <p:pic>
+        <p:nvPicPr>
+          <p:cNvPr id="3" name="Picture 2">
+            <a:extLst>
+              <a:ext uri="{FF2B5EF4-FFF2-40B4-BE49-F238E27FC236}">
+                <a16:creationId xmlns:a16="http://schemas.microsoft.com/office/drawing/2014/main" id="{C3C6D4B4-A3A4-D7C2-8F1F-8453BAD4F58B}"/>
+              </a:ext>
+            </a:extLst>
+          </p:cNvPr>
+          <p:cNvPicPr>
+            <a:picLocks noChangeAspect="1"/>
+          </p:cNvPicPr>
+          <p:nvPr/>
+        </p:nvPicPr>
+        <p:blipFill>
+          <a:blip r:embed="rId2"/>
+          <a:stretch>
+            <a:fillRect/>
+          </a:stretch>
+        </p:blipFill>
+        <p:spPr>
+          <a:xfrm>
+            <a:off x="0" y="5664740"/>
+            <a:ext cx="1206819" cy="1193260"/>
+          </a:xfrm>
+          <a:prstGeom prst="rect">
+            <a:avLst/>
+          </a:prstGeom>
+          <a:ln>
+            <a:noFill/>
+          </a:ln>
+          <a:effectLst>
+            <a:outerShdw blurRad="292100" dist="139700" dir="2700000" algn="tl" rotWithShape="0">
+              <a:srgbClr val="333333">
+                <a:alpha val="65000"/>
+              </a:srgbClr>
+            </a:outerShdw>
+          </a:effectLst>
+        </p:spPr>
+      </p:pic>
+      <p:sp>
+        <p:nvSpPr>
+          <p:cNvPr id="4" name="Title 1">
+            <a:extLst>
+              <a:ext uri="{FF2B5EF4-FFF2-40B4-BE49-F238E27FC236}">
+                <a16:creationId xmlns:a16="http://schemas.microsoft.com/office/drawing/2014/main" id="{4FC4018B-8742-AF41-46E6-74A888E3EFA6}"/>
+              </a:ext>
+            </a:extLst>
+          </p:cNvPr>
+          <p:cNvSpPr txBox="1">
+            <a:spLocks/>
+          </p:cNvSpPr>
+          <p:nvPr/>
+        </p:nvSpPr>
+        <p:spPr>
+          <a:xfrm>
+            <a:off x="0" y="1"/>
+            <a:ext cx="1674812" cy="1066800"/>
+          </a:xfrm>
+          <a:prstGeom prst="rect">
+            <a:avLst/>
+          </a:prstGeom>
+        </p:spPr>
+        <p:txBody>
+          <a:bodyPr vert="horz" lIns="91440" tIns="45720" rIns="91440" bIns="45720" rtlCol="0" anchor="ctr">
+            <a:normAutofit/>
+          </a:bodyPr>
+          <a:lstStyle>
+            <a:lvl1pPr algn="l" defTabSz="914400" rtl="0" eaLnBrk="1" latinLnBrk="0" hangingPunct="1">
+              <a:lnSpc>
+                <a:spcPct val="80000"/>
+              </a:lnSpc>
+              <a:spcBef>
+                <a:spcPct val="0"/>
+              </a:spcBef>
+              <a:buNone/>
+              <a:defRPr sz="5400" b="1" kern="1200">
+                <a:solidFill>
+                  <a:schemeClr val="accent1">
+                    <a:lumMod val="75000"/>
+                  </a:schemeClr>
+                </a:solidFill>
+                <a:latin typeface="+mj-lt"/>
+                <a:ea typeface="+mj-ea"/>
+                <a:cs typeface="+mj-cs"/>
+              </a:defRPr>
+            </a:lvl1pPr>
+          </a:lstStyle>
+          <a:p>
+            <a:pPr algn="ctr"/>
+            <a:r>
+              <a:rPr lang="en-US" sz="6600" dirty="0"/>
+              <a:t>002</a:t>
+            </a:r>
+          </a:p>
+        </p:txBody>
+      </p:sp>
+      <p:pic>
+        <p:nvPicPr>
+          <p:cNvPr id="8" name="Content Placeholder 7">
+            <a:extLst>
+              <a:ext uri="{FF2B5EF4-FFF2-40B4-BE49-F238E27FC236}">
+                <a16:creationId xmlns:a16="http://schemas.microsoft.com/office/drawing/2014/main" id="{C7FAC0FE-74DC-4812-B1D4-E7D20532D065}"/>
+              </a:ext>
+            </a:extLst>
+          </p:cNvPr>
+          <p:cNvPicPr>
+            <a:picLocks noGrp="1" noChangeAspect="1"/>
+          </p:cNvPicPr>
+          <p:nvPr>
+            <p:ph idx="1"/>
+          </p:nvPr>
+        </p:nvPicPr>
+        <p:blipFill>
+          <a:blip r:embed="rId3">
+            <a:clrChange>
+              <a:clrFrom>
+                <a:srgbClr val="F5F5DC"/>
+              </a:clrFrom>
+              <a:clrTo>
+                <a:srgbClr val="F5F5DC">
+                  <a:alpha val="0"/>
+                </a:srgbClr>
+              </a:clrTo>
+            </a:clrChange>
+          </a:blip>
+          <a:stretch>
+            <a:fillRect/>
+          </a:stretch>
+        </p:blipFill>
+        <p:spPr>
+          <a:xfrm>
+            <a:off x="600200" y="990600"/>
+            <a:ext cx="9144000" cy="5545954"/>
+          </a:xfrm>
+        </p:spPr>
+      </p:pic>
+      <p:pic>
+        <p:nvPicPr>
+          <p:cNvPr id="10" name="Picture 9">
+            <a:extLst>
+              <a:ext uri="{FF2B5EF4-FFF2-40B4-BE49-F238E27FC236}">
+                <a16:creationId xmlns:a16="http://schemas.microsoft.com/office/drawing/2014/main" id="{CBD47E31-7F79-A291-22D5-357A285AEC34}"/>
+              </a:ext>
+            </a:extLst>
+          </p:cNvPr>
+          <p:cNvPicPr>
+            <a:picLocks noChangeAspect="1"/>
+          </p:cNvPicPr>
+          <p:nvPr/>
+        </p:nvPicPr>
+        <p:blipFill>
+          <a:blip r:embed="rId4"/>
+          <a:stretch>
+            <a:fillRect/>
+          </a:stretch>
+        </p:blipFill>
+        <p:spPr>
+          <a:xfrm>
+            <a:off x="9447212" y="2576208"/>
+            <a:ext cx="2010056" cy="4229912"/>
+          </a:xfrm>
+          <a:prstGeom prst="roundRect">
+            <a:avLst>
+              <a:gd name="adj" fmla="val 16667"/>
+            </a:avLst>
+          </a:prstGeom>
+          <a:ln>
+            <a:noFill/>
+          </a:ln>
+          <a:effectLst>
+            <a:outerShdw blurRad="152400" dist="12000" dir="900000" sy="98000" kx="110000" ky="200000" algn="tl" rotWithShape="0">
+              <a:srgbClr val="000000">
+                <a:alpha val="30000"/>
+              </a:srgbClr>
+            </a:outerShdw>
+          </a:effectLst>
+          <a:scene3d>
+            <a:camera prst="perspectiveRelaxed">
+              <a:rot lat="19800000" lon="1200000" rev="20820000"/>
+            </a:camera>
+            <a:lightRig rig="threePt" dir="t"/>
+          </a:scene3d>
+          <a:sp3d contourW="6350" prstMaterial="matte">
+            <a:bevelT w="101600" h="101600"/>
+            <a:contourClr>
+              <a:srgbClr val="969696"/>
+            </a:contourClr>
+          </a:sp3d>
+        </p:spPr>
+      </p:pic>
+    </p:spTree>
+    <p:extLst>
+      <p:ext uri="{BB962C8B-B14F-4D97-AF65-F5344CB8AC3E}">
+        <p14:creationId xmlns:p14="http://schemas.microsoft.com/office/powerpoint/2010/main" val="1437231395"/>
+      </p:ext>
+    </p:extLst>
+  </p:cSld>
+  <p:clrMapOvr>
+    <a:masterClrMapping/>
+  </p:clrMapOvr>
+  <mc:AlternateContent xmlns:mc="http://schemas.openxmlformats.org/markup-compatibility/2006" xmlns:p14="http://schemas.microsoft.com/office/powerpoint/2010/main">
+    <mc:Choice Requires="p14">
+      <p:transition spd="med" p14:dur="700">
+        <p:fade/>
+      </p:transition>
+    </mc:Choice>
+    <mc:Fallback xmlns="">
+      <p:transition spd="med">
+        <p:fade/>
+      </p:transition>
+    </mc:Fallback>
+  </mc:AlternateContent>
+</p:sld>
+</file>
+
+<file path=ppt/slides/slide3.xml><?xml version="1.0" encoding="utf-8"?>
+<p:sld xmlns:a="http://schemas.openxmlformats.org/drawingml/2006/main" xmlns:r="http://schemas.openxmlformats.org/officeDocument/2006/relationships" xmlns:p="http://schemas.openxmlformats.org/presentationml/2006/main">
+  <p:cSld>
+    <p:spTree>
+      <p:nvGrpSpPr>
+        <p:cNvPr id="1" name="">
+          <a:extLst>
+            <a:ext uri="{FF2B5EF4-FFF2-40B4-BE49-F238E27FC236}">
+              <a16:creationId xmlns:a16="http://schemas.microsoft.com/office/drawing/2014/main" id="{8F1A024F-A5F8-AA6B-2FCF-E8E1EA803327}"/>
+            </a:ext>
+          </a:extLst>
+        </p:cNvPr>
+        <p:cNvGrpSpPr/>
+        <p:nvPr/>
+      </p:nvGrpSpPr>
+      <p:grpSpPr>
+        <a:xfrm>
+          <a:off x="0" y="0"/>
+          <a:ext cx="0" cy="0"/>
+          <a:chOff x="0" y="0"/>
+          <a:chExt cx="0" cy="0"/>
+        </a:xfrm>
+      </p:grpSpPr>
+      <p:sp>
+        <p:nvSpPr>
+          <p:cNvPr id="13" name="Title 12">
+            <a:extLst>
+              <a:ext uri="{FF2B5EF4-FFF2-40B4-BE49-F238E27FC236}">
+                <a16:creationId xmlns:a16="http://schemas.microsoft.com/office/drawing/2014/main" id="{C9E6657E-118A-C800-BBFB-56880D5A6425}"/>
+              </a:ext>
+            </a:extLst>
+          </p:cNvPr>
+          <p:cNvSpPr>
+            <a:spLocks noGrp="1"/>
+          </p:cNvSpPr>
+          <p:nvPr>
+            <p:ph type="title"/>
+          </p:nvPr>
+        </p:nvSpPr>
+        <p:spPr/>
+        <p:txBody>
+          <a:bodyPr/>
+          <a:lstStyle/>
+          <a:p>
+            <a:r>
+              <a:rPr lang="en-US" dirty="0"/>
+              <a:t>Get D2 and Make it Work</a:t>
+            </a:r>
+          </a:p>
+        </p:txBody>
+      </p:sp>
+      <p:pic>
+        <p:nvPicPr>
+          <p:cNvPr id="3" name="Picture 2">
+            <a:extLst>
+              <a:ext uri="{FF2B5EF4-FFF2-40B4-BE49-F238E27FC236}">
+                <a16:creationId xmlns:a16="http://schemas.microsoft.com/office/drawing/2014/main" id="{14A55EEC-DDB4-7B09-55C9-E75F2E7E4EA1}"/>
+              </a:ext>
+            </a:extLst>
+          </p:cNvPr>
+          <p:cNvPicPr>
+            <a:picLocks noChangeAspect="1"/>
+          </p:cNvPicPr>
+          <p:nvPr/>
+        </p:nvPicPr>
+        <p:blipFill>
+          <a:blip r:embed="rId2"/>
+          <a:stretch>
+            <a:fillRect/>
+          </a:stretch>
+        </p:blipFill>
+        <p:spPr>
+          <a:xfrm>
+            <a:off x="0" y="5664740"/>
+            <a:ext cx="1206819" cy="1193260"/>
+          </a:xfrm>
+          <a:prstGeom prst="rect">
+            <a:avLst/>
+          </a:prstGeom>
+          <a:ln>
+            <a:noFill/>
+          </a:ln>
+          <a:effectLst>
+            <a:outerShdw blurRad="292100" dist="139700" dir="2700000" algn="tl" rotWithShape="0">
+              <a:srgbClr val="333333">
+                <a:alpha val="65000"/>
+              </a:srgbClr>
+            </a:outerShdw>
+          </a:effectLst>
+        </p:spPr>
+      </p:pic>
+      <p:sp>
+        <p:nvSpPr>
+          <p:cNvPr id="4" name="Title 1">
+            <a:extLst>
+              <a:ext uri="{FF2B5EF4-FFF2-40B4-BE49-F238E27FC236}">
+                <a16:creationId xmlns:a16="http://schemas.microsoft.com/office/drawing/2014/main" id="{D02FDFEB-62DA-327C-D016-D2242D07B053}"/>
+              </a:ext>
+            </a:extLst>
+          </p:cNvPr>
+          <p:cNvSpPr txBox="1">
+            <a:spLocks/>
+          </p:cNvSpPr>
+          <p:nvPr/>
+        </p:nvSpPr>
+        <p:spPr>
+          <a:xfrm>
+            <a:off x="0" y="1"/>
+            <a:ext cx="1674812" cy="1066800"/>
+          </a:xfrm>
+          <a:prstGeom prst="rect">
+            <a:avLst/>
+          </a:prstGeom>
+        </p:spPr>
+        <p:txBody>
+          <a:bodyPr vert="horz" lIns="91440" tIns="45720" rIns="91440" bIns="45720" rtlCol="0" anchor="ctr">
+            <a:normAutofit/>
+          </a:bodyPr>
+          <a:lstStyle>
+            <a:lvl1pPr algn="l" defTabSz="914400" rtl="0" eaLnBrk="1" latinLnBrk="0" hangingPunct="1">
+              <a:lnSpc>
+                <a:spcPct val="80000"/>
+              </a:lnSpc>
+              <a:spcBef>
+                <a:spcPct val="0"/>
+              </a:spcBef>
+              <a:buNone/>
+              <a:defRPr sz="5400" b="1" kern="1200">
+                <a:solidFill>
+                  <a:schemeClr val="accent1">
+                    <a:lumMod val="75000"/>
+                  </a:schemeClr>
+                </a:solidFill>
+                <a:latin typeface="+mj-lt"/>
+                <a:ea typeface="+mj-ea"/>
+                <a:cs typeface="+mj-cs"/>
+              </a:defRPr>
+            </a:lvl1pPr>
+          </a:lstStyle>
+          <a:p>
+            <a:pPr algn="ctr"/>
+            <a:r>
+              <a:rPr lang="en-US" sz="6600" dirty="0"/>
+              <a:t>003</a:t>
+            </a:r>
+          </a:p>
+        </p:txBody>
+      </p:sp>
+      <p:pic>
+        <p:nvPicPr>
+          <p:cNvPr id="7" name="Content Placeholder 6">
+            <a:extLst>
+              <a:ext uri="{FF2B5EF4-FFF2-40B4-BE49-F238E27FC236}">
+                <a16:creationId xmlns:a16="http://schemas.microsoft.com/office/drawing/2014/main" id="{6B303225-E915-701D-0BA9-D92939331CD4}"/>
+              </a:ext>
+            </a:extLst>
+          </p:cNvPr>
+          <p:cNvPicPr>
+            <a:picLocks noGrp="1" noChangeAspect="1"/>
+          </p:cNvPicPr>
+          <p:nvPr>
+            <p:ph idx="1"/>
+          </p:nvPr>
+        </p:nvPicPr>
+        <p:blipFill>
+          <a:blip r:embed="rId3"/>
+          <a:stretch>
+            <a:fillRect/>
+          </a:stretch>
+        </p:blipFill>
+        <p:spPr>
+          <a:xfrm>
+            <a:off x="1065212" y="1596227"/>
+            <a:ext cx="9296399" cy="4369614"/>
+          </a:xfrm>
+          <a:prstGeom prst="rect">
+            <a:avLst/>
+          </a:prstGeom>
+          <a:ln>
+            <a:noFill/>
+          </a:ln>
+          <a:effectLst>
+            <a:outerShdw blurRad="292100" dist="139700" dir="2700000" algn="tl" rotWithShape="0">
+              <a:srgbClr val="333333">
+                <a:alpha val="65000"/>
+              </a:srgbClr>
+            </a:outerShdw>
+          </a:effectLst>
+        </p:spPr>
+      </p:pic>
+      <p:pic>
+        <p:nvPicPr>
+          <p:cNvPr id="11" name="Picture 10">
+            <a:extLst>
+              <a:ext uri="{FF2B5EF4-FFF2-40B4-BE49-F238E27FC236}">
+                <a16:creationId xmlns:a16="http://schemas.microsoft.com/office/drawing/2014/main" id="{D256EDB3-FFE7-83B1-C3AC-9D42F292CF72}"/>
+              </a:ext>
+            </a:extLst>
+          </p:cNvPr>
+          <p:cNvPicPr>
+            <a:picLocks noChangeAspect="1"/>
+          </p:cNvPicPr>
+          <p:nvPr/>
+        </p:nvPicPr>
+        <p:blipFill>
+          <a:blip r:embed="rId4"/>
+          <a:stretch>
+            <a:fillRect/>
+          </a:stretch>
+        </p:blipFill>
+        <p:spPr>
+          <a:xfrm>
+            <a:off x="9159706" y="2913867"/>
+            <a:ext cx="1201905" cy="3581400"/>
+          </a:xfrm>
+          <a:prstGeom prst="roundRect">
+            <a:avLst>
+              <a:gd name="adj" fmla="val 16667"/>
+            </a:avLst>
+          </a:prstGeom>
+          <a:ln>
+            <a:noFill/>
+          </a:ln>
+          <a:effectLst>
+            <a:outerShdw blurRad="152400" dist="12000" dir="900000" sy="98000" kx="110000" ky="200000" algn="tl" rotWithShape="0">
+              <a:srgbClr val="000000">
+                <a:alpha val="30000"/>
+              </a:srgbClr>
+            </a:outerShdw>
+          </a:effectLst>
+          <a:scene3d>
+            <a:camera prst="perspectiveRelaxed">
+              <a:rot lat="19800000" lon="1200000" rev="20820000"/>
+            </a:camera>
+            <a:lightRig rig="threePt" dir="t"/>
+          </a:scene3d>
+          <a:sp3d contourW="6350" prstMaterial="matte">
+            <a:bevelT w="101600" h="101600"/>
+            <a:contourClr>
+              <a:srgbClr val="969696"/>
+            </a:contourClr>
+          </a:sp3d>
+        </p:spPr>
+      </p:pic>
+    </p:spTree>
+    <p:extLst>
+      <p:ext uri="{BB962C8B-B14F-4D97-AF65-F5344CB8AC3E}">
+        <p14:creationId xmlns:p14="http://schemas.microsoft.com/office/powerpoint/2010/main" val="1414865922"/>
+      </p:ext>
+    </p:extLst>
+  </p:cSld>
+  <p:clrMapOvr>
+    <a:masterClrMapping/>
+  </p:clrMapOvr>
+  <mc:AlternateContent xmlns:mc="http://schemas.openxmlformats.org/markup-compatibility/2006" xmlns:p14="http://schemas.microsoft.com/office/powerpoint/2010/main">
+    <mc:Choice Requires="p14">
+      <p:transition spd="med" p14:dur="700">
+        <p:fade/>
+      </p:transition>
+    </mc:Choice>
+    <mc:Fallback xmlns="">
+      <p:transition spd="med">
+        <p:fade/>
+      </p:transition>
+    </mc:Fallback>
+  </mc:AlternateContent>
+</p:sld>
+</file>
+
+<file path=ppt/slides/slide4.xml><?xml version="1.0" encoding="utf-8"?>
+<p:sld xmlns:a="http://schemas.openxmlformats.org/drawingml/2006/main" xmlns:r="http://schemas.openxmlformats.org/officeDocument/2006/relationships" xmlns:p="http://schemas.openxmlformats.org/presentationml/2006/main">
+  <p:cSld>
+    <p:spTree>
+      <p:nvGrpSpPr>
+        <p:cNvPr id="1" name="">
+          <a:extLst>
+            <a:ext uri="{FF2B5EF4-FFF2-40B4-BE49-F238E27FC236}">
+              <a16:creationId xmlns:a16="http://schemas.microsoft.com/office/drawing/2014/main" id="{8940BD14-DBF0-5D31-B887-703B87AC3A65}"/>
+            </a:ext>
+          </a:extLst>
+        </p:cNvPr>
+        <p:cNvGrpSpPr/>
+        <p:nvPr/>
+      </p:nvGrpSpPr>
+      <p:grpSpPr>
+        <a:xfrm>
+          <a:off x="0" y="0"/>
+          <a:ext cx="0" cy="0"/>
+          <a:chOff x="0" y="0"/>
+          <a:chExt cx="0" cy="0"/>
+        </a:xfrm>
+      </p:grpSpPr>
+      <p:sp>
+        <p:nvSpPr>
+          <p:cNvPr id="13" name="Title 12">
+            <a:extLst>
+              <a:ext uri="{FF2B5EF4-FFF2-40B4-BE49-F238E27FC236}">
+                <a16:creationId xmlns:a16="http://schemas.microsoft.com/office/drawing/2014/main" id="{E95CE16B-665A-1966-6425-4DD0E3D7BF58}"/>
+              </a:ext>
+            </a:extLst>
+          </p:cNvPr>
+          <p:cNvSpPr>
+            <a:spLocks noGrp="1"/>
+          </p:cNvSpPr>
+          <p:nvPr>
+            <p:ph type="title"/>
+          </p:nvPr>
+        </p:nvSpPr>
+        <p:spPr/>
+        <p:txBody>
+          <a:bodyPr>
+            <a:normAutofit/>
+          </a:bodyPr>
+          <a:lstStyle/>
+          <a:p>
+            <a:r>
+              <a:rPr lang="en-US" sz="4800" dirty="0"/>
+              <a:t>Make your First D2 Diagram</a:t>
+            </a:r>
+          </a:p>
+        </p:txBody>
+      </p:sp>
+      <p:pic>
+        <p:nvPicPr>
+          <p:cNvPr id="3" name="Picture 2">
+            <a:extLst>
+              <a:ext uri="{FF2B5EF4-FFF2-40B4-BE49-F238E27FC236}">
+                <a16:creationId xmlns:a16="http://schemas.microsoft.com/office/drawing/2014/main" id="{DE152BA7-B51A-FCE7-4583-C914C0D0DA5C}"/>
+              </a:ext>
+            </a:extLst>
+          </p:cNvPr>
+          <p:cNvPicPr>
+            <a:picLocks noChangeAspect="1"/>
+          </p:cNvPicPr>
+          <p:nvPr/>
+        </p:nvPicPr>
+        <p:blipFill>
+          <a:blip r:embed="rId2"/>
+          <a:stretch>
+            <a:fillRect/>
+          </a:stretch>
+        </p:blipFill>
+        <p:spPr>
+          <a:xfrm>
+            <a:off x="0" y="5664740"/>
+            <a:ext cx="1206819" cy="1193260"/>
+          </a:xfrm>
+          <a:prstGeom prst="rect">
+            <a:avLst/>
+          </a:prstGeom>
+          <a:ln>
+            <a:noFill/>
+          </a:ln>
+          <a:effectLst>
+            <a:outerShdw blurRad="292100" dist="139700" dir="2700000" algn="tl" rotWithShape="0">
+              <a:srgbClr val="333333">
+                <a:alpha val="65000"/>
+              </a:srgbClr>
+            </a:outerShdw>
+          </a:effectLst>
+        </p:spPr>
+      </p:pic>
+      <p:sp>
+        <p:nvSpPr>
+          <p:cNvPr id="4" name="Title 1">
+            <a:extLst>
+              <a:ext uri="{FF2B5EF4-FFF2-40B4-BE49-F238E27FC236}">
+                <a16:creationId xmlns:a16="http://schemas.microsoft.com/office/drawing/2014/main" id="{BCED7FC5-515C-5974-DE14-7D65C38569B2}"/>
+              </a:ext>
+            </a:extLst>
+          </p:cNvPr>
+          <p:cNvSpPr txBox="1">
+            <a:spLocks/>
+          </p:cNvSpPr>
+          <p:nvPr/>
+        </p:nvSpPr>
+        <p:spPr>
+          <a:xfrm>
+            <a:off x="0" y="1"/>
+            <a:ext cx="1674812" cy="1066800"/>
+          </a:xfrm>
+          <a:prstGeom prst="rect">
+            <a:avLst/>
+          </a:prstGeom>
+        </p:spPr>
+        <p:txBody>
+          <a:bodyPr vert="horz" lIns="91440" tIns="45720" rIns="91440" bIns="45720" rtlCol="0" anchor="ctr">
+            <a:normAutofit/>
+          </a:bodyPr>
+          <a:lstStyle>
+            <a:lvl1pPr algn="l" defTabSz="914400" rtl="0" eaLnBrk="1" latinLnBrk="0" hangingPunct="1">
+              <a:lnSpc>
+                <a:spcPct val="80000"/>
+              </a:lnSpc>
+              <a:spcBef>
+                <a:spcPct val="0"/>
+              </a:spcBef>
+              <a:buNone/>
+              <a:defRPr sz="5400" b="1" kern="1200">
+                <a:solidFill>
+                  <a:schemeClr val="accent1">
+                    <a:lumMod val="75000"/>
+                  </a:schemeClr>
+                </a:solidFill>
+                <a:latin typeface="+mj-lt"/>
+                <a:ea typeface="+mj-ea"/>
+                <a:cs typeface="+mj-cs"/>
+              </a:defRPr>
+            </a:lvl1pPr>
+          </a:lstStyle>
+          <a:p>
+            <a:pPr algn="ctr"/>
+            <a:r>
+              <a:rPr lang="en-US" sz="6600" dirty="0"/>
+              <a:t>004</a:t>
+            </a:r>
+          </a:p>
+        </p:txBody>
+      </p:sp>
+      <p:pic>
+        <p:nvPicPr>
+          <p:cNvPr id="7" name="Content Placeholder 6">
+            <a:extLst>
+              <a:ext uri="{FF2B5EF4-FFF2-40B4-BE49-F238E27FC236}">
+                <a16:creationId xmlns:a16="http://schemas.microsoft.com/office/drawing/2014/main" id="{F6241548-1AA5-9556-E6D1-C1B124A48D44}"/>
+              </a:ext>
+            </a:extLst>
+          </p:cNvPr>
+          <p:cNvPicPr>
+            <a:picLocks noGrp="1" noChangeAspect="1"/>
+          </p:cNvPicPr>
+          <p:nvPr>
+            <p:ph idx="1"/>
+          </p:nvPr>
+        </p:nvPicPr>
+        <p:blipFill>
+          <a:blip r:embed="rId3"/>
+          <a:stretch>
+            <a:fillRect/>
+          </a:stretch>
+        </p:blipFill>
+        <p:spPr>
+          <a:xfrm>
+            <a:off x="1284657" y="1828800"/>
+            <a:ext cx="8247912" cy="4191000"/>
+          </a:xfrm>
+          <a:prstGeom prst="rect">
+            <a:avLst/>
+          </a:prstGeom>
+          <a:ln>
+            <a:noFill/>
+          </a:ln>
+          <a:effectLst>
+            <a:outerShdw blurRad="292100" dist="139700" dir="2700000" algn="tl" rotWithShape="0">
+              <a:srgbClr val="333333">
+                <a:alpha val="65000"/>
+              </a:srgbClr>
+            </a:outerShdw>
+          </a:effectLst>
+        </p:spPr>
+      </p:pic>
+      <p:pic>
+        <p:nvPicPr>
+          <p:cNvPr id="10" name="Picture 9">
+            <a:extLst>
+              <a:ext uri="{FF2B5EF4-FFF2-40B4-BE49-F238E27FC236}">
+                <a16:creationId xmlns:a16="http://schemas.microsoft.com/office/drawing/2014/main" id="{0B5C329A-0062-C81F-4C17-1A168BC3A8B5}"/>
+              </a:ext>
+            </a:extLst>
+          </p:cNvPr>
+          <p:cNvPicPr>
+            <a:picLocks noChangeAspect="1"/>
+          </p:cNvPicPr>
+          <p:nvPr/>
+        </p:nvPicPr>
+        <p:blipFill>
+          <a:blip r:embed="rId4"/>
+          <a:stretch>
+            <a:fillRect/>
+          </a:stretch>
+        </p:blipFill>
+        <p:spPr>
+          <a:xfrm>
+            <a:off x="9218612" y="2514600"/>
+            <a:ext cx="2010056" cy="4229912"/>
+          </a:xfrm>
+          <a:prstGeom prst="roundRect">
+            <a:avLst>
+              <a:gd name="adj" fmla="val 16667"/>
+            </a:avLst>
+          </a:prstGeom>
+          <a:ln>
+            <a:noFill/>
+          </a:ln>
+          <a:effectLst>
+            <a:outerShdw blurRad="152400" dist="12000" dir="900000" sy="98000" kx="110000" ky="200000" algn="tl" rotWithShape="0">
+              <a:srgbClr val="000000">
+                <a:alpha val="30000"/>
+              </a:srgbClr>
+            </a:outerShdw>
+          </a:effectLst>
+          <a:scene3d>
+            <a:camera prst="perspectiveRelaxed">
+              <a:rot lat="19800000" lon="1200000" rev="20820000"/>
+            </a:camera>
+            <a:lightRig rig="threePt" dir="t"/>
+          </a:scene3d>
+          <a:sp3d contourW="6350" prstMaterial="matte">
+            <a:bevelT w="101600" h="101600"/>
+            <a:contourClr>
+              <a:srgbClr val="969696"/>
+            </a:contourClr>
+          </a:sp3d>
+        </p:spPr>
+      </p:pic>
+    </p:spTree>
+    <p:extLst>
+      <p:ext uri="{BB962C8B-B14F-4D97-AF65-F5344CB8AC3E}">
+        <p14:creationId xmlns:p14="http://schemas.microsoft.com/office/powerpoint/2010/main" val="830415803"/>
+      </p:ext>
+    </p:extLst>
+  </p:cSld>
+  <p:clrMapOvr>
+    <a:masterClrMapping/>
+  </p:clrMapOvr>
+  <mc:AlternateContent xmlns:mc="http://schemas.openxmlformats.org/markup-compatibility/2006" xmlns:p14="http://schemas.microsoft.com/office/powerpoint/2010/main">
+    <mc:Choice Requires="p14">
+      <p:transition spd="med" p14:dur="700">
+        <p:fade/>
+      </p:transition>
+    </mc:Choice>
+    <mc:Fallback xmlns="">
+      <p:transition spd="med">
+        <p:fade/>
+      </p:transition>
+    </mc:Fallback>
+  </mc:AlternateContent>
+</p:sld>
+</file>
+
+<file path=ppt/slides/slide5.xml><?xml version="1.0" encoding="utf-8"?>
+<p:sld xmlns:a="http://schemas.openxmlformats.org/drawingml/2006/main" xmlns:r="http://schemas.openxmlformats.org/officeDocument/2006/relationships" xmlns:p="http://schemas.openxmlformats.org/presentationml/2006/main">
+  <p:cSld>
+    <p:spTree>
+      <p:nvGrpSpPr>
+        <p:cNvPr id="1" name="">
+          <a:extLst>
+            <a:ext uri="{FF2B5EF4-FFF2-40B4-BE49-F238E27FC236}">
+              <a16:creationId xmlns:a16="http://schemas.microsoft.com/office/drawing/2014/main" id="{6E10B572-24A5-67FB-CEAC-2FBDFC2F4A16}"/>
+            </a:ext>
+          </a:extLst>
+        </p:cNvPr>
+        <p:cNvGrpSpPr/>
+        <p:nvPr/>
+      </p:nvGrpSpPr>
+      <p:grpSpPr>
+        <a:xfrm>
+          <a:off x="0" y="0"/>
+          <a:ext cx="0" cy="0"/>
+          <a:chOff x="0" y="0"/>
+          <a:chExt cx="0" cy="0"/>
+        </a:xfrm>
+      </p:grpSpPr>
+      <p:sp>
+        <p:nvSpPr>
+          <p:cNvPr id="13" name="Title 12">
+            <a:extLst>
+              <a:ext uri="{FF2B5EF4-FFF2-40B4-BE49-F238E27FC236}">
+                <a16:creationId xmlns:a16="http://schemas.microsoft.com/office/drawing/2014/main" id="{F72A51F5-7CD0-E4AD-D1F4-4E1F8BC6DACE}"/>
+              </a:ext>
+            </a:extLst>
+          </p:cNvPr>
+          <p:cNvSpPr>
+            <a:spLocks noGrp="1"/>
+          </p:cNvSpPr>
+          <p:nvPr>
+            <p:ph type="title"/>
+          </p:nvPr>
+        </p:nvSpPr>
+        <p:spPr/>
+        <p:txBody>
+          <a:bodyPr>
+            <a:normAutofit/>
+          </a:bodyPr>
+          <a:lstStyle/>
+          <a:p>
+            <a:r>
+              <a:rPr lang="en-US" sz="4800" dirty="0"/>
+              <a:t>Getting Started: Shapes</a:t>
+            </a:r>
+          </a:p>
+        </p:txBody>
+      </p:sp>
+      <p:pic>
+        <p:nvPicPr>
+          <p:cNvPr id="3" name="Picture 2">
+            <a:extLst>
+              <a:ext uri="{FF2B5EF4-FFF2-40B4-BE49-F238E27FC236}">
+                <a16:creationId xmlns:a16="http://schemas.microsoft.com/office/drawing/2014/main" id="{CBAAF5C1-A6C4-3B79-C18B-179EFB2163BD}"/>
+              </a:ext>
+            </a:extLst>
+          </p:cNvPr>
+          <p:cNvPicPr>
+            <a:picLocks noChangeAspect="1"/>
+          </p:cNvPicPr>
+          <p:nvPr/>
+        </p:nvPicPr>
+        <p:blipFill>
+          <a:blip r:embed="rId2"/>
+          <a:stretch>
+            <a:fillRect/>
+          </a:stretch>
+        </p:blipFill>
+        <p:spPr>
+          <a:xfrm>
+            <a:off x="0" y="5664740"/>
+            <a:ext cx="1206819" cy="1193260"/>
+          </a:xfrm>
+          <a:prstGeom prst="rect">
+            <a:avLst/>
+          </a:prstGeom>
+          <a:ln>
+            <a:noFill/>
+          </a:ln>
+          <a:effectLst>
+            <a:outerShdw blurRad="292100" dist="139700" dir="2700000" algn="tl" rotWithShape="0">
+              <a:srgbClr val="333333">
+                <a:alpha val="65000"/>
+              </a:srgbClr>
+            </a:outerShdw>
+          </a:effectLst>
+        </p:spPr>
+      </p:pic>
+      <p:sp>
+        <p:nvSpPr>
+          <p:cNvPr id="4" name="Title 1">
+            <a:extLst>
+              <a:ext uri="{FF2B5EF4-FFF2-40B4-BE49-F238E27FC236}">
+                <a16:creationId xmlns:a16="http://schemas.microsoft.com/office/drawing/2014/main" id="{9E2FCACB-0EC7-1DBE-50DD-F533D453A368}"/>
+              </a:ext>
+            </a:extLst>
+          </p:cNvPr>
+          <p:cNvSpPr txBox="1">
+            <a:spLocks/>
+          </p:cNvSpPr>
+          <p:nvPr/>
+        </p:nvSpPr>
+        <p:spPr>
+          <a:xfrm>
+            <a:off x="0" y="1"/>
+            <a:ext cx="1674812" cy="1066800"/>
+          </a:xfrm>
+          <a:prstGeom prst="rect">
+            <a:avLst/>
+          </a:prstGeom>
+        </p:spPr>
+        <p:txBody>
+          <a:bodyPr vert="horz" lIns="91440" tIns="45720" rIns="91440" bIns="45720" rtlCol="0" anchor="ctr">
+            <a:normAutofit/>
+          </a:bodyPr>
+          <a:lstStyle>
+            <a:lvl1pPr algn="l" defTabSz="914400" rtl="0" eaLnBrk="1" latinLnBrk="0" hangingPunct="1">
+              <a:lnSpc>
+                <a:spcPct val="80000"/>
+              </a:lnSpc>
+              <a:spcBef>
+                <a:spcPct val="0"/>
+              </a:spcBef>
+              <a:buNone/>
+              <a:defRPr sz="5400" b="1" kern="1200">
+                <a:solidFill>
+                  <a:schemeClr val="accent1">
+                    <a:lumMod val="75000"/>
+                  </a:schemeClr>
+                </a:solidFill>
+                <a:latin typeface="+mj-lt"/>
+                <a:ea typeface="+mj-ea"/>
+                <a:cs typeface="+mj-cs"/>
+              </a:defRPr>
+            </a:lvl1pPr>
+          </a:lstStyle>
+          <a:p>
+            <a:pPr algn="ctr"/>
+            <a:r>
+              <a:rPr lang="en-US" sz="6600" dirty="0"/>
+              <a:t>005</a:t>
+            </a:r>
+          </a:p>
+        </p:txBody>
+      </p:sp>
+      <p:pic>
+        <p:nvPicPr>
+          <p:cNvPr id="8" name="Content Placeholder 7">
+            <a:extLst>
+              <a:ext uri="{FF2B5EF4-FFF2-40B4-BE49-F238E27FC236}">
+                <a16:creationId xmlns:a16="http://schemas.microsoft.com/office/drawing/2014/main" id="{3FD687FA-33C8-31F1-B155-3566E42ED7EC}"/>
+              </a:ext>
+            </a:extLst>
+          </p:cNvPr>
+          <p:cNvPicPr>
+            <a:picLocks noGrp="1" noChangeAspect="1"/>
+          </p:cNvPicPr>
+          <p:nvPr>
+            <p:ph idx="1"/>
+          </p:nvPr>
+        </p:nvPicPr>
+        <p:blipFill>
+          <a:blip r:embed="rId3"/>
+          <a:stretch>
+            <a:fillRect/>
+          </a:stretch>
+        </p:blipFill>
+        <p:spPr>
+          <a:xfrm>
+            <a:off x="1079323" y="1828800"/>
+            <a:ext cx="8658580" cy="4191000"/>
+          </a:xfrm>
+          <a:prstGeom prst="rect">
+            <a:avLst/>
+          </a:prstGeom>
+          <a:ln>
+            <a:noFill/>
+          </a:ln>
+          <a:effectLst>
+            <a:outerShdw blurRad="292100" dist="139700" dir="2700000" algn="tl" rotWithShape="0">
+              <a:srgbClr val="333333">
+                <a:alpha val="65000"/>
+              </a:srgbClr>
+            </a:outerShdw>
+          </a:effectLst>
+        </p:spPr>
+      </p:pic>
+    </p:spTree>
+    <p:extLst>
+      <p:ext uri="{BB962C8B-B14F-4D97-AF65-F5344CB8AC3E}">
+        <p14:creationId xmlns:p14="http://schemas.microsoft.com/office/powerpoint/2010/main" val="2183127475"/>
+      </p:ext>
+    </p:extLst>
+  </p:cSld>
+  <p:clrMapOvr>
+    <a:masterClrMapping/>
+  </p:clrMapOvr>
+  <mc:AlternateContent xmlns:mc="http://schemas.openxmlformats.org/markup-compatibility/2006" xmlns:p14="http://schemas.microsoft.com/office/powerpoint/2010/main">
+    <mc:Choice Requires="p14">
+      <p:transition spd="med" p14:dur="700">
+        <p:fade/>
+      </p:transition>
+    </mc:Choice>
+    <mc:Fallback xmlns="">
+      <p:transition spd="med">
+        <p:fade/>
+      </p:transition>
+    </mc:Fallback>
+  </mc:AlternateContent>
+</p:sld>
+</file>
+
+<file path=ppt/slides/slide6.xml><?xml version="1.0" encoding="utf-8"?>
+<p:sld xmlns:a="http://schemas.openxmlformats.org/drawingml/2006/main" xmlns:r="http://schemas.openxmlformats.org/officeDocument/2006/relationships" xmlns:p="http://schemas.openxmlformats.org/presentationml/2006/main">
+  <p:cSld>
+    <p:spTree>
+      <p:nvGrpSpPr>
+        <p:cNvPr id="1" name="">
+          <a:extLst>
+            <a:ext uri="{FF2B5EF4-FFF2-40B4-BE49-F238E27FC236}">
+              <a16:creationId xmlns:a16="http://schemas.microsoft.com/office/drawing/2014/main" id="{098B3005-B25A-19D8-44CD-A97B9771E24F}"/>
+            </a:ext>
+          </a:extLst>
+        </p:cNvPr>
+        <p:cNvGrpSpPr/>
+        <p:nvPr/>
+      </p:nvGrpSpPr>
+      <p:grpSpPr>
+        <a:xfrm>
+          <a:off x="0" y="0"/>
+          <a:ext cx="0" cy="0"/>
+          <a:chOff x="0" y="0"/>
+          <a:chExt cx="0" cy="0"/>
+        </a:xfrm>
+      </p:grpSpPr>
+      <p:sp>
+        <p:nvSpPr>
+          <p:cNvPr id="13" name="Title 12">
+            <a:extLst>
+              <a:ext uri="{FF2B5EF4-FFF2-40B4-BE49-F238E27FC236}">
+                <a16:creationId xmlns:a16="http://schemas.microsoft.com/office/drawing/2014/main" id="{10DD87F6-4439-F286-C4EA-942ACA24133C}"/>
+              </a:ext>
+            </a:extLst>
+          </p:cNvPr>
+          <p:cNvSpPr>
+            <a:spLocks noGrp="1"/>
+          </p:cNvSpPr>
+          <p:nvPr>
+            <p:ph type="title"/>
+          </p:nvPr>
+        </p:nvSpPr>
+        <p:spPr/>
+        <p:txBody>
+          <a:bodyPr>
+            <a:normAutofit/>
+          </a:bodyPr>
+          <a:lstStyle/>
+          <a:p>
+            <a:r>
+              <a:rPr lang="en-US" sz="4800" dirty="0"/>
+              <a:t>Getting Started: Connections - 1</a:t>
+            </a:r>
+          </a:p>
+        </p:txBody>
+      </p:sp>
+      <p:pic>
+        <p:nvPicPr>
+          <p:cNvPr id="3" name="Picture 2">
+            <a:extLst>
+              <a:ext uri="{FF2B5EF4-FFF2-40B4-BE49-F238E27FC236}">
+                <a16:creationId xmlns:a16="http://schemas.microsoft.com/office/drawing/2014/main" id="{04184234-DDB2-3A34-FD15-633D449CE896}"/>
+              </a:ext>
+            </a:extLst>
+          </p:cNvPr>
+          <p:cNvPicPr>
+            <a:picLocks noChangeAspect="1"/>
+          </p:cNvPicPr>
+          <p:nvPr/>
+        </p:nvPicPr>
+        <p:blipFill>
+          <a:blip r:embed="rId2"/>
+          <a:stretch>
+            <a:fillRect/>
+          </a:stretch>
+        </p:blipFill>
+        <p:spPr>
+          <a:xfrm>
+            <a:off x="0" y="5664740"/>
+            <a:ext cx="1206819" cy="1193260"/>
+          </a:xfrm>
+          <a:prstGeom prst="rect">
+            <a:avLst/>
+          </a:prstGeom>
+          <a:ln>
+            <a:noFill/>
+          </a:ln>
+          <a:effectLst>
+            <a:outerShdw blurRad="292100" dist="139700" dir="2700000" algn="tl" rotWithShape="0">
+              <a:srgbClr val="333333">
+                <a:alpha val="65000"/>
+              </a:srgbClr>
+            </a:outerShdw>
+          </a:effectLst>
+        </p:spPr>
+      </p:pic>
+      <p:sp>
+        <p:nvSpPr>
+          <p:cNvPr id="4" name="Title 1">
+            <a:extLst>
+              <a:ext uri="{FF2B5EF4-FFF2-40B4-BE49-F238E27FC236}">
+                <a16:creationId xmlns:a16="http://schemas.microsoft.com/office/drawing/2014/main" id="{CE69637E-C18D-E8F6-65D4-1156C1D7A784}"/>
+              </a:ext>
+            </a:extLst>
+          </p:cNvPr>
+          <p:cNvSpPr txBox="1">
+            <a:spLocks/>
+          </p:cNvSpPr>
+          <p:nvPr/>
+        </p:nvSpPr>
+        <p:spPr>
+          <a:xfrm>
+            <a:off x="0" y="1"/>
+            <a:ext cx="1674812" cy="1066800"/>
+          </a:xfrm>
+          <a:prstGeom prst="rect">
+            <a:avLst/>
+          </a:prstGeom>
+        </p:spPr>
+        <p:txBody>
+          <a:bodyPr vert="horz" lIns="91440" tIns="45720" rIns="91440" bIns="45720" rtlCol="0" anchor="ctr">
+            <a:normAutofit/>
+          </a:bodyPr>
+          <a:lstStyle>
+            <a:lvl1pPr algn="l" defTabSz="914400" rtl="0" eaLnBrk="1" latinLnBrk="0" hangingPunct="1">
+              <a:lnSpc>
+                <a:spcPct val="80000"/>
+              </a:lnSpc>
+              <a:spcBef>
+                <a:spcPct val="0"/>
+              </a:spcBef>
+              <a:buNone/>
+              <a:defRPr sz="5400" b="1" kern="1200">
+                <a:solidFill>
+                  <a:schemeClr val="accent1">
+                    <a:lumMod val="75000"/>
+                  </a:schemeClr>
+                </a:solidFill>
+                <a:latin typeface="+mj-lt"/>
+                <a:ea typeface="+mj-ea"/>
+                <a:cs typeface="+mj-cs"/>
+              </a:defRPr>
+            </a:lvl1pPr>
+          </a:lstStyle>
+          <a:p>
+            <a:pPr algn="ctr"/>
+            <a:r>
+              <a:rPr lang="en-US" sz="6600" dirty="0"/>
+              <a:t>006</a:t>
+            </a:r>
+          </a:p>
+        </p:txBody>
+      </p:sp>
+      <p:pic>
+        <p:nvPicPr>
+          <p:cNvPr id="7" name="Content Placeholder 6">
+            <a:extLst>
+              <a:ext uri="{FF2B5EF4-FFF2-40B4-BE49-F238E27FC236}">
+                <a16:creationId xmlns:a16="http://schemas.microsoft.com/office/drawing/2014/main" id="{40A6B56A-D3F1-F201-E7D3-B18650DC7F30}"/>
+              </a:ext>
+            </a:extLst>
+          </p:cNvPr>
+          <p:cNvPicPr>
+            <a:picLocks noGrp="1" noChangeAspect="1"/>
+          </p:cNvPicPr>
+          <p:nvPr>
+            <p:ph idx="1"/>
+          </p:nvPr>
+        </p:nvPicPr>
+        <p:blipFill>
+          <a:blip r:embed="rId3"/>
+          <a:stretch>
+            <a:fillRect/>
+          </a:stretch>
+        </p:blipFill>
+        <p:spPr>
+          <a:xfrm>
+            <a:off x="1206819" y="1757245"/>
+            <a:ext cx="9236951" cy="4518265"/>
+          </a:xfrm>
+          <a:prstGeom prst="rect">
+            <a:avLst/>
+          </a:prstGeom>
+          <a:ln>
+            <a:noFill/>
+          </a:ln>
+          <a:effectLst>
+            <a:outerShdw blurRad="292100" dist="139700" dir="2700000" algn="tl" rotWithShape="0">
+              <a:srgbClr val="333333">
+                <a:alpha val="65000"/>
+              </a:srgbClr>
+            </a:outerShdw>
+          </a:effectLst>
+        </p:spPr>
+      </p:pic>
+      <p:pic>
+        <p:nvPicPr>
+          <p:cNvPr id="10" name="Picture 9">
+            <a:extLst>
+              <a:ext uri="{FF2B5EF4-FFF2-40B4-BE49-F238E27FC236}">
+                <a16:creationId xmlns:a16="http://schemas.microsoft.com/office/drawing/2014/main" id="{82D402D8-7643-DA96-585B-7D84EDBDBC76}"/>
+              </a:ext>
+            </a:extLst>
+          </p:cNvPr>
+          <p:cNvPicPr>
+            <a:picLocks noChangeAspect="1"/>
+          </p:cNvPicPr>
+          <p:nvPr/>
+        </p:nvPicPr>
+        <p:blipFill>
+          <a:blip r:embed="rId4"/>
+          <a:stretch>
+            <a:fillRect/>
+          </a:stretch>
+        </p:blipFill>
+        <p:spPr>
+          <a:xfrm>
+            <a:off x="6475412" y="4728012"/>
+            <a:ext cx="5408613" cy="1520789"/>
+          </a:xfrm>
+          <a:prstGeom prst="rect">
+            <a:avLst/>
+          </a:prstGeom>
+          <a:ln>
+            <a:noFill/>
+          </a:ln>
+          <a:effectLst>
+            <a:outerShdw blurRad="292100" dist="139700" dir="2700000" algn="tl" rotWithShape="0">
+              <a:srgbClr val="333333">
+                <a:alpha val="65000"/>
+              </a:srgbClr>
+            </a:outerShdw>
+          </a:effectLst>
+        </p:spPr>
+      </p:pic>
+    </p:spTree>
+    <p:extLst>
+      <p:ext uri="{BB962C8B-B14F-4D97-AF65-F5344CB8AC3E}">
+        <p14:creationId xmlns:p14="http://schemas.microsoft.com/office/powerpoint/2010/main" val="1842311122"/>
+      </p:ext>
+    </p:extLst>
+  </p:cSld>
+  <p:clrMapOvr>
+    <a:masterClrMapping/>
+  </p:clrMapOvr>
+  <mc:AlternateContent xmlns:mc="http://schemas.openxmlformats.org/markup-compatibility/2006" xmlns:p14="http://schemas.microsoft.com/office/powerpoint/2010/main">
+    <mc:Choice Requires="p14">
+      <p:transition spd="med" p14:dur="700">
+        <p:fade/>
+      </p:transition>
+    </mc:Choice>
+    <mc:Fallback xmlns="">
+      <p:transition spd="med">
+        <p:fade/>
+      </p:transition>
+    </mc:Fallback>
+  </mc:AlternateContent>
+</p:sld>
+</file>
+
+<file path=ppt/slides/slide7.xml><?xml version="1.0" encoding="utf-8"?>
+<p:sld xmlns:a="http://schemas.openxmlformats.org/drawingml/2006/main" xmlns:r="http://schemas.openxmlformats.org/officeDocument/2006/relationships" xmlns:p="http://schemas.openxmlformats.org/presentationml/2006/main">
+  <p:cSld>
+    <p:spTree>
+      <p:nvGrpSpPr>
+        <p:cNvPr id="1" name="">
+          <a:extLst>
+            <a:ext uri="{FF2B5EF4-FFF2-40B4-BE49-F238E27FC236}">
+              <a16:creationId xmlns:a16="http://schemas.microsoft.com/office/drawing/2014/main" id="{576A2F8B-B651-FD7B-8D7D-20D24FC0F679}"/>
+            </a:ext>
+          </a:extLst>
+        </p:cNvPr>
+        <p:cNvGrpSpPr/>
+        <p:nvPr/>
+      </p:nvGrpSpPr>
+      <p:grpSpPr>
+        <a:xfrm>
+          <a:off x="0" y="0"/>
+          <a:ext cx="0" cy="0"/>
+          <a:chOff x="0" y="0"/>
+          <a:chExt cx="0" cy="0"/>
+        </a:xfrm>
+      </p:grpSpPr>
+      <p:sp>
+        <p:nvSpPr>
+          <p:cNvPr id="13" name="Title 12">
+            <a:extLst>
+              <a:ext uri="{FF2B5EF4-FFF2-40B4-BE49-F238E27FC236}">
+                <a16:creationId xmlns:a16="http://schemas.microsoft.com/office/drawing/2014/main" id="{C812EB6B-4162-6D7F-B38E-79B53DF0C828}"/>
+              </a:ext>
+            </a:extLst>
+          </p:cNvPr>
+          <p:cNvSpPr>
+            <a:spLocks noGrp="1"/>
+          </p:cNvSpPr>
+          <p:nvPr>
+            <p:ph type="title"/>
+          </p:nvPr>
+        </p:nvSpPr>
+        <p:spPr/>
+        <p:txBody>
+          <a:bodyPr>
+            <a:normAutofit/>
+          </a:bodyPr>
+          <a:lstStyle/>
+          <a:p>
+            <a:r>
+              <a:rPr lang="en-US" sz="4800" dirty="0"/>
+              <a:t>Getting Started: Connections - 2</a:t>
+            </a:r>
+          </a:p>
+        </p:txBody>
+      </p:sp>
+      <p:pic>
+        <p:nvPicPr>
+          <p:cNvPr id="3" name="Picture 2">
+            <a:extLst>
+              <a:ext uri="{FF2B5EF4-FFF2-40B4-BE49-F238E27FC236}">
+                <a16:creationId xmlns:a16="http://schemas.microsoft.com/office/drawing/2014/main" id="{CC4DFBF0-A179-1440-61AD-4170DEF2FF5A}"/>
+              </a:ext>
+            </a:extLst>
+          </p:cNvPr>
+          <p:cNvPicPr>
+            <a:picLocks noChangeAspect="1"/>
+          </p:cNvPicPr>
+          <p:nvPr/>
+        </p:nvPicPr>
+        <p:blipFill>
+          <a:blip r:embed="rId2"/>
+          <a:stretch>
+            <a:fillRect/>
+          </a:stretch>
+        </p:blipFill>
+        <p:spPr>
+          <a:xfrm>
+            <a:off x="0" y="5664740"/>
+            <a:ext cx="1206819" cy="1193260"/>
+          </a:xfrm>
+          <a:prstGeom prst="rect">
+            <a:avLst/>
+          </a:prstGeom>
+          <a:ln>
+            <a:noFill/>
+          </a:ln>
+          <a:effectLst>
+            <a:outerShdw blurRad="292100" dist="139700" dir="2700000" algn="tl" rotWithShape="0">
+              <a:srgbClr val="333333">
+                <a:alpha val="65000"/>
+              </a:srgbClr>
+            </a:outerShdw>
+          </a:effectLst>
+        </p:spPr>
+      </p:pic>
+      <p:sp>
+        <p:nvSpPr>
+          <p:cNvPr id="4" name="Title 1">
+            <a:extLst>
+              <a:ext uri="{FF2B5EF4-FFF2-40B4-BE49-F238E27FC236}">
+                <a16:creationId xmlns:a16="http://schemas.microsoft.com/office/drawing/2014/main" id="{5E65EAF8-D70A-2A64-FFB7-0011AB2B16E8}"/>
+              </a:ext>
+            </a:extLst>
+          </p:cNvPr>
+          <p:cNvSpPr txBox="1">
+            <a:spLocks/>
+          </p:cNvSpPr>
+          <p:nvPr/>
+        </p:nvSpPr>
+        <p:spPr>
+          <a:xfrm>
+            <a:off x="0" y="1"/>
+            <a:ext cx="1674812" cy="1066800"/>
+          </a:xfrm>
+          <a:prstGeom prst="rect">
+            <a:avLst/>
+          </a:prstGeom>
+        </p:spPr>
+        <p:txBody>
+          <a:bodyPr vert="horz" lIns="91440" tIns="45720" rIns="91440" bIns="45720" rtlCol="0" anchor="ctr">
+            <a:normAutofit/>
+          </a:bodyPr>
+          <a:lstStyle>
+            <a:lvl1pPr algn="l" defTabSz="914400" rtl="0" eaLnBrk="1" latinLnBrk="0" hangingPunct="1">
+              <a:lnSpc>
+                <a:spcPct val="80000"/>
+              </a:lnSpc>
+              <a:spcBef>
+                <a:spcPct val="0"/>
+              </a:spcBef>
+              <a:buNone/>
+              <a:defRPr sz="5400" b="1" kern="1200">
+                <a:solidFill>
+                  <a:schemeClr val="accent1">
+                    <a:lumMod val="75000"/>
+                  </a:schemeClr>
+                </a:solidFill>
+                <a:latin typeface="+mj-lt"/>
+                <a:ea typeface="+mj-ea"/>
+                <a:cs typeface="+mj-cs"/>
+              </a:defRPr>
+            </a:lvl1pPr>
+          </a:lstStyle>
+          <a:p>
+            <a:pPr algn="ctr"/>
+            <a:r>
+              <a:rPr lang="en-US" sz="6600" dirty="0"/>
+              <a:t>007</a:t>
+            </a:r>
+          </a:p>
+        </p:txBody>
+      </p:sp>
+      <p:pic>
+        <p:nvPicPr>
+          <p:cNvPr id="7" name="Content Placeholder 6">
+            <a:extLst>
+              <a:ext uri="{FF2B5EF4-FFF2-40B4-BE49-F238E27FC236}">
+                <a16:creationId xmlns:a16="http://schemas.microsoft.com/office/drawing/2014/main" id="{5164C479-C365-018B-AFDC-8FE4AFBC04B9}"/>
+              </a:ext>
+            </a:extLst>
+          </p:cNvPr>
+          <p:cNvPicPr>
+            <a:picLocks noGrp="1" noChangeAspect="1"/>
+          </p:cNvPicPr>
+          <p:nvPr>
+            <p:ph idx="1"/>
+          </p:nvPr>
+        </p:nvPicPr>
+        <p:blipFill>
+          <a:blip r:embed="rId3"/>
+          <a:stretch>
+            <a:fillRect/>
+          </a:stretch>
+        </p:blipFill>
+        <p:spPr>
+          <a:xfrm>
+            <a:off x="1124660" y="1828799"/>
+            <a:ext cx="9236951" cy="4518265"/>
+          </a:xfrm>
+          <a:prstGeom prst="rect">
+            <a:avLst/>
+          </a:prstGeom>
+          <a:ln>
+            <a:noFill/>
+          </a:ln>
+          <a:effectLst>
+            <a:outerShdw blurRad="292100" dist="139700" dir="2700000" algn="tl" rotWithShape="0">
+              <a:srgbClr val="333333">
+                <a:alpha val="65000"/>
+              </a:srgbClr>
+            </a:outerShdw>
+          </a:effectLst>
+        </p:spPr>
+      </p:pic>
+      <p:pic>
+        <p:nvPicPr>
+          <p:cNvPr id="5" name="Picture 4">
+            <a:extLst>
+              <a:ext uri="{FF2B5EF4-FFF2-40B4-BE49-F238E27FC236}">
+                <a16:creationId xmlns:a16="http://schemas.microsoft.com/office/drawing/2014/main" id="{60ECC054-0D5F-5EDC-7547-BACFF96B2B11}"/>
+              </a:ext>
+            </a:extLst>
+          </p:cNvPr>
+          <p:cNvPicPr>
+            <a:picLocks noChangeAspect="1"/>
+          </p:cNvPicPr>
+          <p:nvPr/>
+        </p:nvPicPr>
+        <p:blipFill>
+          <a:blip r:embed="rId4"/>
+          <a:stretch>
+            <a:fillRect/>
+          </a:stretch>
+        </p:blipFill>
+        <p:spPr>
+          <a:xfrm>
+            <a:off x="8075612" y="2513831"/>
+            <a:ext cx="3627022" cy="3124200"/>
+          </a:xfrm>
+          <a:prstGeom prst="roundRect">
+            <a:avLst>
+              <a:gd name="adj" fmla="val 16667"/>
+            </a:avLst>
+          </a:prstGeom>
+          <a:ln>
+            <a:noFill/>
+          </a:ln>
+          <a:effectLst>
+            <a:outerShdw blurRad="152400" dist="12000" dir="900000" sy="98000" kx="110000" ky="200000" algn="tl" rotWithShape="0">
+              <a:srgbClr val="000000">
+                <a:alpha val="30000"/>
+              </a:srgbClr>
+            </a:outerShdw>
+          </a:effectLst>
+          <a:scene3d>
+            <a:camera prst="perspectiveRelaxed">
+              <a:rot lat="19800000" lon="1200000" rev="20820000"/>
+            </a:camera>
+            <a:lightRig rig="threePt" dir="t"/>
+          </a:scene3d>
+          <a:sp3d contourW="6350" prstMaterial="matte">
+            <a:bevelT w="101600" h="101600"/>
+            <a:contourClr>
+              <a:srgbClr val="969696"/>
+            </a:contourClr>
+          </a:sp3d>
+        </p:spPr>
+      </p:pic>
+    </p:spTree>
+    <p:extLst>
+      <p:ext uri="{BB962C8B-B14F-4D97-AF65-F5344CB8AC3E}">
+        <p14:creationId xmlns:p14="http://schemas.microsoft.com/office/powerpoint/2010/main" val="2476658005"/>
+      </p:ext>
+    </p:extLst>
+  </p:cSld>
+  <p:clrMapOvr>
+    <a:masterClrMapping/>
+  </p:clrMapOvr>
+  <mc:AlternateContent xmlns:mc="http://schemas.openxmlformats.org/markup-compatibility/2006" xmlns:p14="http://schemas.microsoft.com/office/powerpoint/2010/main">
+    <mc:Choice Requires="p14">
+      <p:transition spd="med" p14:dur="700">
+        <p:fade/>
+      </p:transition>
+    </mc:Choice>
+    <mc:Fallback xmlns="">
+      <p:transition spd="med">
+        <p:fade/>
+      </p:transition>
+    </mc:Fallback>
+  </mc:AlternateContent>
+</p:sld>
+</file>
+
+<file path=ppt/slides/slide8.xml><?xml version="1.0" encoding="utf-8"?>
+<p:sld xmlns:a="http://schemas.openxmlformats.org/drawingml/2006/main" xmlns:r="http://schemas.openxmlformats.org/officeDocument/2006/relationships" xmlns:p="http://schemas.openxmlformats.org/presentationml/2006/main">
+  <p:cSld>
+    <p:spTree>
+      <p:nvGrpSpPr>
+        <p:cNvPr id="1" name="">
+          <a:extLst>
+            <a:ext uri="{FF2B5EF4-FFF2-40B4-BE49-F238E27FC236}">
+              <a16:creationId xmlns:a16="http://schemas.microsoft.com/office/drawing/2014/main" id="{3A5D042B-D18C-A4CB-93B6-1D9505D805A4}"/>
+            </a:ext>
+          </a:extLst>
+        </p:cNvPr>
+        <p:cNvGrpSpPr/>
+        <p:nvPr/>
+      </p:nvGrpSpPr>
+      <p:grpSpPr>
+        <a:xfrm>
+          <a:off x="0" y="0"/>
+          <a:ext cx="0" cy="0"/>
+          <a:chOff x="0" y="0"/>
+          <a:chExt cx="0" cy="0"/>
+        </a:xfrm>
+      </p:grpSpPr>
+      <p:sp>
+        <p:nvSpPr>
+          <p:cNvPr id="13" name="Title 12">
+            <a:extLst>
+              <a:ext uri="{FF2B5EF4-FFF2-40B4-BE49-F238E27FC236}">
+                <a16:creationId xmlns:a16="http://schemas.microsoft.com/office/drawing/2014/main" id="{C8158982-5F04-4475-81AE-BA02A002B42C}"/>
+              </a:ext>
+            </a:extLst>
+          </p:cNvPr>
+          <p:cNvSpPr>
+            <a:spLocks noGrp="1"/>
+          </p:cNvSpPr>
+          <p:nvPr>
+            <p:ph type="title"/>
+          </p:nvPr>
+        </p:nvSpPr>
+        <p:spPr/>
+        <p:txBody>
+          <a:bodyPr>
+            <a:normAutofit/>
+          </a:bodyPr>
+          <a:lstStyle/>
+          <a:p>
+            <a:r>
+              <a:rPr lang="en-US" sz="4800" dirty="0"/>
+              <a:t>Getting Started: Containers - 1</a:t>
+            </a:r>
+          </a:p>
+        </p:txBody>
+      </p:sp>
+      <p:pic>
+        <p:nvPicPr>
+          <p:cNvPr id="3" name="Picture 2">
+            <a:extLst>
+              <a:ext uri="{FF2B5EF4-FFF2-40B4-BE49-F238E27FC236}">
+                <a16:creationId xmlns:a16="http://schemas.microsoft.com/office/drawing/2014/main" id="{84001F2B-DE73-1D2A-B0B5-8A5B0EE57BD7}"/>
+              </a:ext>
+            </a:extLst>
+          </p:cNvPr>
+          <p:cNvPicPr>
+            <a:picLocks noChangeAspect="1"/>
+          </p:cNvPicPr>
+          <p:nvPr/>
+        </p:nvPicPr>
+        <p:blipFill>
+          <a:blip r:embed="rId2"/>
+          <a:stretch>
+            <a:fillRect/>
+          </a:stretch>
+        </p:blipFill>
+        <p:spPr>
+          <a:xfrm>
+            <a:off x="0" y="5664740"/>
+            <a:ext cx="1206819" cy="1193260"/>
+          </a:xfrm>
+          <a:prstGeom prst="rect">
+            <a:avLst/>
+          </a:prstGeom>
+          <a:ln>
+            <a:noFill/>
+          </a:ln>
+          <a:effectLst>
+            <a:outerShdw blurRad="292100" dist="139700" dir="2700000" algn="tl" rotWithShape="0">
+              <a:srgbClr val="333333">
+                <a:alpha val="65000"/>
+              </a:srgbClr>
+            </a:outerShdw>
+          </a:effectLst>
+        </p:spPr>
+      </p:pic>
+      <p:sp>
+        <p:nvSpPr>
+          <p:cNvPr id="4" name="Title 1">
+            <a:extLst>
+              <a:ext uri="{FF2B5EF4-FFF2-40B4-BE49-F238E27FC236}">
+                <a16:creationId xmlns:a16="http://schemas.microsoft.com/office/drawing/2014/main" id="{68CDF687-BF53-2547-7FF8-C5F48DCBBD93}"/>
+              </a:ext>
+            </a:extLst>
+          </p:cNvPr>
+          <p:cNvSpPr txBox="1">
+            <a:spLocks/>
+          </p:cNvSpPr>
+          <p:nvPr/>
+        </p:nvSpPr>
+        <p:spPr>
+          <a:xfrm>
+            <a:off x="0" y="1"/>
+            <a:ext cx="1674812" cy="1066800"/>
+          </a:xfrm>
+          <a:prstGeom prst="rect">
+            <a:avLst/>
+          </a:prstGeom>
+        </p:spPr>
+        <p:txBody>
+          <a:bodyPr vert="horz" lIns="91440" tIns="45720" rIns="91440" bIns="45720" rtlCol="0" anchor="ctr">
+            <a:normAutofit/>
+          </a:bodyPr>
+          <a:lstStyle>
+            <a:lvl1pPr algn="l" defTabSz="914400" rtl="0" eaLnBrk="1" latinLnBrk="0" hangingPunct="1">
+              <a:lnSpc>
+                <a:spcPct val="80000"/>
+              </a:lnSpc>
+              <a:spcBef>
+                <a:spcPct val="0"/>
+              </a:spcBef>
+              <a:buNone/>
+              <a:defRPr sz="5400" b="1" kern="1200">
+                <a:solidFill>
+                  <a:schemeClr val="accent1">
+                    <a:lumMod val="75000"/>
+                  </a:schemeClr>
+                </a:solidFill>
+                <a:latin typeface="+mj-lt"/>
+                <a:ea typeface="+mj-ea"/>
+                <a:cs typeface="+mj-cs"/>
+              </a:defRPr>
+            </a:lvl1pPr>
+          </a:lstStyle>
+          <a:p>
+            <a:pPr algn="ctr"/>
+            <a:r>
+              <a:rPr lang="en-US" sz="6600" dirty="0"/>
+              <a:t>008</a:t>
+            </a:r>
+          </a:p>
+        </p:txBody>
+      </p:sp>
+      <p:pic>
+        <p:nvPicPr>
+          <p:cNvPr id="12" name="Content Placeholder 11">
+            <a:extLst>
+              <a:ext uri="{FF2B5EF4-FFF2-40B4-BE49-F238E27FC236}">
+                <a16:creationId xmlns:a16="http://schemas.microsoft.com/office/drawing/2014/main" id="{5EE62970-FBD8-7DA8-8E36-974247CE946C}"/>
+              </a:ext>
+            </a:extLst>
+          </p:cNvPr>
+          <p:cNvPicPr>
+            <a:picLocks noGrp="1" noChangeAspect="1"/>
+          </p:cNvPicPr>
+          <p:nvPr>
+            <p:ph idx="1"/>
+          </p:nvPr>
+        </p:nvPicPr>
+        <p:blipFill>
+          <a:blip r:embed="rId3"/>
+          <a:stretch>
+            <a:fillRect/>
+          </a:stretch>
+        </p:blipFill>
+        <p:spPr>
+          <a:xfrm>
+            <a:off x="1206819" y="1604479"/>
+            <a:ext cx="8545194" cy="5002858"/>
+          </a:xfrm>
+          <a:prstGeom prst="rect">
+            <a:avLst/>
+          </a:prstGeom>
+          <a:ln>
+            <a:noFill/>
+          </a:ln>
+          <a:effectLst>
+            <a:outerShdw blurRad="292100" dist="139700" dir="2700000" algn="tl" rotWithShape="0">
+              <a:srgbClr val="333333">
+                <a:alpha val="65000"/>
+              </a:srgbClr>
+            </a:outerShdw>
+          </a:effectLst>
+        </p:spPr>
+      </p:pic>
+    </p:spTree>
+    <p:extLst>
+      <p:ext uri="{BB962C8B-B14F-4D97-AF65-F5344CB8AC3E}">
+        <p14:creationId xmlns:p14="http://schemas.microsoft.com/office/powerpoint/2010/main" val="3591403836"/>
+      </p:ext>
+    </p:extLst>
+  </p:cSld>
+  <p:clrMapOvr>
+    <a:masterClrMapping/>
+  </p:clrMapOvr>
+  <mc:AlternateContent xmlns:mc="http://schemas.openxmlformats.org/markup-compatibility/2006" xmlns:p14="http://schemas.microsoft.com/office/powerpoint/2010/main">
+    <mc:Choice Requires="p14">
+      <p:transition spd="med" p14:dur="700">
+        <p:fade/>
+      </p:transition>
+    </mc:Choice>
+    <mc:Fallback xmlns="">
+      <p:transition spd="med">
+        <p:fade/>
+      </p:transition>
+    </mc:Fallback>
+  </mc:AlternateContent>
+</p:sld>
+</file>
+
+<file path=ppt/slides/slide9.xml><?xml version="1.0" encoding="utf-8"?>
+<p:sld xmlns:a="http://schemas.openxmlformats.org/drawingml/2006/main" xmlns:r="http://schemas.openxmlformats.org/officeDocument/2006/relationships" xmlns:p="http://schemas.openxmlformats.org/presentationml/2006/main">
+  <p:cSld>
+    <p:spTree>
+      <p:nvGrpSpPr>
+        <p:cNvPr id="1" name="">
+          <a:extLst>
+            <a:ext uri="{FF2B5EF4-FFF2-40B4-BE49-F238E27FC236}">
+              <a16:creationId xmlns:a16="http://schemas.microsoft.com/office/drawing/2014/main" id="{752EA360-B041-8C73-3EB3-797FE94065D3}"/>
+            </a:ext>
+          </a:extLst>
+        </p:cNvPr>
+        <p:cNvGrpSpPr/>
+        <p:nvPr/>
+      </p:nvGrpSpPr>
+      <p:grpSpPr>
+        <a:xfrm>
+          <a:off x="0" y="0"/>
+          <a:ext cx="0" cy="0"/>
+          <a:chOff x="0" y="0"/>
+          <a:chExt cx="0" cy="0"/>
+        </a:xfrm>
+      </p:grpSpPr>
+      <p:sp>
+        <p:nvSpPr>
+          <p:cNvPr id="13" name="Title 12">
+            <a:extLst>
+              <a:ext uri="{FF2B5EF4-FFF2-40B4-BE49-F238E27FC236}">
+                <a16:creationId xmlns:a16="http://schemas.microsoft.com/office/drawing/2014/main" id="{767A4F13-1A8A-69D6-2849-C6686DBDCF27}"/>
+              </a:ext>
+            </a:extLst>
+          </p:cNvPr>
+          <p:cNvSpPr>
+            <a:spLocks noGrp="1"/>
+          </p:cNvSpPr>
+          <p:nvPr>
+            <p:ph type="title"/>
+          </p:nvPr>
+        </p:nvSpPr>
+        <p:spPr/>
+        <p:txBody>
+          <a:bodyPr>
+            <a:normAutofit/>
+          </a:bodyPr>
+          <a:lstStyle/>
+          <a:p>
+            <a:r>
+              <a:rPr lang="en-US" sz="4800" dirty="0"/>
+              <a:t>Getting Started: Containers - 2</a:t>
+            </a:r>
+          </a:p>
+        </p:txBody>
+      </p:sp>
+      <p:pic>
+        <p:nvPicPr>
+          <p:cNvPr id="3" name="Picture 2">
+            <a:extLst>
+              <a:ext uri="{FF2B5EF4-FFF2-40B4-BE49-F238E27FC236}">
+                <a16:creationId xmlns:a16="http://schemas.microsoft.com/office/drawing/2014/main" id="{98CD48A9-DFED-F97E-1697-1D12B6F5C7BA}"/>
+              </a:ext>
+            </a:extLst>
+          </p:cNvPr>
+          <p:cNvPicPr>
+            <a:picLocks noChangeAspect="1"/>
+          </p:cNvPicPr>
+          <p:nvPr/>
+        </p:nvPicPr>
+        <p:blipFill>
+          <a:blip r:embed="rId2"/>
+          <a:stretch>
+            <a:fillRect/>
+          </a:stretch>
+        </p:blipFill>
+        <p:spPr>
+          <a:xfrm>
+            <a:off x="0" y="5664740"/>
+            <a:ext cx="1206819" cy="1193260"/>
+          </a:xfrm>
+          <a:prstGeom prst="rect">
+            <a:avLst/>
+          </a:prstGeom>
+          <a:ln>
+            <a:noFill/>
+          </a:ln>
+          <a:effectLst>
+            <a:outerShdw blurRad="292100" dist="139700" dir="2700000" algn="tl" rotWithShape="0">
+              <a:srgbClr val="333333">
+                <a:alpha val="65000"/>
+              </a:srgbClr>
+            </a:outerShdw>
+          </a:effectLst>
+        </p:spPr>
+      </p:pic>
+      <p:sp>
+        <p:nvSpPr>
+          <p:cNvPr id="4" name="Title 1">
+            <a:extLst>
+              <a:ext uri="{FF2B5EF4-FFF2-40B4-BE49-F238E27FC236}">
+                <a16:creationId xmlns:a16="http://schemas.microsoft.com/office/drawing/2014/main" id="{338D3B16-E878-2A69-27FF-F0CD972B4BCC}"/>
+              </a:ext>
+            </a:extLst>
+          </p:cNvPr>
+          <p:cNvSpPr txBox="1">
+            <a:spLocks/>
+          </p:cNvSpPr>
+          <p:nvPr/>
+        </p:nvSpPr>
+        <p:spPr>
+          <a:xfrm>
+            <a:off x="0" y="1"/>
+            <a:ext cx="1674812" cy="1066800"/>
+          </a:xfrm>
+          <a:prstGeom prst="rect">
+            <a:avLst/>
+          </a:prstGeom>
+        </p:spPr>
+        <p:txBody>
+          <a:bodyPr vert="horz" lIns="91440" tIns="45720" rIns="91440" bIns="45720" rtlCol="0" anchor="ctr">
+            <a:normAutofit/>
+          </a:bodyPr>
+          <a:lstStyle>
+            <a:lvl1pPr algn="l" defTabSz="914400" rtl="0" eaLnBrk="1" latinLnBrk="0" hangingPunct="1">
+              <a:lnSpc>
+                <a:spcPct val="80000"/>
+              </a:lnSpc>
+              <a:spcBef>
+                <a:spcPct val="0"/>
+              </a:spcBef>
+              <a:buNone/>
+              <a:defRPr sz="5400" b="1" kern="1200">
+                <a:solidFill>
+                  <a:schemeClr val="accent1">
+                    <a:lumMod val="75000"/>
+                  </a:schemeClr>
+                </a:solidFill>
+                <a:latin typeface="+mj-lt"/>
+                <a:ea typeface="+mj-ea"/>
+                <a:cs typeface="+mj-cs"/>
+              </a:defRPr>
+            </a:lvl1pPr>
+          </a:lstStyle>
+          <a:p>
+            <a:pPr algn="ctr"/>
+            <a:r>
+              <a:rPr lang="en-US" sz="6600" dirty="0"/>
+              <a:t>009</a:t>
+            </a:r>
+          </a:p>
+        </p:txBody>
+      </p:sp>
+      <p:pic>
+        <p:nvPicPr>
+          <p:cNvPr id="7" name="Content Placeholder 6">
+            <a:extLst>
+              <a:ext uri="{FF2B5EF4-FFF2-40B4-BE49-F238E27FC236}">
+                <a16:creationId xmlns:a16="http://schemas.microsoft.com/office/drawing/2014/main" id="{71AB8D3B-D0B4-D4E4-0668-3F8FA4B62FFE}"/>
+              </a:ext>
+            </a:extLst>
+          </p:cNvPr>
+          <p:cNvPicPr>
+            <a:picLocks noGrp="1" noChangeAspect="1"/>
+          </p:cNvPicPr>
+          <p:nvPr>
+            <p:ph idx="1"/>
+          </p:nvPr>
+        </p:nvPicPr>
+        <p:blipFill>
+          <a:blip r:embed="rId3"/>
+          <a:stretch>
+            <a:fillRect/>
+          </a:stretch>
+        </p:blipFill>
+        <p:spPr>
+          <a:xfrm>
+            <a:off x="1370012" y="1630980"/>
+            <a:ext cx="8382001" cy="4946375"/>
+          </a:xfrm>
+          <a:prstGeom prst="rect">
+            <a:avLst/>
+          </a:prstGeom>
+          <a:ln>
+            <a:noFill/>
+          </a:ln>
+          <a:effectLst>
+            <a:outerShdw blurRad="292100" dist="139700" dir="2700000" algn="tl" rotWithShape="0">
+              <a:srgbClr val="333333">
+                <a:alpha val="65000"/>
+              </a:srgbClr>
+            </a:outerShdw>
+          </a:effectLst>
+        </p:spPr>
+      </p:pic>
+    </p:spTree>
+    <p:extLst>
+      <p:ext uri="{BB962C8B-B14F-4D97-AF65-F5344CB8AC3E}">
+        <p14:creationId xmlns:p14="http://schemas.microsoft.com/office/powerpoint/2010/main" val="3314031204"/>
       </p:ext>
     </p:extLst>
   </p:cSld>

--- a/d2_tutorial.pptx
+++ b/d2_tutorial.pptx
@@ -5,10 +5,10 @@
     <p:sldMasterId id="2147483648" r:id="rId4"/>
   </p:sldMasterIdLst>
   <p:notesMasterIdLst>
-    <p:notesMasterId r:id="rId15"/>
+    <p:notesMasterId r:id="rId19"/>
   </p:notesMasterIdLst>
   <p:handoutMasterIdLst>
-    <p:handoutMasterId r:id="rId16"/>
+    <p:handoutMasterId r:id="rId20"/>
   </p:handoutMasterIdLst>
   <p:sldIdLst>
     <p:sldId id="256" r:id="rId5"/>
@@ -20,7 +20,11 @@
     <p:sldId id="272" r:id="rId11"/>
     <p:sldId id="271" r:id="rId12"/>
     <p:sldId id="273" r:id="rId13"/>
-    <p:sldId id="266" r:id="rId14"/>
+    <p:sldId id="274" r:id="rId14"/>
+    <p:sldId id="275" r:id="rId15"/>
+    <p:sldId id="276" r:id="rId16"/>
+    <p:sldId id="277" r:id="rId17"/>
+    <p:sldId id="266" r:id="rId18"/>
   </p:sldIdLst>
   <p:sldSz cx="12188825" cy="6858000"/>
   <p:notesSz cx="6858000" cy="9144000"/>
@@ -141,6 +145,10 @@
         </p14:section>
         <p14:section name="03 Special Objects" id="{904D7B9D-F8FB-49F6-A0DA-830993B5A48B}">
           <p14:sldIdLst>
+            <p14:sldId id="274"/>
+            <p14:sldId id="275"/>
+            <p14:sldId id="276"/>
+            <p14:sldId id="277"/>
             <p14:sldId id="266"/>
           </p14:sldIdLst>
         </p14:section>
@@ -249,7 +257,7 @@
           <a:p>
             <a:fld id="{24CE221E-83ED-4F6C-BA5F-3F9E6FDB6953}" type="datetimeFigureOut">
               <a:rPr lang="en-US"/>
-              <a:t>3/6/2025</a:t>
+              <a:t>3/7/2025</a:t>
             </a:fld>
             <a:endParaRPr dirty="0"/>
           </a:p>
@@ -414,7 +422,7 @@
           <a:p>
             <a:fld id="{97853E5F-CE67-483C-A264-F17AC70E9CA2}" type="datetimeFigureOut">
               <a:rPr lang="en-US"/>
-              <a:t>3/6/2025</a:t>
+              <a:t>3/7/2025</a:t>
             </a:fld>
             <a:endParaRPr dirty="0"/>
           </a:p>
@@ -906,7 +914,7 @@
           <a:p>
             <a:fld id="{3E0FA9E5-6744-4841-888F-9E7CC0C2B7EC}" type="datetimeFigureOut">
               <a:rPr lang="en-US"/>
-              <a:t>3/6/2025</a:t>
+              <a:t>3/7/2025</a:t>
             </a:fld>
             <a:endParaRPr dirty="0"/>
           </a:p>
@@ -1092,7 +1100,7 @@
           <a:p>
             <a:fld id="{3E0FA9E5-6744-4841-888F-9E7CC0C2B7EC}" type="datetimeFigureOut">
               <a:rPr lang="en-US"/>
-              <a:t>3/6/2025</a:t>
+              <a:t>3/7/2025</a:t>
             </a:fld>
             <a:endParaRPr dirty="0"/>
           </a:p>
@@ -1288,7 +1296,7 @@
           <a:p>
             <a:fld id="{3E0FA9E5-6744-4841-888F-9E7CC0C2B7EC}" type="datetimeFigureOut">
               <a:rPr lang="en-US"/>
-              <a:t>3/6/2025</a:t>
+              <a:t>3/7/2025</a:t>
             </a:fld>
             <a:endParaRPr dirty="0"/>
           </a:p>
@@ -1474,7 +1482,7 @@
           <a:p>
             <a:fld id="{3E0FA9E5-6744-4841-888F-9E7CC0C2B7EC}" type="datetimeFigureOut">
               <a:rPr lang="en-US"/>
-              <a:t>3/6/2025</a:t>
+              <a:t>3/7/2025</a:t>
             </a:fld>
             <a:endParaRPr dirty="0"/>
           </a:p>
@@ -1758,7 +1766,7 @@
           <a:p>
             <a:fld id="{3E0FA9E5-6744-4841-888F-9E7CC0C2B7EC}" type="datetimeFigureOut">
               <a:rPr lang="en-US"/>
-              <a:t>3/6/2025</a:t>
+              <a:t>3/7/2025</a:t>
             </a:fld>
             <a:endParaRPr dirty="0"/>
           </a:p>
@@ -2066,7 +2074,7 @@
           <a:p>
             <a:fld id="{3E0FA9E5-6744-4841-888F-9E7CC0C2B7EC}" type="datetimeFigureOut">
               <a:rPr lang="en-US"/>
-              <a:t>3/6/2025</a:t>
+              <a:t>3/7/2025</a:t>
             </a:fld>
             <a:endParaRPr dirty="0"/>
           </a:p>
@@ -2518,7 +2526,7 @@
           <a:p>
             <a:fld id="{3E0FA9E5-6744-4841-888F-9E7CC0C2B7EC}" type="datetimeFigureOut">
               <a:rPr lang="en-US"/>
-              <a:t>3/6/2025</a:t>
+              <a:t>3/7/2025</a:t>
             </a:fld>
             <a:endParaRPr dirty="0"/>
           </a:p>
@@ -2652,7 +2660,7 @@
           <a:p>
             <a:fld id="{3E0FA9E5-6744-4841-888F-9E7CC0C2B7EC}" type="datetimeFigureOut">
               <a:rPr lang="en-US"/>
-              <a:t>3/6/2025</a:t>
+              <a:t>3/7/2025</a:t>
             </a:fld>
             <a:endParaRPr dirty="0"/>
           </a:p>
@@ -2777,7 +2785,7 @@
           <a:p>
             <a:fld id="{3E0FA9E5-6744-4841-888F-9E7CC0C2B7EC}" type="datetimeFigureOut">
               <a:rPr lang="en-US"/>
-              <a:t>3/6/2025</a:t>
+              <a:t>3/7/2025</a:t>
             </a:fld>
             <a:endParaRPr dirty="0"/>
           </a:p>
@@ -3103,7 +3111,7 @@
           <a:p>
             <a:fld id="{3E0FA9E5-6744-4841-888F-9E7CC0C2B7EC}" type="datetimeFigureOut">
               <a:rPr lang="en-US"/>
-              <a:t>3/6/2025</a:t>
+              <a:t>3/7/2025</a:t>
             </a:fld>
             <a:endParaRPr dirty="0"/>
           </a:p>
@@ -3600,7 +3608,7 @@
             <a:fld id="{3E0FA9E5-6744-4841-888F-9E7CC0C2B7EC}" type="datetimeFigureOut">
               <a:rPr lang="en-US" smtClean="0"/>
               <a:pPr/>
-              <a:t>3/6/2025</a:t>
+              <a:t>3/7/2025</a:t>
             </a:fld>
             <a:endParaRPr lang="en-US" dirty="0"/>
           </a:p>
@@ -4273,6 +4281,1212 @@
 </file>
 
 <file path=ppt/slides/slide10.xml><?xml version="1.0" encoding="utf-8"?>
+<p:sld xmlns:a="http://schemas.openxmlformats.org/drawingml/2006/main" xmlns:r="http://schemas.openxmlformats.org/officeDocument/2006/relationships" xmlns:p="http://schemas.openxmlformats.org/presentationml/2006/main">
+  <p:cSld>
+    <p:spTree>
+      <p:nvGrpSpPr>
+        <p:cNvPr id="1" name="">
+          <a:extLst>
+            <a:ext uri="{FF2B5EF4-FFF2-40B4-BE49-F238E27FC236}">
+              <a16:creationId xmlns:a16="http://schemas.microsoft.com/office/drawing/2014/main" id="{A40CE2C4-A7A3-5265-1F8B-FFA8EB8BD93B}"/>
+            </a:ext>
+          </a:extLst>
+        </p:cNvPr>
+        <p:cNvGrpSpPr/>
+        <p:nvPr/>
+      </p:nvGrpSpPr>
+      <p:grpSpPr>
+        <a:xfrm>
+          <a:off x="0" y="0"/>
+          <a:ext cx="0" cy="0"/>
+          <a:chOff x="0" y="0"/>
+          <a:chExt cx="0" cy="0"/>
+        </a:xfrm>
+      </p:grpSpPr>
+      <p:sp>
+        <p:nvSpPr>
+          <p:cNvPr id="13" name="Title 12">
+            <a:extLst>
+              <a:ext uri="{FF2B5EF4-FFF2-40B4-BE49-F238E27FC236}">
+                <a16:creationId xmlns:a16="http://schemas.microsoft.com/office/drawing/2014/main" id="{13184395-ACD6-A02C-B08B-6ACC45EF2FE9}"/>
+              </a:ext>
+            </a:extLst>
+          </p:cNvPr>
+          <p:cNvSpPr>
+            <a:spLocks noGrp="1"/>
+          </p:cNvSpPr>
+          <p:nvPr>
+            <p:ph type="title"/>
+          </p:nvPr>
+        </p:nvSpPr>
+        <p:spPr/>
+        <p:txBody>
+          <a:bodyPr>
+            <a:normAutofit fontScale="90000"/>
+          </a:bodyPr>
+          <a:lstStyle/>
+          <a:p>
+            <a:r>
+              <a:rPr lang="en-US" sz="4800" dirty="0"/>
+              <a:t>3. </a:t>
+            </a:r>
+            <a:r>
+              <a:rPr lang="en-US" altLang="zh-CN" sz="4800" dirty="0"/>
+              <a:t>Special Objects: 1. Text &amp; Code (1)</a:t>
+            </a:r>
+            <a:endParaRPr lang="en-US" sz="4800" dirty="0"/>
+          </a:p>
+        </p:txBody>
+      </p:sp>
+      <p:pic>
+        <p:nvPicPr>
+          <p:cNvPr id="3" name="Picture 2">
+            <a:extLst>
+              <a:ext uri="{FF2B5EF4-FFF2-40B4-BE49-F238E27FC236}">
+                <a16:creationId xmlns:a16="http://schemas.microsoft.com/office/drawing/2014/main" id="{0D50C307-99BB-9E88-6151-934E6CC2548B}"/>
+              </a:ext>
+            </a:extLst>
+          </p:cNvPr>
+          <p:cNvPicPr>
+            <a:picLocks noChangeAspect="1"/>
+          </p:cNvPicPr>
+          <p:nvPr/>
+        </p:nvPicPr>
+        <p:blipFill>
+          <a:blip r:embed="rId2"/>
+          <a:stretch>
+            <a:fillRect/>
+          </a:stretch>
+        </p:blipFill>
+        <p:spPr>
+          <a:xfrm>
+            <a:off x="0" y="5664740"/>
+            <a:ext cx="1206819" cy="1193260"/>
+          </a:xfrm>
+          <a:prstGeom prst="rect">
+            <a:avLst/>
+          </a:prstGeom>
+          <a:ln>
+            <a:noFill/>
+          </a:ln>
+          <a:effectLst>
+            <a:outerShdw blurRad="292100" dist="139700" dir="2700000" algn="tl" rotWithShape="0">
+              <a:srgbClr val="333333">
+                <a:alpha val="65000"/>
+              </a:srgbClr>
+            </a:outerShdw>
+          </a:effectLst>
+        </p:spPr>
+      </p:pic>
+      <p:sp>
+        <p:nvSpPr>
+          <p:cNvPr id="4" name="Title 1">
+            <a:extLst>
+              <a:ext uri="{FF2B5EF4-FFF2-40B4-BE49-F238E27FC236}">
+                <a16:creationId xmlns:a16="http://schemas.microsoft.com/office/drawing/2014/main" id="{6E1D037E-AF30-C7D4-0D4E-C8B8A5C97574}"/>
+              </a:ext>
+            </a:extLst>
+          </p:cNvPr>
+          <p:cNvSpPr txBox="1">
+            <a:spLocks/>
+          </p:cNvSpPr>
+          <p:nvPr/>
+        </p:nvSpPr>
+        <p:spPr>
+          <a:xfrm>
+            <a:off x="0" y="1"/>
+            <a:ext cx="1674812" cy="914399"/>
+          </a:xfrm>
+          <a:prstGeom prst="rect">
+            <a:avLst/>
+          </a:prstGeom>
+          <a:ln>
+            <a:noFill/>
+          </a:ln>
+          <a:effectLst>
+            <a:innerShdw blurRad="63500" dist="50800" dir="2700000">
+              <a:prstClr val="black">
+                <a:alpha val="50000"/>
+              </a:prstClr>
+            </a:innerShdw>
+          </a:effectLst>
+        </p:spPr>
+        <p:style>
+          <a:lnRef idx="1">
+            <a:schemeClr val="accent1"/>
+          </a:lnRef>
+          <a:fillRef idx="2">
+            <a:schemeClr val="accent1"/>
+          </a:fillRef>
+          <a:effectRef idx="1">
+            <a:schemeClr val="accent1"/>
+          </a:effectRef>
+          <a:fontRef idx="minor">
+            <a:schemeClr val="dk1"/>
+          </a:fontRef>
+        </p:style>
+        <p:txBody>
+          <a:bodyPr vert="horz" lIns="91440" tIns="45720" rIns="91440" bIns="45720" rtlCol="0" anchor="b">
+            <a:normAutofit/>
+          </a:bodyPr>
+          <a:lstStyle>
+            <a:lvl1pPr algn="l" defTabSz="914400" rtl="0" eaLnBrk="1" latinLnBrk="0" hangingPunct="1">
+              <a:lnSpc>
+                <a:spcPct val="80000"/>
+              </a:lnSpc>
+              <a:spcBef>
+                <a:spcPct val="0"/>
+              </a:spcBef>
+              <a:buNone/>
+              <a:defRPr sz="5400" b="1" kern="1200">
+                <a:solidFill>
+                  <a:schemeClr val="accent1">
+                    <a:lumMod val="75000"/>
+                  </a:schemeClr>
+                </a:solidFill>
+                <a:latin typeface="+mj-lt"/>
+                <a:ea typeface="+mj-ea"/>
+                <a:cs typeface="+mj-cs"/>
+              </a:defRPr>
+            </a:lvl1pPr>
+          </a:lstStyle>
+          <a:p>
+            <a:pPr algn="ctr"/>
+            <a:r>
+              <a:rPr lang="en-US" sz="6600" dirty="0"/>
+              <a:t>010</a:t>
+            </a:r>
+          </a:p>
+        </p:txBody>
+      </p:sp>
+      <p:pic>
+        <p:nvPicPr>
+          <p:cNvPr id="8" name="Content Placeholder 7">
+            <a:extLst>
+              <a:ext uri="{FF2B5EF4-FFF2-40B4-BE49-F238E27FC236}">
+                <a16:creationId xmlns:a16="http://schemas.microsoft.com/office/drawing/2014/main" id="{5CE8527E-B412-2472-2CB7-EFB57E815E88}"/>
+              </a:ext>
+            </a:extLst>
+          </p:cNvPr>
+          <p:cNvPicPr>
+            <a:picLocks noGrp="1" noChangeAspect="1"/>
+          </p:cNvPicPr>
+          <p:nvPr>
+            <p:ph idx="1"/>
+          </p:nvPr>
+        </p:nvPicPr>
+        <p:blipFill>
+          <a:blip r:embed="rId3"/>
+          <a:stretch>
+            <a:fillRect/>
+          </a:stretch>
+        </p:blipFill>
+        <p:spPr>
+          <a:xfrm>
+            <a:off x="1206819" y="1600200"/>
+            <a:ext cx="8967006" cy="4966620"/>
+          </a:xfrm>
+          <a:prstGeom prst="rect">
+            <a:avLst/>
+          </a:prstGeom>
+          <a:ln>
+            <a:noFill/>
+          </a:ln>
+          <a:effectLst>
+            <a:outerShdw blurRad="292100" dist="139700" dir="2700000" algn="tl" rotWithShape="0">
+              <a:srgbClr val="333333">
+                <a:alpha val="65000"/>
+              </a:srgbClr>
+            </a:outerShdw>
+          </a:effectLst>
+        </p:spPr>
+      </p:pic>
+      <p:pic>
+        <p:nvPicPr>
+          <p:cNvPr id="10" name="Picture 9">
+            <a:extLst>
+              <a:ext uri="{FF2B5EF4-FFF2-40B4-BE49-F238E27FC236}">
+                <a16:creationId xmlns:a16="http://schemas.microsoft.com/office/drawing/2014/main" id="{0798DA7F-F4DB-8026-19F0-6FF9129D4994}"/>
+              </a:ext>
+            </a:extLst>
+          </p:cNvPr>
+          <p:cNvPicPr>
+            <a:picLocks noChangeAspect="1"/>
+          </p:cNvPicPr>
+          <p:nvPr/>
+        </p:nvPicPr>
+        <p:blipFill>
+          <a:blip r:embed="rId4"/>
+          <a:stretch>
+            <a:fillRect/>
+          </a:stretch>
+        </p:blipFill>
+        <p:spPr>
+          <a:xfrm>
+            <a:off x="7923212" y="2653380"/>
+            <a:ext cx="3312244" cy="4204620"/>
+          </a:xfrm>
+          <a:prstGeom prst="roundRect">
+            <a:avLst>
+              <a:gd name="adj" fmla="val 16667"/>
+            </a:avLst>
+          </a:prstGeom>
+          <a:ln>
+            <a:noFill/>
+          </a:ln>
+          <a:effectLst>
+            <a:outerShdw blurRad="152400" dist="12000" dir="900000" sy="98000" kx="110000" ky="200000" algn="tl" rotWithShape="0">
+              <a:srgbClr val="000000">
+                <a:alpha val="30000"/>
+              </a:srgbClr>
+            </a:outerShdw>
+          </a:effectLst>
+          <a:scene3d>
+            <a:camera prst="perspectiveRelaxed">
+              <a:rot lat="19800000" lon="1200000" rev="20820000"/>
+            </a:camera>
+            <a:lightRig rig="threePt" dir="t"/>
+          </a:scene3d>
+          <a:sp3d contourW="6350" prstMaterial="matte">
+            <a:bevelT w="101600" h="101600"/>
+            <a:contourClr>
+              <a:srgbClr val="969696"/>
+            </a:contourClr>
+          </a:sp3d>
+        </p:spPr>
+      </p:pic>
+    </p:spTree>
+    <p:extLst>
+      <p:ext uri="{BB962C8B-B14F-4D97-AF65-F5344CB8AC3E}">
+        <p14:creationId xmlns:p14="http://schemas.microsoft.com/office/powerpoint/2010/main" val="53073496"/>
+      </p:ext>
+    </p:extLst>
+  </p:cSld>
+  <p:clrMapOvr>
+    <a:masterClrMapping/>
+  </p:clrMapOvr>
+  <mc:AlternateContent xmlns:mc="http://schemas.openxmlformats.org/markup-compatibility/2006" xmlns:p14="http://schemas.microsoft.com/office/powerpoint/2010/main">
+    <mc:Choice Requires="p14">
+      <p:transition spd="med" p14:dur="700">
+        <p:fade/>
+      </p:transition>
+    </mc:Choice>
+    <mc:Fallback xmlns="">
+      <p:transition spd="med">
+        <p:fade/>
+      </p:transition>
+    </mc:Fallback>
+  </mc:AlternateContent>
+</p:sld>
+</file>
+
+<file path=ppt/slides/slide11.xml><?xml version="1.0" encoding="utf-8"?>
+<p:sld xmlns:a="http://schemas.openxmlformats.org/drawingml/2006/main" xmlns:r="http://schemas.openxmlformats.org/officeDocument/2006/relationships" xmlns:p="http://schemas.openxmlformats.org/presentationml/2006/main">
+  <p:cSld>
+    <p:spTree>
+      <p:nvGrpSpPr>
+        <p:cNvPr id="1" name="">
+          <a:extLst>
+            <a:ext uri="{FF2B5EF4-FFF2-40B4-BE49-F238E27FC236}">
+              <a16:creationId xmlns:a16="http://schemas.microsoft.com/office/drawing/2014/main" id="{50A07293-C189-2EB1-7852-1B58FA0E8920}"/>
+            </a:ext>
+          </a:extLst>
+        </p:cNvPr>
+        <p:cNvGrpSpPr/>
+        <p:nvPr/>
+      </p:nvGrpSpPr>
+      <p:grpSpPr>
+        <a:xfrm>
+          <a:off x="0" y="0"/>
+          <a:ext cx="0" cy="0"/>
+          <a:chOff x="0" y="0"/>
+          <a:chExt cx="0" cy="0"/>
+        </a:xfrm>
+      </p:grpSpPr>
+      <p:sp>
+        <p:nvSpPr>
+          <p:cNvPr id="13" name="Title 12">
+            <a:extLst>
+              <a:ext uri="{FF2B5EF4-FFF2-40B4-BE49-F238E27FC236}">
+                <a16:creationId xmlns:a16="http://schemas.microsoft.com/office/drawing/2014/main" id="{5D5A2751-1AEB-B57D-864A-8C281DBC6AD1}"/>
+              </a:ext>
+            </a:extLst>
+          </p:cNvPr>
+          <p:cNvSpPr>
+            <a:spLocks noGrp="1"/>
+          </p:cNvSpPr>
+          <p:nvPr>
+            <p:ph type="title"/>
+          </p:nvPr>
+        </p:nvSpPr>
+        <p:spPr/>
+        <p:txBody>
+          <a:bodyPr>
+            <a:normAutofit fontScale="90000"/>
+          </a:bodyPr>
+          <a:lstStyle/>
+          <a:p>
+            <a:r>
+              <a:rPr lang="en-US" sz="4800" dirty="0"/>
+              <a:t>3. </a:t>
+            </a:r>
+            <a:r>
+              <a:rPr lang="en-US" altLang="zh-CN" sz="4800" dirty="0"/>
+              <a:t>Special Objects: 1. Text &amp; Code (2)</a:t>
+            </a:r>
+            <a:endParaRPr lang="en-US" sz="4800" dirty="0"/>
+          </a:p>
+        </p:txBody>
+      </p:sp>
+      <p:pic>
+        <p:nvPicPr>
+          <p:cNvPr id="3" name="Picture 2">
+            <a:extLst>
+              <a:ext uri="{FF2B5EF4-FFF2-40B4-BE49-F238E27FC236}">
+                <a16:creationId xmlns:a16="http://schemas.microsoft.com/office/drawing/2014/main" id="{F651C183-AE9E-883D-8EF4-D63AC39FF75A}"/>
+              </a:ext>
+            </a:extLst>
+          </p:cNvPr>
+          <p:cNvPicPr>
+            <a:picLocks noChangeAspect="1"/>
+          </p:cNvPicPr>
+          <p:nvPr/>
+        </p:nvPicPr>
+        <p:blipFill>
+          <a:blip r:embed="rId2"/>
+          <a:stretch>
+            <a:fillRect/>
+          </a:stretch>
+        </p:blipFill>
+        <p:spPr>
+          <a:xfrm>
+            <a:off x="0" y="5664740"/>
+            <a:ext cx="1206819" cy="1193260"/>
+          </a:xfrm>
+          <a:prstGeom prst="rect">
+            <a:avLst/>
+          </a:prstGeom>
+          <a:ln>
+            <a:noFill/>
+          </a:ln>
+          <a:effectLst>
+            <a:outerShdw blurRad="292100" dist="139700" dir="2700000" algn="tl" rotWithShape="0">
+              <a:srgbClr val="333333">
+                <a:alpha val="65000"/>
+              </a:srgbClr>
+            </a:outerShdw>
+          </a:effectLst>
+        </p:spPr>
+      </p:pic>
+      <p:pic>
+        <p:nvPicPr>
+          <p:cNvPr id="7" name="Content Placeholder 6">
+            <a:extLst>
+              <a:ext uri="{FF2B5EF4-FFF2-40B4-BE49-F238E27FC236}">
+                <a16:creationId xmlns:a16="http://schemas.microsoft.com/office/drawing/2014/main" id="{79014376-6211-7E22-2C15-C9DBF4EDBEDB}"/>
+              </a:ext>
+            </a:extLst>
+          </p:cNvPr>
+          <p:cNvPicPr>
+            <a:picLocks noGrp="1" noChangeAspect="1"/>
+          </p:cNvPicPr>
+          <p:nvPr>
+            <p:ph idx="1"/>
+          </p:nvPr>
+        </p:nvPicPr>
+        <p:blipFill>
+          <a:blip r:embed="rId3"/>
+          <a:stretch>
+            <a:fillRect/>
+          </a:stretch>
+        </p:blipFill>
+        <p:spPr>
+          <a:xfrm>
+            <a:off x="1370012" y="1600201"/>
+            <a:ext cx="8460718" cy="5043074"/>
+          </a:xfrm>
+          <a:prstGeom prst="rect">
+            <a:avLst/>
+          </a:prstGeom>
+          <a:ln>
+            <a:noFill/>
+          </a:ln>
+          <a:effectLst>
+            <a:outerShdw blurRad="292100" dist="139700" dir="2700000" algn="tl" rotWithShape="0">
+              <a:srgbClr val="333333">
+                <a:alpha val="65000"/>
+              </a:srgbClr>
+            </a:outerShdw>
+          </a:effectLst>
+        </p:spPr>
+      </p:pic>
+      <p:pic>
+        <p:nvPicPr>
+          <p:cNvPr id="11" name="Picture 10">
+            <a:extLst>
+              <a:ext uri="{FF2B5EF4-FFF2-40B4-BE49-F238E27FC236}">
+                <a16:creationId xmlns:a16="http://schemas.microsoft.com/office/drawing/2014/main" id="{E20152D3-D970-25D3-C248-DBC49D9CD04E}"/>
+              </a:ext>
+            </a:extLst>
+          </p:cNvPr>
+          <p:cNvPicPr>
+            <a:picLocks noChangeAspect="1"/>
+          </p:cNvPicPr>
+          <p:nvPr/>
+        </p:nvPicPr>
+        <p:blipFill>
+          <a:blip r:embed="rId4"/>
+          <a:stretch>
+            <a:fillRect/>
+          </a:stretch>
+        </p:blipFill>
+        <p:spPr>
+          <a:xfrm>
+            <a:off x="9142412" y="3124200"/>
+            <a:ext cx="2574098" cy="3624609"/>
+          </a:xfrm>
+          <a:prstGeom prst="roundRect">
+            <a:avLst>
+              <a:gd name="adj" fmla="val 16667"/>
+            </a:avLst>
+          </a:prstGeom>
+          <a:ln>
+            <a:noFill/>
+          </a:ln>
+          <a:effectLst>
+            <a:outerShdw blurRad="152400" dist="12000" dir="900000" sy="98000" kx="110000" ky="200000" algn="tl" rotWithShape="0">
+              <a:srgbClr val="000000">
+                <a:alpha val="30000"/>
+              </a:srgbClr>
+            </a:outerShdw>
+          </a:effectLst>
+          <a:scene3d>
+            <a:camera prst="perspectiveRelaxed">
+              <a:rot lat="19800000" lon="1200000" rev="20820000"/>
+            </a:camera>
+            <a:lightRig rig="threePt" dir="t"/>
+          </a:scene3d>
+          <a:sp3d contourW="6350" prstMaterial="matte">
+            <a:bevelT w="101600" h="101600"/>
+            <a:contourClr>
+              <a:srgbClr val="969696"/>
+            </a:contourClr>
+          </a:sp3d>
+        </p:spPr>
+      </p:pic>
+      <p:sp>
+        <p:nvSpPr>
+          <p:cNvPr id="15" name="Title 1">
+            <a:extLst>
+              <a:ext uri="{FF2B5EF4-FFF2-40B4-BE49-F238E27FC236}">
+                <a16:creationId xmlns:a16="http://schemas.microsoft.com/office/drawing/2014/main" id="{A41BCE65-2470-97FE-7244-B16C3652204A}"/>
+              </a:ext>
+            </a:extLst>
+          </p:cNvPr>
+          <p:cNvSpPr txBox="1">
+            <a:spLocks/>
+          </p:cNvSpPr>
+          <p:nvPr/>
+        </p:nvSpPr>
+        <p:spPr>
+          <a:xfrm>
+            <a:off x="0" y="1"/>
+            <a:ext cx="1674812" cy="914399"/>
+          </a:xfrm>
+          <a:prstGeom prst="rect">
+            <a:avLst/>
+          </a:prstGeom>
+          <a:ln>
+            <a:noFill/>
+          </a:ln>
+          <a:effectLst>
+            <a:innerShdw blurRad="63500" dist="50800" dir="2700000">
+              <a:prstClr val="black">
+                <a:alpha val="50000"/>
+              </a:prstClr>
+            </a:innerShdw>
+          </a:effectLst>
+        </p:spPr>
+        <p:style>
+          <a:lnRef idx="1">
+            <a:schemeClr val="accent1"/>
+          </a:lnRef>
+          <a:fillRef idx="2">
+            <a:schemeClr val="accent1"/>
+          </a:fillRef>
+          <a:effectRef idx="1">
+            <a:schemeClr val="accent1"/>
+          </a:effectRef>
+          <a:fontRef idx="minor">
+            <a:schemeClr val="dk1"/>
+          </a:fontRef>
+        </p:style>
+        <p:txBody>
+          <a:bodyPr vert="horz" lIns="91440" tIns="45720" rIns="91440" bIns="45720" rtlCol="0" anchor="b">
+            <a:normAutofit/>
+          </a:bodyPr>
+          <a:lstStyle>
+            <a:lvl1pPr algn="l" defTabSz="914400" rtl="0" eaLnBrk="1" latinLnBrk="0" hangingPunct="1">
+              <a:lnSpc>
+                <a:spcPct val="80000"/>
+              </a:lnSpc>
+              <a:spcBef>
+                <a:spcPct val="0"/>
+              </a:spcBef>
+              <a:buNone/>
+              <a:defRPr sz="5400" b="1" kern="1200">
+                <a:solidFill>
+                  <a:schemeClr val="accent1">
+                    <a:lumMod val="75000"/>
+                  </a:schemeClr>
+                </a:solidFill>
+                <a:latin typeface="+mj-lt"/>
+                <a:ea typeface="+mj-ea"/>
+                <a:cs typeface="+mj-cs"/>
+              </a:defRPr>
+            </a:lvl1pPr>
+          </a:lstStyle>
+          <a:p>
+            <a:pPr algn="ctr"/>
+            <a:r>
+              <a:rPr lang="en-US" sz="6600" dirty="0"/>
+              <a:t>011</a:t>
+            </a:r>
+          </a:p>
+        </p:txBody>
+      </p:sp>
+    </p:spTree>
+    <p:extLst>
+      <p:ext uri="{BB962C8B-B14F-4D97-AF65-F5344CB8AC3E}">
+        <p14:creationId xmlns:p14="http://schemas.microsoft.com/office/powerpoint/2010/main" val="2387406665"/>
+      </p:ext>
+    </p:extLst>
+  </p:cSld>
+  <p:clrMapOvr>
+    <a:masterClrMapping/>
+  </p:clrMapOvr>
+  <mc:AlternateContent xmlns:mc="http://schemas.openxmlformats.org/markup-compatibility/2006" xmlns:p14="http://schemas.microsoft.com/office/powerpoint/2010/main">
+    <mc:Choice Requires="p14">
+      <p:transition spd="med" p14:dur="700">
+        <p:fade/>
+      </p:transition>
+    </mc:Choice>
+    <mc:Fallback xmlns="">
+      <p:transition spd="med">
+        <p:fade/>
+      </p:transition>
+    </mc:Fallback>
+  </mc:AlternateContent>
+</p:sld>
+</file>
+
+<file path=ppt/slides/slide12.xml><?xml version="1.0" encoding="utf-8"?>
+<p:sld xmlns:a="http://schemas.openxmlformats.org/drawingml/2006/main" xmlns:r="http://schemas.openxmlformats.org/officeDocument/2006/relationships" xmlns:p="http://schemas.openxmlformats.org/presentationml/2006/main">
+  <p:cSld>
+    <p:spTree>
+      <p:nvGrpSpPr>
+        <p:cNvPr id="1" name="">
+          <a:extLst>
+            <a:ext uri="{FF2B5EF4-FFF2-40B4-BE49-F238E27FC236}">
+              <a16:creationId xmlns:a16="http://schemas.microsoft.com/office/drawing/2014/main" id="{B77E1982-344A-F49D-94A1-15D080DE4C7F}"/>
+            </a:ext>
+          </a:extLst>
+        </p:cNvPr>
+        <p:cNvGrpSpPr/>
+        <p:nvPr/>
+      </p:nvGrpSpPr>
+      <p:grpSpPr>
+        <a:xfrm>
+          <a:off x="0" y="0"/>
+          <a:ext cx="0" cy="0"/>
+          <a:chOff x="0" y="0"/>
+          <a:chExt cx="0" cy="0"/>
+        </a:xfrm>
+      </p:grpSpPr>
+      <p:sp>
+        <p:nvSpPr>
+          <p:cNvPr id="13" name="Title 12">
+            <a:extLst>
+              <a:ext uri="{FF2B5EF4-FFF2-40B4-BE49-F238E27FC236}">
+                <a16:creationId xmlns:a16="http://schemas.microsoft.com/office/drawing/2014/main" id="{91199468-30E5-2AFA-6FE2-E6653317A261}"/>
+              </a:ext>
+            </a:extLst>
+          </p:cNvPr>
+          <p:cNvSpPr>
+            <a:spLocks noGrp="1"/>
+          </p:cNvSpPr>
+          <p:nvPr>
+            <p:ph type="title"/>
+          </p:nvPr>
+        </p:nvSpPr>
+        <p:spPr/>
+        <p:txBody>
+          <a:bodyPr>
+            <a:normAutofit fontScale="90000"/>
+          </a:bodyPr>
+          <a:lstStyle/>
+          <a:p>
+            <a:r>
+              <a:rPr lang="en-US" sz="4800" dirty="0"/>
+              <a:t>3. </a:t>
+            </a:r>
+            <a:r>
+              <a:rPr lang="en-US" altLang="zh-CN" sz="4800" dirty="0"/>
+              <a:t>Special Objects: 1. Text &amp; Code (3)</a:t>
+            </a:r>
+            <a:endParaRPr lang="en-US" sz="4800" dirty="0"/>
+          </a:p>
+        </p:txBody>
+      </p:sp>
+      <p:pic>
+        <p:nvPicPr>
+          <p:cNvPr id="3" name="Picture 2">
+            <a:extLst>
+              <a:ext uri="{FF2B5EF4-FFF2-40B4-BE49-F238E27FC236}">
+                <a16:creationId xmlns:a16="http://schemas.microsoft.com/office/drawing/2014/main" id="{F3539312-24AD-AA99-70C6-E952DD0F6240}"/>
+              </a:ext>
+            </a:extLst>
+          </p:cNvPr>
+          <p:cNvPicPr>
+            <a:picLocks noChangeAspect="1"/>
+          </p:cNvPicPr>
+          <p:nvPr/>
+        </p:nvPicPr>
+        <p:blipFill>
+          <a:blip r:embed="rId2"/>
+          <a:stretch>
+            <a:fillRect/>
+          </a:stretch>
+        </p:blipFill>
+        <p:spPr>
+          <a:xfrm>
+            <a:off x="0" y="5664740"/>
+            <a:ext cx="1206819" cy="1193260"/>
+          </a:xfrm>
+          <a:prstGeom prst="rect">
+            <a:avLst/>
+          </a:prstGeom>
+          <a:ln>
+            <a:noFill/>
+          </a:ln>
+          <a:effectLst>
+            <a:outerShdw blurRad="292100" dist="139700" dir="2700000" algn="tl" rotWithShape="0">
+              <a:srgbClr val="333333">
+                <a:alpha val="65000"/>
+              </a:srgbClr>
+            </a:outerShdw>
+          </a:effectLst>
+        </p:spPr>
+      </p:pic>
+      <p:pic>
+        <p:nvPicPr>
+          <p:cNvPr id="8" name="Content Placeholder 7">
+            <a:extLst>
+              <a:ext uri="{FF2B5EF4-FFF2-40B4-BE49-F238E27FC236}">
+                <a16:creationId xmlns:a16="http://schemas.microsoft.com/office/drawing/2014/main" id="{4D724A54-37F4-0D9F-B92A-E5A61A9FD227}"/>
+              </a:ext>
+            </a:extLst>
+          </p:cNvPr>
+          <p:cNvPicPr>
+            <a:picLocks noGrp="1" noChangeAspect="1"/>
+          </p:cNvPicPr>
+          <p:nvPr>
+            <p:ph idx="1"/>
+          </p:nvPr>
+        </p:nvPicPr>
+        <p:blipFill>
+          <a:blip r:embed="rId3"/>
+          <a:stretch>
+            <a:fillRect/>
+          </a:stretch>
+        </p:blipFill>
+        <p:spPr>
+          <a:xfrm>
+            <a:off x="1288046" y="1717417"/>
+            <a:ext cx="8540166" cy="5047711"/>
+          </a:xfrm>
+          <a:prstGeom prst="rect">
+            <a:avLst/>
+          </a:prstGeom>
+          <a:ln>
+            <a:noFill/>
+          </a:ln>
+          <a:effectLst>
+            <a:outerShdw blurRad="292100" dist="139700" dir="2700000" algn="tl" rotWithShape="0">
+              <a:srgbClr val="333333">
+                <a:alpha val="65000"/>
+              </a:srgbClr>
+            </a:outerShdw>
+          </a:effectLst>
+        </p:spPr>
+      </p:pic>
+      <p:pic>
+        <p:nvPicPr>
+          <p:cNvPr id="10" name="Picture 9">
+            <a:extLst>
+              <a:ext uri="{FF2B5EF4-FFF2-40B4-BE49-F238E27FC236}">
+                <a16:creationId xmlns:a16="http://schemas.microsoft.com/office/drawing/2014/main" id="{4CF63E04-4325-D9E3-ED37-D5D67A24E1F5}"/>
+              </a:ext>
+            </a:extLst>
+          </p:cNvPr>
+          <p:cNvPicPr>
+            <a:picLocks noChangeAspect="1"/>
+          </p:cNvPicPr>
+          <p:nvPr/>
+        </p:nvPicPr>
+        <p:blipFill>
+          <a:blip r:embed="rId4"/>
+          <a:stretch>
+            <a:fillRect/>
+          </a:stretch>
+        </p:blipFill>
+        <p:spPr>
+          <a:xfrm>
+            <a:off x="7909069" y="4038600"/>
+            <a:ext cx="3685888" cy="2083328"/>
+          </a:xfrm>
+          <a:prstGeom prst="roundRect">
+            <a:avLst>
+              <a:gd name="adj" fmla="val 16667"/>
+            </a:avLst>
+          </a:prstGeom>
+          <a:ln>
+            <a:noFill/>
+          </a:ln>
+          <a:effectLst>
+            <a:outerShdw blurRad="152400" dist="12000" dir="900000" sy="98000" kx="110000" ky="200000" algn="tl" rotWithShape="0">
+              <a:srgbClr val="000000">
+                <a:alpha val="30000"/>
+              </a:srgbClr>
+            </a:outerShdw>
+          </a:effectLst>
+          <a:scene3d>
+            <a:camera prst="perspectiveRelaxed">
+              <a:rot lat="19800000" lon="1200000" rev="20820000"/>
+            </a:camera>
+            <a:lightRig rig="threePt" dir="t"/>
+          </a:scene3d>
+          <a:sp3d contourW="6350" prstMaterial="matte">
+            <a:bevelT w="101600" h="101600"/>
+            <a:contourClr>
+              <a:srgbClr val="969696"/>
+            </a:contourClr>
+          </a:sp3d>
+        </p:spPr>
+      </p:pic>
+      <p:sp>
+        <p:nvSpPr>
+          <p:cNvPr id="17" name="Title 1">
+            <a:extLst>
+              <a:ext uri="{FF2B5EF4-FFF2-40B4-BE49-F238E27FC236}">
+                <a16:creationId xmlns:a16="http://schemas.microsoft.com/office/drawing/2014/main" id="{072F2461-5BF3-428F-E528-DF2F57BB8895}"/>
+              </a:ext>
+            </a:extLst>
+          </p:cNvPr>
+          <p:cNvSpPr txBox="1">
+            <a:spLocks/>
+          </p:cNvSpPr>
+          <p:nvPr/>
+        </p:nvSpPr>
+        <p:spPr>
+          <a:xfrm>
+            <a:off x="0" y="1"/>
+            <a:ext cx="1674812" cy="914399"/>
+          </a:xfrm>
+          <a:prstGeom prst="rect">
+            <a:avLst/>
+          </a:prstGeom>
+          <a:ln>
+            <a:noFill/>
+          </a:ln>
+          <a:effectLst>
+            <a:innerShdw blurRad="63500" dist="50800" dir="2700000">
+              <a:prstClr val="black">
+                <a:alpha val="50000"/>
+              </a:prstClr>
+            </a:innerShdw>
+          </a:effectLst>
+        </p:spPr>
+        <p:style>
+          <a:lnRef idx="1">
+            <a:schemeClr val="accent1"/>
+          </a:lnRef>
+          <a:fillRef idx="2">
+            <a:schemeClr val="accent1"/>
+          </a:fillRef>
+          <a:effectRef idx="1">
+            <a:schemeClr val="accent1"/>
+          </a:effectRef>
+          <a:fontRef idx="minor">
+            <a:schemeClr val="dk1"/>
+          </a:fontRef>
+        </p:style>
+        <p:txBody>
+          <a:bodyPr vert="horz" lIns="91440" tIns="45720" rIns="91440" bIns="45720" rtlCol="0" anchor="b">
+            <a:normAutofit/>
+          </a:bodyPr>
+          <a:lstStyle>
+            <a:lvl1pPr algn="l" defTabSz="914400" rtl="0" eaLnBrk="1" latinLnBrk="0" hangingPunct="1">
+              <a:lnSpc>
+                <a:spcPct val="80000"/>
+              </a:lnSpc>
+              <a:spcBef>
+                <a:spcPct val="0"/>
+              </a:spcBef>
+              <a:buNone/>
+              <a:defRPr sz="5400" b="1" kern="1200">
+                <a:solidFill>
+                  <a:schemeClr val="accent1">
+                    <a:lumMod val="75000"/>
+                  </a:schemeClr>
+                </a:solidFill>
+                <a:latin typeface="+mj-lt"/>
+                <a:ea typeface="+mj-ea"/>
+                <a:cs typeface="+mj-cs"/>
+              </a:defRPr>
+            </a:lvl1pPr>
+          </a:lstStyle>
+          <a:p>
+            <a:pPr algn="ctr"/>
+            <a:r>
+              <a:rPr lang="en-US" sz="6600" dirty="0"/>
+              <a:t>012</a:t>
+            </a:r>
+          </a:p>
+        </p:txBody>
+      </p:sp>
+    </p:spTree>
+    <p:extLst>
+      <p:ext uri="{BB962C8B-B14F-4D97-AF65-F5344CB8AC3E}">
+        <p14:creationId xmlns:p14="http://schemas.microsoft.com/office/powerpoint/2010/main" val="2048579890"/>
+      </p:ext>
+    </p:extLst>
+  </p:cSld>
+  <p:clrMapOvr>
+    <a:masterClrMapping/>
+  </p:clrMapOvr>
+  <mc:AlternateContent xmlns:mc="http://schemas.openxmlformats.org/markup-compatibility/2006" xmlns:p14="http://schemas.microsoft.com/office/powerpoint/2010/main">
+    <mc:Choice Requires="p14">
+      <p:transition spd="med" p14:dur="700">
+        <p:fade/>
+      </p:transition>
+    </mc:Choice>
+    <mc:Fallback xmlns="">
+      <p:transition spd="med">
+        <p:fade/>
+      </p:transition>
+    </mc:Fallback>
+  </mc:AlternateContent>
+</p:sld>
+</file>
+
+<file path=ppt/slides/slide13.xml><?xml version="1.0" encoding="utf-8"?>
+<p:sld xmlns:a="http://schemas.openxmlformats.org/drawingml/2006/main" xmlns:r="http://schemas.openxmlformats.org/officeDocument/2006/relationships" xmlns:p="http://schemas.openxmlformats.org/presentationml/2006/main">
+  <p:cSld>
+    <p:spTree>
+      <p:nvGrpSpPr>
+        <p:cNvPr id="1" name="">
+          <a:extLst>
+            <a:ext uri="{FF2B5EF4-FFF2-40B4-BE49-F238E27FC236}">
+              <a16:creationId xmlns:a16="http://schemas.microsoft.com/office/drawing/2014/main" id="{77A96ED0-8E70-AB0D-C125-13E448CA0551}"/>
+            </a:ext>
+          </a:extLst>
+        </p:cNvPr>
+        <p:cNvGrpSpPr/>
+        <p:nvPr/>
+      </p:nvGrpSpPr>
+      <p:grpSpPr>
+        <a:xfrm>
+          <a:off x="0" y="0"/>
+          <a:ext cx="0" cy="0"/>
+          <a:chOff x="0" y="0"/>
+          <a:chExt cx="0" cy="0"/>
+        </a:xfrm>
+      </p:grpSpPr>
+      <p:sp>
+        <p:nvSpPr>
+          <p:cNvPr id="13" name="Title 12">
+            <a:extLst>
+              <a:ext uri="{FF2B5EF4-FFF2-40B4-BE49-F238E27FC236}">
+                <a16:creationId xmlns:a16="http://schemas.microsoft.com/office/drawing/2014/main" id="{533F29B3-A455-496D-F44C-88272F8C6F58}"/>
+              </a:ext>
+            </a:extLst>
+          </p:cNvPr>
+          <p:cNvSpPr>
+            <a:spLocks noGrp="1"/>
+          </p:cNvSpPr>
+          <p:nvPr>
+            <p:ph type="title"/>
+          </p:nvPr>
+        </p:nvSpPr>
+        <p:spPr>
+          <a:xfrm>
+            <a:off x="1065212" y="533400"/>
+            <a:ext cx="10668000" cy="1066800"/>
+          </a:xfrm>
+        </p:spPr>
+        <p:txBody>
+          <a:bodyPr>
+            <a:normAutofit/>
+          </a:bodyPr>
+          <a:lstStyle/>
+          <a:p>
+            <a:r>
+              <a:rPr lang="en-US" sz="4800" dirty="0"/>
+              <a:t>3. </a:t>
+            </a:r>
+            <a:r>
+              <a:rPr lang="en-US" altLang="zh-CN" sz="4800" dirty="0"/>
+              <a:t>Special Objects: 2. Icons &amp; Images</a:t>
+            </a:r>
+            <a:endParaRPr lang="en-US" sz="4800" dirty="0"/>
+          </a:p>
+        </p:txBody>
+      </p:sp>
+      <p:pic>
+        <p:nvPicPr>
+          <p:cNvPr id="3" name="Picture 2">
+            <a:extLst>
+              <a:ext uri="{FF2B5EF4-FFF2-40B4-BE49-F238E27FC236}">
+                <a16:creationId xmlns:a16="http://schemas.microsoft.com/office/drawing/2014/main" id="{A4775141-0371-8D32-2360-FB50418036D8}"/>
+              </a:ext>
+            </a:extLst>
+          </p:cNvPr>
+          <p:cNvPicPr>
+            <a:picLocks noChangeAspect="1"/>
+          </p:cNvPicPr>
+          <p:nvPr/>
+        </p:nvPicPr>
+        <p:blipFill>
+          <a:blip r:embed="rId2"/>
+          <a:stretch>
+            <a:fillRect/>
+          </a:stretch>
+        </p:blipFill>
+        <p:spPr>
+          <a:xfrm>
+            <a:off x="0" y="5664740"/>
+            <a:ext cx="1206819" cy="1193260"/>
+          </a:xfrm>
+          <a:prstGeom prst="rect">
+            <a:avLst/>
+          </a:prstGeom>
+          <a:ln>
+            <a:noFill/>
+          </a:ln>
+          <a:effectLst>
+            <a:outerShdw blurRad="292100" dist="139700" dir="2700000" algn="tl" rotWithShape="0">
+              <a:srgbClr val="333333">
+                <a:alpha val="65000"/>
+              </a:srgbClr>
+            </a:outerShdw>
+          </a:effectLst>
+        </p:spPr>
+      </p:pic>
+      <p:pic>
+        <p:nvPicPr>
+          <p:cNvPr id="8" name="Content Placeholder 7">
+            <a:extLst>
+              <a:ext uri="{FF2B5EF4-FFF2-40B4-BE49-F238E27FC236}">
+                <a16:creationId xmlns:a16="http://schemas.microsoft.com/office/drawing/2014/main" id="{9397F897-645C-871B-B122-6ACF481819D6}"/>
+              </a:ext>
+            </a:extLst>
+          </p:cNvPr>
+          <p:cNvPicPr>
+            <a:picLocks noGrp="1" noChangeAspect="1"/>
+          </p:cNvPicPr>
+          <p:nvPr>
+            <p:ph idx="1"/>
+          </p:nvPr>
+        </p:nvPicPr>
+        <p:blipFill>
+          <a:blip r:embed="rId3"/>
+          <a:stretch>
+            <a:fillRect/>
+          </a:stretch>
+        </p:blipFill>
+        <p:spPr>
+          <a:xfrm>
+            <a:off x="1288046" y="1717417"/>
+            <a:ext cx="8540166" cy="5047711"/>
+          </a:xfrm>
+          <a:prstGeom prst="rect">
+            <a:avLst/>
+          </a:prstGeom>
+          <a:ln>
+            <a:noFill/>
+          </a:ln>
+          <a:effectLst>
+            <a:outerShdw blurRad="292100" dist="139700" dir="2700000" algn="tl" rotWithShape="0">
+              <a:srgbClr val="333333">
+                <a:alpha val="65000"/>
+              </a:srgbClr>
+            </a:outerShdw>
+          </a:effectLst>
+        </p:spPr>
+      </p:pic>
+      <p:pic>
+        <p:nvPicPr>
+          <p:cNvPr id="10" name="Picture 9">
+            <a:extLst>
+              <a:ext uri="{FF2B5EF4-FFF2-40B4-BE49-F238E27FC236}">
+                <a16:creationId xmlns:a16="http://schemas.microsoft.com/office/drawing/2014/main" id="{C4D91A0F-FC98-BDA6-8C5D-F3308E67B702}"/>
+              </a:ext>
+            </a:extLst>
+          </p:cNvPr>
+          <p:cNvPicPr>
+            <a:picLocks noChangeAspect="1"/>
+          </p:cNvPicPr>
+          <p:nvPr/>
+        </p:nvPicPr>
+        <p:blipFill>
+          <a:blip r:embed="rId4"/>
+          <a:stretch>
+            <a:fillRect/>
+          </a:stretch>
+        </p:blipFill>
+        <p:spPr>
+          <a:xfrm>
+            <a:off x="7909069" y="4038600"/>
+            <a:ext cx="3685888" cy="2083328"/>
+          </a:xfrm>
+          <a:prstGeom prst="roundRect">
+            <a:avLst>
+              <a:gd name="adj" fmla="val 16667"/>
+            </a:avLst>
+          </a:prstGeom>
+          <a:ln>
+            <a:noFill/>
+          </a:ln>
+          <a:effectLst>
+            <a:outerShdw blurRad="152400" dist="12000" dir="900000" sy="98000" kx="110000" ky="200000" algn="tl" rotWithShape="0">
+              <a:srgbClr val="000000">
+                <a:alpha val="30000"/>
+              </a:srgbClr>
+            </a:outerShdw>
+          </a:effectLst>
+          <a:scene3d>
+            <a:camera prst="perspectiveRelaxed">
+              <a:rot lat="19800000" lon="1200000" rev="20820000"/>
+            </a:camera>
+            <a:lightRig rig="threePt" dir="t"/>
+          </a:scene3d>
+          <a:sp3d contourW="6350" prstMaterial="matte">
+            <a:bevelT w="101600" h="101600"/>
+            <a:contourClr>
+              <a:srgbClr val="969696"/>
+            </a:contourClr>
+          </a:sp3d>
+        </p:spPr>
+      </p:pic>
+      <p:sp>
+        <p:nvSpPr>
+          <p:cNvPr id="2" name="Title 1">
+            <a:extLst>
+              <a:ext uri="{FF2B5EF4-FFF2-40B4-BE49-F238E27FC236}">
+                <a16:creationId xmlns:a16="http://schemas.microsoft.com/office/drawing/2014/main" id="{55EB8FAE-C049-D0B4-8F89-4FE830EC0782}"/>
+              </a:ext>
+            </a:extLst>
+          </p:cNvPr>
+          <p:cNvSpPr txBox="1">
+            <a:spLocks/>
+          </p:cNvSpPr>
+          <p:nvPr/>
+        </p:nvSpPr>
+        <p:spPr>
+          <a:xfrm>
+            <a:off x="0" y="1"/>
+            <a:ext cx="1674812" cy="914399"/>
+          </a:xfrm>
+          <a:prstGeom prst="rect">
+            <a:avLst/>
+          </a:prstGeom>
+          <a:ln>
+            <a:noFill/>
+          </a:ln>
+          <a:effectLst>
+            <a:innerShdw blurRad="63500" dist="50800" dir="2700000">
+              <a:prstClr val="black">
+                <a:alpha val="50000"/>
+              </a:prstClr>
+            </a:innerShdw>
+          </a:effectLst>
+        </p:spPr>
+        <p:style>
+          <a:lnRef idx="1">
+            <a:schemeClr val="accent1"/>
+          </a:lnRef>
+          <a:fillRef idx="2">
+            <a:schemeClr val="accent1"/>
+          </a:fillRef>
+          <a:effectRef idx="1">
+            <a:schemeClr val="accent1"/>
+          </a:effectRef>
+          <a:fontRef idx="minor">
+            <a:schemeClr val="dk1"/>
+          </a:fontRef>
+        </p:style>
+        <p:txBody>
+          <a:bodyPr vert="horz" lIns="91440" tIns="45720" rIns="91440" bIns="45720" rtlCol="0" anchor="b">
+            <a:normAutofit/>
+          </a:bodyPr>
+          <a:lstStyle>
+            <a:lvl1pPr algn="l" defTabSz="914400" rtl="0" eaLnBrk="1" latinLnBrk="0" hangingPunct="1">
+              <a:lnSpc>
+                <a:spcPct val="80000"/>
+              </a:lnSpc>
+              <a:spcBef>
+                <a:spcPct val="0"/>
+              </a:spcBef>
+              <a:buNone/>
+              <a:defRPr sz="5400" b="1" kern="1200">
+                <a:solidFill>
+                  <a:schemeClr val="accent1">
+                    <a:lumMod val="75000"/>
+                  </a:schemeClr>
+                </a:solidFill>
+                <a:latin typeface="+mj-lt"/>
+                <a:ea typeface="+mj-ea"/>
+                <a:cs typeface="+mj-cs"/>
+              </a:defRPr>
+            </a:lvl1pPr>
+          </a:lstStyle>
+          <a:p>
+            <a:pPr algn="ctr"/>
+            <a:r>
+              <a:rPr lang="en-US" sz="6600"/>
+              <a:t>013</a:t>
+            </a:r>
+            <a:endParaRPr lang="en-US" sz="6600" dirty="0"/>
+          </a:p>
+        </p:txBody>
+      </p:sp>
+    </p:spTree>
+    <p:extLst>
+      <p:ext uri="{BB962C8B-B14F-4D97-AF65-F5344CB8AC3E}">
+        <p14:creationId xmlns:p14="http://schemas.microsoft.com/office/powerpoint/2010/main" val="42775801"/>
+      </p:ext>
+    </p:extLst>
+  </p:cSld>
+  <p:clrMapOvr>
+    <a:masterClrMapping/>
+  </p:clrMapOvr>
+  <mc:AlternateContent xmlns:mc="http://schemas.openxmlformats.org/markup-compatibility/2006" xmlns:p14="http://schemas.microsoft.com/office/powerpoint/2010/main">
+    <mc:Choice Requires="p14">
+      <p:transition spd="med" p14:dur="700">
+        <p:fade/>
+      </p:transition>
+    </mc:Choice>
+    <mc:Fallback xmlns="">
+      <p:transition spd="med">
+        <p:fade/>
+      </p:transition>
+    </mc:Fallback>
+  </mc:AlternateContent>
+</p:sld>
+</file>
+
+<file path=ppt/slides/slide14.xml><?xml version="1.0" encoding="utf-8"?>
 <p:sld xmlns:a="http://schemas.openxmlformats.org/drawingml/2006/main" xmlns:r="http://schemas.openxmlformats.org/officeDocument/2006/relationships" xmlns:p="http://schemas.openxmlformats.org/presentationml/2006/main">
   <p:cSld>
     <p:spTree>
@@ -7221,23 +8435,6 @@
 </file>
 
 <file path=customXml/item1.xml><?xml version="1.0" encoding="utf-8"?>
-<?mso-contentType ?>
-<FormTemplates xmlns="http://schemas.microsoft.com/sharepoint/v3/contenttype/forms">
-  <Display>DocumentLibraryForm</Display>
-  <Edit>DocumentLibraryForm</Edit>
-  <New>DocumentLibraryForm</New>
-</FormTemplates>
-</file>
-
-<file path=customXml/item2.xml><?xml version="1.0" encoding="utf-8"?>
-<p:properties xmlns:p="http://schemas.microsoft.com/office/2006/metadata/properties" xmlns:xsi="http://www.w3.org/2001/XMLSchema-instance" xmlns:pc="http://schemas.microsoft.com/office/infopath/2007/PartnerControls">
-  <documentManagement>
-    <MediaServiceKeyPoints xmlns="71af3243-3dd4-4a8d-8c0d-dd76da1f02a5" xsi:nil="true"/>
-  </documentManagement>
-</p:properties>
-</file>
-
-<file path=customXml/item3.xml><?xml version="1.0" encoding="utf-8"?>
 <ct:contentTypeSchema xmlns:ct="http://schemas.microsoft.com/office/2006/metadata/contentType" xmlns:ma="http://schemas.microsoft.com/office/2006/metadata/properties/metaAttributes" ct:_="" ma:_="" ma:contentTypeName="Document" ma:contentTypeID="0x01010079F111ED35F8CC479449609E8A0923A6" ma:contentTypeVersion="11" ma:contentTypeDescription="Create a new document." ma:contentTypeScope="" ma:versionID="96291512c1ee715ab617f4c07df79fc1">
   <xsd:schema xmlns:xsd="http://www.w3.org/2001/XMLSchema" xmlns:xs="http://www.w3.org/2001/XMLSchema" xmlns:p="http://schemas.microsoft.com/office/2006/metadata/properties" xmlns:ns2="71af3243-3dd4-4a8d-8c0d-dd76da1f02a5" xmlns:ns3="16c05727-aa75-4e4a-9b5f-8a80a1165891" targetNamespace="http://schemas.microsoft.com/office/2006/metadata/properties" ma:root="true" ma:fieldsID="8256c27c40ca5c40ce1cf6c44f0205df" ns2:_="" ns3:_="">
     <xsd:import namespace="71af3243-3dd4-4a8d-8c0d-dd76da1f02a5"/>
@@ -7448,25 +8645,24 @@
 </ct:contentTypeSchema>
 </file>
 
-<file path=customXml/itemProps1.xml><?xml version="1.0" encoding="utf-8"?>
-<ds:datastoreItem xmlns:ds="http://schemas.openxmlformats.org/officeDocument/2006/customXml" ds:itemID="{BE7567CE-A543-444C-8597-EB2278491126}">
-  <ds:schemaRefs>
-    <ds:schemaRef ds:uri="http://schemas.microsoft.com/sharepoint/v3/contenttype/forms"/>
-  </ds:schemaRefs>
-</ds:datastoreItem>
+<file path=customXml/item2.xml><?xml version="1.0" encoding="utf-8"?>
+<p:properties xmlns:p="http://schemas.microsoft.com/office/2006/metadata/properties" xmlns:xsi="http://www.w3.org/2001/XMLSchema-instance" xmlns:pc="http://schemas.microsoft.com/office/infopath/2007/PartnerControls">
+  <documentManagement>
+    <MediaServiceKeyPoints xmlns="71af3243-3dd4-4a8d-8c0d-dd76da1f02a5" xsi:nil="true"/>
+  </documentManagement>
+</p:properties>
 </file>
 
-<file path=customXml/itemProps2.xml><?xml version="1.0" encoding="utf-8"?>
-<ds:datastoreItem xmlns:ds="http://schemas.openxmlformats.org/officeDocument/2006/customXml" ds:itemID="{8A32D51B-405E-4F81-B5A9-F253CD7FC481}">
-  <ds:schemaRefs>
-    <ds:schemaRef ds:uri="http://schemas.microsoft.com/office/2006/metadata/properties"/>
-    <ds:schemaRef ds:uri="http://schemas.microsoft.com/office/infopath/2007/PartnerControls"/>
-    <ds:schemaRef ds:uri="71af3243-3dd4-4a8d-8c0d-dd76da1f02a5"/>
-  </ds:schemaRefs>
-</ds:datastoreItem>
+<file path=customXml/item3.xml><?xml version="1.0" encoding="utf-8"?>
+<?mso-contentType ?>
+<FormTemplates xmlns="http://schemas.microsoft.com/sharepoint/v3/contenttype/forms">
+  <Display>DocumentLibraryForm</Display>
+  <Edit>DocumentLibraryForm</Edit>
+  <New>DocumentLibraryForm</New>
+</FormTemplates>
 </file>
 
-<file path=customXml/itemProps3.xml><?xml version="1.0" encoding="utf-8"?>
+<file path=customXml/itemProps1.xml><?xml version="1.0" encoding="utf-8"?>
 <ds:datastoreItem xmlns:ds="http://schemas.openxmlformats.org/officeDocument/2006/customXml" ds:itemID="{44CEB76F-5C52-4F69-A3C1-2DBEA8CF7465}">
   <ds:schemaRefs>
     <ds:schemaRef ds:uri="http://schemas.microsoft.com/office/2006/metadata/contentType"/>
@@ -7483,4 +8679,22 @@
     <ds:schemaRef ds:uri="http://schemas.microsoft.com/internal/obd"/>
   </ds:schemaRefs>
 </ds:datastoreItem>
+</file>
+
+<file path=customXml/itemProps2.xml><?xml version="1.0" encoding="utf-8"?>
+<ds:datastoreItem xmlns:ds="http://schemas.openxmlformats.org/officeDocument/2006/customXml" ds:itemID="{8A32D51B-405E-4F81-B5A9-F253CD7FC481}">
+  <ds:schemaRefs>
+    <ds:schemaRef ds:uri="http://schemas.microsoft.com/office/2006/metadata/properties"/>
+    <ds:schemaRef ds:uri="http://schemas.microsoft.com/office/infopath/2007/PartnerControls"/>
+    <ds:schemaRef ds:uri="71af3243-3dd4-4a8d-8c0d-dd76da1f02a5"/>
+  </ds:schemaRefs>
+</ds:datastoreItem>
+</file>
+
+<file path=customXml/itemProps3.xml><?xml version="1.0" encoding="utf-8"?>
+<ds:datastoreItem xmlns:ds="http://schemas.openxmlformats.org/officeDocument/2006/customXml" ds:itemID="{BE7567CE-A543-444C-8597-EB2278491126}">
+  <ds:schemaRefs>
+    <ds:schemaRef ds:uri="http://schemas.microsoft.com/sharepoint/v3/contenttype/forms"/>
+  </ds:schemaRefs>
+</ds:datastoreItem>
 </file>